--- a/Apresentação do projeto.pptx
+++ b/Apresentação do projeto.pptx
@@ -4404,6 +4404,18 @@
           <a:prstGeom prst="rect">
             <a:avLst/>
           </a:prstGeom>
+          <a:ln>
+            <a:solidFill>
+              <a:schemeClr val="bg1"/>
+            </a:solidFill>
+          </a:ln>
+          <a:effectLst>
+            <a:outerShdw blurRad="63500" sx="102000" sy="102000" algn="ctr" rotWithShape="0">
+              <a:prstClr val="black">
+                <a:alpha val="40000"/>
+              </a:prstClr>
+            </a:outerShdw>
+          </a:effectLst>
         </p:spPr>
       </p:pic>
       <p:sp>
@@ -4494,7 +4506,7 @@
                 <a:latin typeface="Times New Roman" panose="02020603050405020304" pitchFamily="18" charset="0"/>
                 <a:cs typeface="Times New Roman" panose="02020603050405020304" pitchFamily="18" charset="0"/>
               </a:rPr>
-              <a:t>Página de acesso para a área de login, cadastro de fornecedor e consumidor. [RF- 08]</a:t>
+              <a:t>Clicando no botão “ A empresa” o usuário terá acesso as informações acerca da empresa de tecnologia Abasteça agora.</a:t>
             </a:r>
           </a:p>
           <a:p>
@@ -4507,7 +4519,7 @@
                 <a:latin typeface="Times New Roman" panose="02020603050405020304" pitchFamily="18" charset="0"/>
                 <a:cs typeface="Times New Roman" panose="02020603050405020304" pitchFamily="18" charset="0"/>
               </a:rPr>
-              <a:t>Clicando no botão “ A empresa” o usuário terá acesso as informações acerca da empresa de tecnologia Abasteça agora.</a:t>
+              <a:t>Página de acesso para a área de login, cadastro de fornecedor e consumidor. [RF- 08]</a:t>
             </a:r>
           </a:p>
           <a:p>
@@ -4518,6 +4530,365 @@
           </a:p>
         </p:txBody>
       </p:sp>
+      <p:pic>
+        <p:nvPicPr>
+          <p:cNvPr id="3" name="Imagem 2">
+            <a:extLst>
+              <a:ext uri="{FF2B5EF4-FFF2-40B4-BE49-F238E27FC236}">
+                <a16:creationId xmlns:a16="http://schemas.microsoft.com/office/drawing/2014/main" id="{999013A0-C112-41B8-9918-9537F264F797}"/>
+              </a:ext>
+            </a:extLst>
+          </p:cNvPr>
+          <p:cNvPicPr>
+            <a:picLocks noChangeAspect="1"/>
+          </p:cNvPicPr>
+          <p:nvPr/>
+        </p:nvPicPr>
+        <p:blipFill>
+          <a:blip r:embed="rId3">
+            <a:extLst>
+              <a:ext uri="{28A0092B-C50C-407E-A947-70E740481C1C}">
+                <a14:useLocalDpi xmlns:a14="http://schemas.microsoft.com/office/drawing/2010/main" val="0"/>
+              </a:ext>
+            </a:extLst>
+          </a:blip>
+          <a:stretch>
+            <a:fillRect/>
+          </a:stretch>
+        </p:blipFill>
+        <p:spPr>
+          <a:xfrm>
+            <a:off x="8959118" y="1461097"/>
+            <a:ext cx="2682472" cy="891617"/>
+          </a:xfrm>
+          <a:prstGeom prst="rect">
+            <a:avLst/>
+          </a:prstGeom>
+          <a:ln>
+            <a:noFill/>
+          </a:ln>
+          <a:effectLst>
+            <a:outerShdw blurRad="292100" dist="139700" dir="2700000" algn="tl" rotWithShape="0">
+              <a:srgbClr val="333333">
+                <a:alpha val="65000"/>
+              </a:srgbClr>
+            </a:outerShdw>
+          </a:effectLst>
+        </p:spPr>
+      </p:pic>
+      <p:cxnSp>
+        <p:nvCxnSpPr>
+          <p:cNvPr id="24" name="Conector de Seta Reta 23">
+            <a:extLst>
+              <a:ext uri="{FF2B5EF4-FFF2-40B4-BE49-F238E27FC236}">
+                <a16:creationId xmlns:a16="http://schemas.microsoft.com/office/drawing/2014/main" id="{7E5A6EE6-DD82-4601-BA62-9CB0A78DD474}"/>
+              </a:ext>
+            </a:extLst>
+          </p:cNvPr>
+          <p:cNvCxnSpPr/>
+          <p:nvPr/>
+        </p:nvCxnSpPr>
+        <p:spPr>
+          <a:xfrm>
+            <a:off x="10218656" y="952107"/>
+            <a:ext cx="0" cy="434103"/>
+          </a:xfrm>
+          <a:prstGeom prst="straightConnector1">
+            <a:avLst/>
+          </a:prstGeom>
+          <a:ln>
+            <a:tailEnd type="triangle"/>
+          </a:ln>
+        </p:spPr>
+        <p:style>
+          <a:lnRef idx="1">
+            <a:schemeClr val="dk1"/>
+          </a:lnRef>
+          <a:fillRef idx="0">
+            <a:schemeClr val="dk1"/>
+          </a:fillRef>
+          <a:effectRef idx="0">
+            <a:schemeClr val="dk1"/>
+          </a:effectRef>
+          <a:fontRef idx="minor">
+            <a:schemeClr val="tx1"/>
+          </a:fontRef>
+        </p:style>
+      </p:cxnSp>
+      <p:cxnSp>
+        <p:nvCxnSpPr>
+          <p:cNvPr id="26" name="Conector reto 25">
+            <a:extLst>
+              <a:ext uri="{FF2B5EF4-FFF2-40B4-BE49-F238E27FC236}">
+                <a16:creationId xmlns:a16="http://schemas.microsoft.com/office/drawing/2014/main" id="{5EDCC438-F326-4CC4-9B78-7C092371DDA1}"/>
+              </a:ext>
+            </a:extLst>
+          </p:cNvPr>
+          <p:cNvCxnSpPr>
+            <a:cxnSpLocks/>
+          </p:cNvCxnSpPr>
+          <p:nvPr/>
+        </p:nvCxnSpPr>
+        <p:spPr>
+          <a:xfrm flipH="1">
+            <a:off x="10218656" y="876693"/>
+            <a:ext cx="744718" cy="0"/>
+          </a:xfrm>
+          <a:prstGeom prst="line">
+            <a:avLst/>
+          </a:prstGeom>
+        </p:spPr>
+        <p:style>
+          <a:lnRef idx="1">
+            <a:schemeClr val="dk1"/>
+          </a:lnRef>
+          <a:fillRef idx="0">
+            <a:schemeClr val="dk1"/>
+          </a:fillRef>
+          <a:effectRef idx="0">
+            <a:schemeClr val="dk1"/>
+          </a:effectRef>
+          <a:fontRef idx="minor">
+            <a:schemeClr val="tx1"/>
+          </a:fontRef>
+        </p:style>
+      </p:cxnSp>
+      <p:cxnSp>
+        <p:nvCxnSpPr>
+          <p:cNvPr id="29" name="Conector reto 28">
+            <a:extLst>
+              <a:ext uri="{FF2B5EF4-FFF2-40B4-BE49-F238E27FC236}">
+                <a16:creationId xmlns:a16="http://schemas.microsoft.com/office/drawing/2014/main" id="{30A839FF-B477-4786-975B-71E8775B8EFA}"/>
+              </a:ext>
+            </a:extLst>
+          </p:cNvPr>
+          <p:cNvCxnSpPr/>
+          <p:nvPr/>
+        </p:nvCxnSpPr>
+        <p:spPr>
+          <a:xfrm flipV="1">
+            <a:off x="10218656" y="876693"/>
+            <a:ext cx="0" cy="75414"/>
+          </a:xfrm>
+          <a:prstGeom prst="line">
+            <a:avLst/>
+          </a:prstGeom>
+        </p:spPr>
+        <p:style>
+          <a:lnRef idx="1">
+            <a:schemeClr val="dk1"/>
+          </a:lnRef>
+          <a:fillRef idx="0">
+            <a:schemeClr val="dk1"/>
+          </a:fillRef>
+          <a:effectRef idx="0">
+            <a:schemeClr val="dk1"/>
+          </a:effectRef>
+          <a:fontRef idx="minor">
+            <a:schemeClr val="tx1"/>
+          </a:fontRef>
+        </p:style>
+      </p:cxnSp>
+      <p:pic>
+        <p:nvPicPr>
+          <p:cNvPr id="31" name="Imagem 30">
+            <a:extLst>
+              <a:ext uri="{FF2B5EF4-FFF2-40B4-BE49-F238E27FC236}">
+                <a16:creationId xmlns:a16="http://schemas.microsoft.com/office/drawing/2014/main" id="{E0439F34-12AF-4C42-BD14-9CD521057F6B}"/>
+              </a:ext>
+            </a:extLst>
+          </p:cNvPr>
+          <p:cNvPicPr>
+            <a:picLocks noChangeAspect="1"/>
+          </p:cNvPicPr>
+          <p:nvPr/>
+        </p:nvPicPr>
+        <p:blipFill>
+          <a:blip r:embed="rId4">
+            <a:extLst>
+              <a:ext uri="{28A0092B-C50C-407E-A947-70E740481C1C}">
+                <a14:useLocalDpi xmlns:a14="http://schemas.microsoft.com/office/drawing/2010/main" val="0"/>
+              </a:ext>
+            </a:extLst>
+          </a:blip>
+          <a:stretch>
+            <a:fillRect/>
+          </a:stretch>
+        </p:blipFill>
+        <p:spPr>
+          <a:xfrm>
+            <a:off x="1024379" y="5290149"/>
+            <a:ext cx="4873658" cy="1294328"/>
+          </a:xfrm>
+          <a:prstGeom prst="rect">
+            <a:avLst/>
+          </a:prstGeom>
+          <a:effectLst>
+            <a:outerShdw blurRad="63500" sx="102000" sy="102000" algn="ctr" rotWithShape="0">
+              <a:prstClr val="black">
+                <a:alpha val="40000"/>
+              </a:prstClr>
+            </a:outerShdw>
+          </a:effectLst>
+        </p:spPr>
+      </p:pic>
+      <p:cxnSp>
+        <p:nvCxnSpPr>
+          <p:cNvPr id="33" name="Conector reto 32">
+            <a:extLst>
+              <a:ext uri="{FF2B5EF4-FFF2-40B4-BE49-F238E27FC236}">
+                <a16:creationId xmlns:a16="http://schemas.microsoft.com/office/drawing/2014/main" id="{EB3C4CF0-E10B-463E-8FDA-8EF59C80BCE4}"/>
+              </a:ext>
+            </a:extLst>
+          </p:cNvPr>
+          <p:cNvCxnSpPr/>
+          <p:nvPr/>
+        </p:nvCxnSpPr>
+        <p:spPr>
+          <a:xfrm flipH="1">
+            <a:off x="3667027" y="4986779"/>
+            <a:ext cx="2516957" cy="0"/>
+          </a:xfrm>
+          <a:prstGeom prst="line">
+            <a:avLst/>
+          </a:prstGeom>
+        </p:spPr>
+        <p:style>
+          <a:lnRef idx="1">
+            <a:schemeClr val="dk1"/>
+          </a:lnRef>
+          <a:fillRef idx="0">
+            <a:schemeClr val="dk1"/>
+          </a:fillRef>
+          <a:effectRef idx="0">
+            <a:schemeClr val="dk1"/>
+          </a:effectRef>
+          <a:fontRef idx="minor">
+            <a:schemeClr val="tx1"/>
+          </a:fontRef>
+        </p:style>
+      </p:cxnSp>
+      <p:cxnSp>
+        <p:nvCxnSpPr>
+          <p:cNvPr id="35" name="Conector de Seta Reta 34">
+            <a:extLst>
+              <a:ext uri="{FF2B5EF4-FFF2-40B4-BE49-F238E27FC236}">
+                <a16:creationId xmlns:a16="http://schemas.microsoft.com/office/drawing/2014/main" id="{B6AF67FB-6CE6-463C-B158-AB2B1C19587B}"/>
+              </a:ext>
+            </a:extLst>
+          </p:cNvPr>
+          <p:cNvCxnSpPr/>
+          <p:nvPr/>
+        </p:nvCxnSpPr>
+        <p:spPr>
+          <a:xfrm>
+            <a:off x="3676454" y="4977353"/>
+            <a:ext cx="0" cy="216816"/>
+          </a:xfrm>
+          <a:prstGeom prst="straightConnector1">
+            <a:avLst/>
+          </a:prstGeom>
+          <a:ln>
+            <a:tailEnd type="triangle"/>
+          </a:ln>
+        </p:spPr>
+        <p:style>
+          <a:lnRef idx="1">
+            <a:schemeClr val="dk1"/>
+          </a:lnRef>
+          <a:fillRef idx="0">
+            <a:schemeClr val="dk1"/>
+          </a:fillRef>
+          <a:effectRef idx="0">
+            <a:schemeClr val="dk1"/>
+          </a:effectRef>
+          <a:fontRef idx="minor">
+            <a:schemeClr val="tx1"/>
+          </a:fontRef>
+        </p:style>
+      </p:cxnSp>
+      <p:pic>
+        <p:nvPicPr>
+          <p:cNvPr id="39" name="Imagem 38">
+            <a:extLst>
+              <a:ext uri="{FF2B5EF4-FFF2-40B4-BE49-F238E27FC236}">
+                <a16:creationId xmlns:a16="http://schemas.microsoft.com/office/drawing/2014/main" id="{46BBA622-C80C-48F2-9413-C91778362004}"/>
+              </a:ext>
+            </a:extLst>
+          </p:cNvPr>
+          <p:cNvPicPr>
+            <a:picLocks noChangeAspect="1"/>
+          </p:cNvPicPr>
+          <p:nvPr/>
+        </p:nvPicPr>
+        <p:blipFill>
+          <a:blip r:embed="rId5">
+            <a:extLst>
+              <a:ext uri="{28A0092B-C50C-407E-A947-70E740481C1C}">
+                <a14:useLocalDpi xmlns:a14="http://schemas.microsoft.com/office/drawing/2010/main" val="0"/>
+              </a:ext>
+            </a:extLst>
+          </a:blip>
+          <a:stretch>
+            <a:fillRect/>
+          </a:stretch>
+        </p:blipFill>
+        <p:spPr>
+          <a:xfrm>
+            <a:off x="8959118" y="3836710"/>
+            <a:ext cx="2682472" cy="1036949"/>
+          </a:xfrm>
+          <a:prstGeom prst="rect">
+            <a:avLst/>
+          </a:prstGeom>
+          <a:effectLst>
+            <a:outerShdw blurRad="63500" sx="102000" sy="102000" algn="ctr" rotWithShape="0">
+              <a:prstClr val="black">
+                <a:alpha val="40000"/>
+              </a:prstClr>
+            </a:outerShdw>
+          </a:effectLst>
+        </p:spPr>
+      </p:pic>
+      <p:cxnSp>
+        <p:nvCxnSpPr>
+          <p:cNvPr id="41" name="Conector de Seta Reta 40">
+            <a:extLst>
+              <a:ext uri="{FF2B5EF4-FFF2-40B4-BE49-F238E27FC236}">
+                <a16:creationId xmlns:a16="http://schemas.microsoft.com/office/drawing/2014/main" id="{003146B1-C5A3-4E7D-BDC3-91A4E97C3127}"/>
+              </a:ext>
+            </a:extLst>
+          </p:cNvPr>
+          <p:cNvCxnSpPr/>
+          <p:nvPr/>
+        </p:nvCxnSpPr>
+        <p:spPr>
+          <a:xfrm>
+            <a:off x="8059918" y="4355184"/>
+            <a:ext cx="697583" cy="0"/>
+          </a:xfrm>
+          <a:prstGeom prst="straightConnector1">
+            <a:avLst/>
+          </a:prstGeom>
+          <a:ln>
+            <a:tailEnd type="triangle"/>
+          </a:ln>
+        </p:spPr>
+        <p:style>
+          <a:lnRef idx="1">
+            <a:schemeClr val="dk1"/>
+          </a:lnRef>
+          <a:fillRef idx="0">
+            <a:schemeClr val="dk1"/>
+          </a:fillRef>
+          <a:effectRef idx="0">
+            <a:schemeClr val="dk1"/>
+          </a:effectRef>
+          <a:fontRef idx="minor">
+            <a:schemeClr val="tx1"/>
+          </a:fontRef>
+        </p:style>
+      </p:cxnSp>
     </p:spTree>
     <p:extLst>
       <p:ext uri="{BB962C8B-B14F-4D97-AF65-F5344CB8AC3E}">
@@ -4648,34 +5019,12 @@
                 <a:latin typeface="Times New Roman" panose="02020603050405020304" pitchFamily="18" charset="0"/>
                 <a:cs typeface="Times New Roman" panose="02020603050405020304" pitchFamily="18" charset="0"/>
               </a:rPr>
-              <a:t>Caso o usuário seja novo no site, então ele deverá retornar a Home Page e selecionar o seu tipo de cadastro, que é:</a:t>
-            </a:r>
-          </a:p>
-          <a:p>
-            <a:pPr marL="742950" lvl="1" indent="-285750" algn="l">
-              <a:buFont typeface="Arial" panose="020B0604020202020204" pitchFamily="34" charset="0"/>
-              <a:buChar char="•"/>
-            </a:pPr>
-            <a:r>
-              <a:rPr lang="pt-BR" sz="1200" dirty="0">
-                <a:latin typeface="Times New Roman" panose="02020603050405020304" pitchFamily="18" charset="0"/>
-                <a:cs typeface="Times New Roman" panose="02020603050405020304" pitchFamily="18" charset="0"/>
-              </a:rPr>
-              <a:t>Fornecedor</a:t>
-            </a:r>
-          </a:p>
-          <a:p>
-            <a:pPr marL="742950" lvl="1" indent="-285750" algn="l">
-              <a:buFont typeface="Arial" panose="020B0604020202020204" pitchFamily="34" charset="0"/>
-              <a:buChar char="•"/>
-            </a:pPr>
-            <a:r>
-              <a:rPr lang="pt-BR" sz="1200" dirty="0">
-                <a:latin typeface="Times New Roman" panose="02020603050405020304" pitchFamily="18" charset="0"/>
-                <a:cs typeface="Times New Roman" panose="02020603050405020304" pitchFamily="18" charset="0"/>
-              </a:rPr>
-              <a:t>Consumidor</a:t>
-            </a:r>
+              <a:t>Após ser feito o login, o usuário irá entrar em uma página que contém as informações da sua conta. </a:t>
+            </a:r>
+            <a:endParaRPr lang="pt-BR" sz="1200" dirty="0">
+              <a:latin typeface="Times New Roman" panose="02020603050405020304" pitchFamily="18" charset="0"/>
+              <a:cs typeface="Times New Roman" panose="02020603050405020304" pitchFamily="18" charset="0"/>
+            </a:endParaRPr>
           </a:p>
           <a:p>
             <a:pPr lvl="1" algn="l"/>
@@ -4688,10 +5037,10 @@
       </p:sp>
       <p:pic>
         <p:nvPicPr>
-          <p:cNvPr id="5" name="Imagem 4">
-            <a:extLst>
-              <a:ext uri="{FF2B5EF4-FFF2-40B4-BE49-F238E27FC236}">
-                <a16:creationId xmlns:a16="http://schemas.microsoft.com/office/drawing/2014/main" id="{8B481DC4-1025-4E1C-853D-FC6ABA8CE094}"/>
+          <p:cNvPr id="6" name="Imagem 5">
+            <a:extLst>
+              <a:ext uri="{FF2B5EF4-FFF2-40B4-BE49-F238E27FC236}">
+                <a16:creationId xmlns:a16="http://schemas.microsoft.com/office/drawing/2014/main" id="{17EFB24B-7033-4A0E-8B6B-7B7F192454B2}"/>
               </a:ext>
             </a:extLst>
           </p:cNvPr>
@@ -4714,12 +5063,19 @@
         </p:blipFill>
         <p:spPr>
           <a:xfrm>
-            <a:off x="3191069" y="632789"/>
-            <a:ext cx="8770775" cy="5404118"/>
+            <a:off x="3205112" y="770546"/>
+            <a:ext cx="8632325" cy="5316908"/>
           </a:xfrm>
           <a:prstGeom prst="rect">
             <a:avLst/>
           </a:prstGeom>
+          <a:effectLst>
+            <a:outerShdw blurRad="63500" sx="102000" sy="102000" algn="ctr" rotWithShape="0">
+              <a:prstClr val="black">
+                <a:alpha val="40000"/>
+              </a:prstClr>
+            </a:outerShdw>
+          </a:effectLst>
         </p:spPr>
       </p:pic>
     </p:spTree>
@@ -4973,6 +5329,13 @@
           <a:prstGeom prst="rect">
             <a:avLst/>
           </a:prstGeom>
+          <a:effectLst>
+            <a:outerShdw blurRad="63500" sx="102000" sy="102000" algn="ctr" rotWithShape="0">
+              <a:prstClr val="black">
+                <a:alpha val="40000"/>
+              </a:prstClr>
+            </a:outerShdw>
+          </a:effectLst>
         </p:spPr>
       </p:pic>
     </p:spTree>
@@ -5245,8 +5608,133 @@
           <a:prstGeom prst="rect">
             <a:avLst/>
           </a:prstGeom>
+          <a:effectLst>
+            <a:outerShdw blurRad="63500" sx="102000" sy="102000" algn="ctr" rotWithShape="0">
+              <a:prstClr val="black">
+                <a:alpha val="40000"/>
+              </a:prstClr>
+            </a:outerShdw>
+          </a:effectLst>
         </p:spPr>
       </p:pic>
+      <p:pic>
+        <p:nvPicPr>
+          <p:cNvPr id="6" name="Imagem 5">
+            <a:extLst>
+              <a:ext uri="{FF2B5EF4-FFF2-40B4-BE49-F238E27FC236}">
+                <a16:creationId xmlns:a16="http://schemas.microsoft.com/office/drawing/2014/main" id="{7D5D7F0D-952A-4570-B1F5-E5317F0BEA5A}"/>
+              </a:ext>
+            </a:extLst>
+          </p:cNvPr>
+          <p:cNvPicPr>
+            <a:picLocks noChangeAspect="1"/>
+          </p:cNvPicPr>
+          <p:nvPr/>
+        </p:nvPicPr>
+        <p:blipFill>
+          <a:blip r:embed="rId3">
+            <a:extLst>
+              <a:ext uri="{28A0092B-C50C-407E-A947-70E740481C1C}">
+                <a14:useLocalDpi xmlns:a14="http://schemas.microsoft.com/office/drawing/2010/main" val="0"/>
+              </a:ext>
+            </a:extLst>
+          </a:blip>
+          <a:stretch>
+            <a:fillRect/>
+          </a:stretch>
+        </p:blipFill>
+        <p:spPr>
+          <a:xfrm>
+            <a:off x="7288490" y="5133392"/>
+            <a:ext cx="4202784" cy="1446517"/>
+          </a:xfrm>
+          <a:prstGeom prst="rect">
+            <a:avLst/>
+          </a:prstGeom>
+          <a:effectLst>
+            <a:outerShdw blurRad="63500" sx="102000" sy="102000" algn="ctr" rotWithShape="0">
+              <a:prstClr val="black">
+                <a:alpha val="40000"/>
+              </a:prstClr>
+            </a:outerShdw>
+          </a:effectLst>
+        </p:spPr>
+      </p:pic>
+      <p:cxnSp>
+        <p:nvCxnSpPr>
+          <p:cNvPr id="8" name="Conector reto 7">
+            <a:extLst>
+              <a:ext uri="{FF2B5EF4-FFF2-40B4-BE49-F238E27FC236}">
+                <a16:creationId xmlns:a16="http://schemas.microsoft.com/office/drawing/2014/main" id="{665CCD09-EEAD-4A78-AE97-9A3BC8A554E5}"/>
+              </a:ext>
+            </a:extLst>
+          </p:cNvPr>
+          <p:cNvCxnSpPr/>
+          <p:nvPr/>
+        </p:nvCxnSpPr>
+        <p:spPr>
+          <a:xfrm>
+            <a:off x="7477026" y="4694548"/>
+            <a:ext cx="1912856" cy="0"/>
+          </a:xfrm>
+          <a:prstGeom prst="line">
+            <a:avLst/>
+          </a:prstGeom>
+        </p:spPr>
+        <p:style>
+          <a:lnRef idx="1">
+            <a:schemeClr val="dk1"/>
+          </a:lnRef>
+          <a:fillRef idx="0">
+            <a:schemeClr val="dk1"/>
+          </a:fillRef>
+          <a:effectRef idx="0">
+            <a:schemeClr val="dk1"/>
+          </a:effectRef>
+          <a:fontRef idx="minor">
+            <a:schemeClr val="tx1"/>
+          </a:fontRef>
+        </p:style>
+      </p:cxnSp>
+      <p:cxnSp>
+        <p:nvCxnSpPr>
+          <p:cNvPr id="10" name="Conector de Seta Reta 9">
+            <a:extLst>
+              <a:ext uri="{FF2B5EF4-FFF2-40B4-BE49-F238E27FC236}">
+                <a16:creationId xmlns:a16="http://schemas.microsoft.com/office/drawing/2014/main" id="{34B41AC8-1EF0-4F91-85C8-F6EFE9101290}"/>
+              </a:ext>
+            </a:extLst>
+          </p:cNvPr>
+          <p:cNvCxnSpPr/>
+          <p:nvPr/>
+        </p:nvCxnSpPr>
+        <p:spPr>
+          <a:xfrm>
+            <a:off x="9389882" y="4703975"/>
+            <a:ext cx="0" cy="311085"/>
+          </a:xfrm>
+          <a:prstGeom prst="straightConnector1">
+            <a:avLst/>
+          </a:prstGeom>
+          <a:ln>
+            <a:tailEnd type="triangle"/>
+          </a:ln>
+        </p:spPr>
+        <p:style>
+          <a:lnRef idx="1">
+            <a:schemeClr val="dk1"/>
+          </a:lnRef>
+          <a:fillRef idx="0">
+            <a:schemeClr val="dk1"/>
+          </a:fillRef>
+          <a:effectRef idx="0">
+            <a:schemeClr val="dk1"/>
+          </a:effectRef>
+          <a:fontRef idx="minor">
+            <a:schemeClr val="tx1"/>
+          </a:fontRef>
+        </p:style>
+      </p:cxnSp>
     </p:spTree>
     <p:extLst>
       <p:ext uri="{BB962C8B-B14F-4D97-AF65-F5344CB8AC3E}">

--- a/Apresentação do projeto.pptx
+++ b/Apresentação do projeto.pptx
@@ -10,9 +10,9 @@
   <p:sldIdLst>
     <p:sldId id="256" r:id="rId2"/>
     <p:sldId id="258" r:id="rId3"/>
-    <p:sldId id="257" r:id="rId4"/>
-    <p:sldId id="259" r:id="rId5"/>
-    <p:sldId id="260" r:id="rId6"/>
+    <p:sldId id="259" r:id="rId4"/>
+    <p:sldId id="260" r:id="rId5"/>
+    <p:sldId id="257" r:id="rId6"/>
     <p:sldId id="261" r:id="rId7"/>
     <p:sldId id="262" r:id="rId8"/>
     <p:sldId id="263" r:id="rId9"/>
@@ -128,8 +128,8 @@
 <pc:chgInfo xmlns:a="http://schemas.openxmlformats.org/drawingml/2006/main" xmlns:r="http://schemas.openxmlformats.org/officeDocument/2006/relationships" xmlns:ac="http://schemas.microsoft.com/office/drawing/2013/main/command" xmlns:pc="http://schemas.microsoft.com/office/powerpoint/2013/main/command">
   <pc:docChgLst>
     <pc:chgData name="Robson Levi" userId="1019b20ae95c112e" providerId="LiveId" clId="{527BBB49-8F9D-40C5-8023-400A0CF34FE2}"/>
-    <pc:docChg chg="undo custSel addSld delSld modSld addSection delSection modSection">
-      <pc:chgData name="Robson Levi" userId="1019b20ae95c112e" providerId="LiveId" clId="{527BBB49-8F9D-40C5-8023-400A0CF34FE2}" dt="2021-12-04T04:05:31.722" v="3423" actId="20577"/>
+    <pc:docChg chg="undo custSel addSld delSld modSld sldOrd addSection delSection modSection">
+      <pc:chgData name="Robson Levi" userId="1019b20ae95c112e" providerId="LiveId" clId="{527BBB49-8F9D-40C5-8023-400A0CF34FE2}" dt="2021-12-04T13:06:57.645" v="3583" actId="478"/>
       <pc:docMkLst>
         <pc:docMk/>
       </pc:docMkLst>
@@ -196,8 +196,8 @@
           </ac:picMkLst>
         </pc:picChg>
       </pc:sldChg>
-      <pc:sldChg chg="addSp modSp new mod modTransition">
-        <pc:chgData name="Robson Levi" userId="1019b20ae95c112e" providerId="LiveId" clId="{527BBB49-8F9D-40C5-8023-400A0CF34FE2}" dt="2021-12-04T04:03:30.050" v="3386" actId="20577"/>
+      <pc:sldChg chg="addSp delSp modSp new mod modTransition">
+        <pc:chgData name="Robson Levi" userId="1019b20ae95c112e" providerId="LiveId" clId="{527BBB49-8F9D-40C5-8023-400A0CF34FE2}" dt="2021-12-04T12:56:18.785" v="3445" actId="478"/>
         <pc:sldMkLst>
           <pc:docMk/>
           <pc:sldMk cId="466258431" sldId="257"/>
@@ -224,6 +224,14 @@
             <pc:docMk/>
             <pc:sldMk cId="466258431" sldId="257"/>
             <ac:picMk id="5" creationId="{8B481DC4-1025-4E1C-853D-FC6ABA8CE094}"/>
+          </ac:picMkLst>
+        </pc:picChg>
+        <pc:picChg chg="add del mod">
+          <ac:chgData name="Robson Levi" userId="1019b20ae95c112e" providerId="LiveId" clId="{527BBB49-8F9D-40C5-8023-400A0CF34FE2}" dt="2021-12-04T12:56:18.785" v="3445" actId="478"/>
+          <ac:picMkLst>
+            <pc:docMk/>
+            <pc:sldMk cId="466258431" sldId="257"/>
+            <ac:picMk id="5" creationId="{97B7C6EF-A17C-4C44-AA54-6E229C1EB9E8}"/>
           </ac:picMkLst>
         </pc:picChg>
       </pc:sldChg>
@@ -282,8 +290,8 @@
           </ac:picMkLst>
         </pc:picChg>
       </pc:sldChg>
-      <pc:sldChg chg="addSp delSp modSp new mod modTransition">
-        <pc:chgData name="Robson Levi" userId="1019b20ae95c112e" providerId="LiveId" clId="{527BBB49-8F9D-40C5-8023-400A0CF34FE2}" dt="2021-12-04T04:04:36.595" v="3414" actId="5793"/>
+      <pc:sldChg chg="addSp delSp modSp new mod ord modTransition">
+        <pc:chgData name="Robson Levi" userId="1019b20ae95c112e" providerId="LiveId" clId="{527BBB49-8F9D-40C5-8023-400A0CF34FE2}" dt="2021-12-04T12:55:51.160" v="3442"/>
         <pc:sldMkLst>
           <pc:docMk/>
           <pc:sldMk cId="1360558957" sldId="259"/>
@@ -321,8 +329,8 @@
           </ac:picMkLst>
         </pc:picChg>
       </pc:sldChg>
-      <pc:sldChg chg="addSp modSp new mod modTransition">
-        <pc:chgData name="Robson Levi" userId="1019b20ae95c112e" providerId="LiveId" clId="{527BBB49-8F9D-40C5-8023-400A0CF34FE2}" dt="2021-12-04T04:04:13.511" v="3397" actId="5793"/>
+      <pc:sldChg chg="addSp modSp new mod ord modTransition">
+        <pc:chgData name="Robson Levi" userId="1019b20ae95c112e" providerId="LiveId" clId="{527BBB49-8F9D-40C5-8023-400A0CF34FE2}" dt="2021-12-04T12:55:54.433" v="3444"/>
         <pc:sldMkLst>
           <pc:docMk/>
           <pc:sldMk cId="1904355808" sldId="260"/>
@@ -352,28 +360,60 @@
           </ac:picMkLst>
         </pc:picChg>
       </pc:sldChg>
-      <pc:sldChg chg="modSp new modTransition">
-        <pc:chgData name="Robson Levi" userId="1019b20ae95c112e" providerId="LiveId" clId="{527BBB49-8F9D-40C5-8023-400A0CF34FE2}" dt="2021-12-04T03:02:19.221" v="1721"/>
+      <pc:sldChg chg="addSp delSp modSp new mod modTransition">
+        <pc:chgData name="Robson Levi" userId="1019b20ae95c112e" providerId="LiveId" clId="{527BBB49-8F9D-40C5-8023-400A0CF34FE2}" dt="2021-12-04T13:06:57.645" v="3583" actId="478"/>
         <pc:sldMkLst>
           <pc:docMk/>
           <pc:sldMk cId="4122658532" sldId="261"/>
         </pc:sldMkLst>
-        <pc:spChg chg="mod">
-          <ac:chgData name="Robson Levi" userId="1019b20ae95c112e" providerId="LiveId" clId="{527BBB49-8F9D-40C5-8023-400A0CF34FE2}" dt="2021-12-04T03:02:19.221" v="1721"/>
+        <pc:spChg chg="del mod">
+          <ac:chgData name="Robson Levi" userId="1019b20ae95c112e" providerId="LiveId" clId="{527BBB49-8F9D-40C5-8023-400A0CF34FE2}" dt="2021-12-04T13:00:05.048" v="3454" actId="478"/>
           <ac:spMkLst>
             <pc:docMk/>
             <pc:sldMk cId="4122658532" sldId="261"/>
             <ac:spMk id="2" creationId="{10FF0695-BD2B-4180-8577-BC69E8164267}"/>
           </ac:spMkLst>
         </pc:spChg>
-        <pc:spChg chg="mod">
-          <ac:chgData name="Robson Levi" userId="1019b20ae95c112e" providerId="LiveId" clId="{527BBB49-8F9D-40C5-8023-400A0CF34FE2}" dt="2021-12-04T03:02:19.221" v="1721"/>
+        <pc:spChg chg="del mod">
+          <ac:chgData name="Robson Levi" userId="1019b20ae95c112e" providerId="LiveId" clId="{527BBB49-8F9D-40C5-8023-400A0CF34FE2}" dt="2021-12-04T13:03:36.731" v="3556" actId="478"/>
           <ac:spMkLst>
             <pc:docMk/>
             <pc:sldMk cId="4122658532" sldId="261"/>
             <ac:spMk id="3" creationId="{9D624F4E-C9B3-46F4-8ACF-99CD4833FEE9}"/>
           </ac:spMkLst>
         </pc:spChg>
+        <pc:spChg chg="add del mod">
+          <ac:chgData name="Robson Levi" userId="1019b20ae95c112e" providerId="LiveId" clId="{527BBB49-8F9D-40C5-8023-400A0CF34FE2}" dt="2021-12-04T13:03:42.350" v="3557" actId="478"/>
+          <ac:spMkLst>
+            <pc:docMk/>
+            <pc:sldMk cId="4122658532" sldId="261"/>
+            <ac:spMk id="7" creationId="{951AD68B-E7FC-4189-8C81-E0067B161B9E}"/>
+          </ac:spMkLst>
+        </pc:spChg>
+        <pc:graphicFrameChg chg="add del mod modGraphic">
+          <ac:chgData name="Robson Levi" userId="1019b20ae95c112e" providerId="LiveId" clId="{527BBB49-8F9D-40C5-8023-400A0CF34FE2}" dt="2021-12-04T13:06:57.645" v="3583" actId="478"/>
+          <ac:graphicFrameMkLst>
+            <pc:docMk/>
+            <pc:sldMk cId="4122658532" sldId="261"/>
+            <ac:graphicFrameMk id="8" creationId="{0FF0762A-BC51-4C75-A257-09A239952499}"/>
+          </ac:graphicFrameMkLst>
+        </pc:graphicFrameChg>
+        <pc:picChg chg="add del mod">
+          <ac:chgData name="Robson Levi" userId="1019b20ae95c112e" providerId="LiveId" clId="{527BBB49-8F9D-40C5-8023-400A0CF34FE2}" dt="2021-12-04T13:04:04.804" v="3558" actId="478"/>
+          <ac:picMkLst>
+            <pc:docMk/>
+            <pc:sldMk cId="4122658532" sldId="261"/>
+            <ac:picMk id="5" creationId="{580E4C78-CB59-46C3-8F20-DDD8E23CE01A}"/>
+          </ac:picMkLst>
+        </pc:picChg>
+        <pc:picChg chg="add del mod">
+          <ac:chgData name="Robson Levi" userId="1019b20ae95c112e" providerId="LiveId" clId="{527BBB49-8F9D-40C5-8023-400A0CF34FE2}" dt="2021-12-04T13:05:42.036" v="3565" actId="478"/>
+          <ac:picMkLst>
+            <pc:docMk/>
+            <pc:sldMk cId="4122658532" sldId="261"/>
+            <ac:picMk id="10" creationId="{B23CA53F-A7C3-448E-922F-236FEB79AF85}"/>
+          </ac:picMkLst>
+        </pc:picChg>
       </pc:sldChg>
       <pc:sldChg chg="modSp new modTransition">
         <pc:chgData name="Robson Levi" userId="1019b20ae95c112e" providerId="LiveId" clId="{527BBB49-8F9D-40C5-8023-400A0CF34FE2}" dt="2021-12-04T03:02:19.221" v="1721"/>
@@ -4936,195 +4976,6 @@
           <p:cNvPr id="2" name="Título 1">
             <a:extLst>
               <a:ext uri="{FF2B5EF4-FFF2-40B4-BE49-F238E27FC236}">
-                <a16:creationId xmlns:a16="http://schemas.microsoft.com/office/drawing/2014/main" id="{5C19A207-B35A-460E-B5FA-C3F57ED76EB1}"/>
-              </a:ext>
-            </a:extLst>
-          </p:cNvPr>
-          <p:cNvSpPr>
-            <a:spLocks noGrp="1"/>
-          </p:cNvSpPr>
-          <p:nvPr>
-            <p:ph type="ctrTitle"/>
-          </p:nvPr>
-        </p:nvSpPr>
-        <p:spPr>
-          <a:xfrm>
-            <a:off x="354563" y="1122363"/>
-            <a:ext cx="2612573" cy="389196"/>
-          </a:xfrm>
-        </p:spPr>
-        <p:txBody>
-          <a:bodyPr>
-            <a:normAutofit/>
-          </a:bodyPr>
-          <a:lstStyle/>
-          <a:p>
-            <a:r>
-              <a:rPr lang="pt-BR" sz="2000" dirty="0">
-                <a:latin typeface="Times New Roman" panose="02020603050405020304" pitchFamily="18" charset="0"/>
-                <a:cs typeface="Times New Roman" panose="02020603050405020304" pitchFamily="18" charset="0"/>
-              </a:rPr>
-              <a:t>Área de Login</a:t>
-            </a:r>
-          </a:p>
-        </p:txBody>
-      </p:sp>
-      <p:sp>
-        <p:nvSpPr>
-          <p:cNvPr id="3" name="Subtítulo 2">
-            <a:extLst>
-              <a:ext uri="{FF2B5EF4-FFF2-40B4-BE49-F238E27FC236}">
-                <a16:creationId xmlns:a16="http://schemas.microsoft.com/office/drawing/2014/main" id="{03F281D9-486F-4B97-AF50-1E8B3AE01FC3}"/>
-              </a:ext>
-            </a:extLst>
-          </p:cNvPr>
-          <p:cNvSpPr>
-            <a:spLocks noGrp="1"/>
-          </p:cNvSpPr>
-          <p:nvPr>
-            <p:ph type="subTitle" idx="1"/>
-          </p:nvPr>
-        </p:nvSpPr>
-        <p:spPr>
-          <a:xfrm>
-            <a:off x="354562" y="1569029"/>
-            <a:ext cx="2612573" cy="3531637"/>
-          </a:xfrm>
-        </p:spPr>
-        <p:txBody>
-          <a:bodyPr>
-            <a:normAutofit/>
-          </a:bodyPr>
-          <a:lstStyle/>
-          <a:p>
-            <a:pPr marL="285750" indent="-285750" algn="l">
-              <a:buFont typeface="Arial" panose="020B0604020202020204" pitchFamily="34" charset="0"/>
-              <a:buChar char="•"/>
-            </a:pPr>
-            <a:r>
-              <a:rPr lang="pt-BR" sz="1400" dirty="0">
-                <a:latin typeface="Times New Roman" panose="02020603050405020304" pitchFamily="18" charset="0"/>
-                <a:cs typeface="Times New Roman" panose="02020603050405020304" pitchFamily="18" charset="0"/>
-              </a:rPr>
-              <a:t>Página em que será realizado o login dos usuário já cadastrado no site Abasteça agora. [RF-08]</a:t>
-            </a:r>
-          </a:p>
-          <a:p>
-            <a:pPr marL="285750" indent="-285750" algn="l">
-              <a:buFont typeface="Arial" panose="020B0604020202020204" pitchFamily="34" charset="0"/>
-              <a:buChar char="•"/>
-            </a:pPr>
-            <a:r>
-              <a:rPr lang="pt-BR" sz="1400" dirty="0">
-                <a:latin typeface="Times New Roman" panose="02020603050405020304" pitchFamily="18" charset="0"/>
-                <a:cs typeface="Times New Roman" panose="02020603050405020304" pitchFamily="18" charset="0"/>
-              </a:rPr>
-              <a:t>Após ser feito o login, o usuário irá entrar em uma página que contém as informações da sua conta. </a:t>
-            </a:r>
-            <a:endParaRPr lang="pt-BR" sz="1200" dirty="0">
-              <a:latin typeface="Times New Roman" panose="02020603050405020304" pitchFamily="18" charset="0"/>
-              <a:cs typeface="Times New Roman" panose="02020603050405020304" pitchFamily="18" charset="0"/>
-            </a:endParaRPr>
-          </a:p>
-          <a:p>
-            <a:pPr lvl="1" algn="l"/>
-            <a:endParaRPr lang="pt-BR" sz="1000" dirty="0">
-              <a:latin typeface="Times New Roman" panose="02020603050405020304" pitchFamily="18" charset="0"/>
-              <a:cs typeface="Times New Roman" panose="02020603050405020304" pitchFamily="18" charset="0"/>
-            </a:endParaRPr>
-          </a:p>
-        </p:txBody>
-      </p:sp>
-      <p:pic>
-        <p:nvPicPr>
-          <p:cNvPr id="6" name="Imagem 5">
-            <a:extLst>
-              <a:ext uri="{FF2B5EF4-FFF2-40B4-BE49-F238E27FC236}">
-                <a16:creationId xmlns:a16="http://schemas.microsoft.com/office/drawing/2014/main" id="{17EFB24B-7033-4A0E-8B6B-7B7F192454B2}"/>
-              </a:ext>
-            </a:extLst>
-          </p:cNvPr>
-          <p:cNvPicPr>
-            <a:picLocks noChangeAspect="1"/>
-          </p:cNvPicPr>
-          <p:nvPr/>
-        </p:nvPicPr>
-        <p:blipFill>
-          <a:blip r:embed="rId2">
-            <a:extLst>
-              <a:ext uri="{28A0092B-C50C-407E-A947-70E740481C1C}">
-                <a14:useLocalDpi xmlns:a14="http://schemas.microsoft.com/office/drawing/2010/main" val="0"/>
-              </a:ext>
-            </a:extLst>
-          </a:blip>
-          <a:stretch>
-            <a:fillRect/>
-          </a:stretch>
-        </p:blipFill>
-        <p:spPr>
-          <a:xfrm>
-            <a:off x="3205112" y="770546"/>
-            <a:ext cx="8632325" cy="5316908"/>
-          </a:xfrm>
-          <a:prstGeom prst="rect">
-            <a:avLst/>
-          </a:prstGeom>
-          <a:effectLst>
-            <a:outerShdw blurRad="63500" sx="102000" sy="102000" algn="ctr" rotWithShape="0">
-              <a:prstClr val="black">
-                <a:alpha val="40000"/>
-              </a:prstClr>
-            </a:outerShdw>
-          </a:effectLst>
-        </p:spPr>
-      </p:pic>
-    </p:spTree>
-    <p:extLst>
-      <p:ext uri="{BB962C8B-B14F-4D97-AF65-F5344CB8AC3E}">
-        <p14:creationId xmlns:p14="http://schemas.microsoft.com/office/powerpoint/2010/main" val="466258431"/>
-      </p:ext>
-    </p:extLst>
-  </p:cSld>
-  <p:clrMapOvr>
-    <a:masterClrMapping/>
-  </p:clrMapOvr>
-  <mc:AlternateContent xmlns:mc="http://schemas.openxmlformats.org/markup-compatibility/2006" xmlns:p14="http://schemas.microsoft.com/office/powerpoint/2010/main">
-    <mc:Choice Requires="p14">
-      <p:transition spd="med" p14:dur="700">
-        <p:fade/>
-      </p:transition>
-    </mc:Choice>
-    <mc:Fallback xmlns="">
-      <p:transition spd="med">
-        <p:fade/>
-      </p:transition>
-    </mc:Fallback>
-  </mc:AlternateContent>
-</p:sld>
-</file>
-
-<file path=ppt/slides/slide4.xml><?xml version="1.0" encoding="utf-8"?>
-<p:sld xmlns:a="http://schemas.openxmlformats.org/drawingml/2006/main" xmlns:r="http://schemas.openxmlformats.org/officeDocument/2006/relationships" xmlns:p="http://schemas.openxmlformats.org/presentationml/2006/main">
-  <p:cSld>
-    <p:spTree>
-      <p:nvGrpSpPr>
-        <p:cNvPr id="1" name=""/>
-        <p:cNvGrpSpPr/>
-        <p:nvPr/>
-      </p:nvGrpSpPr>
-      <p:grpSpPr>
-        <a:xfrm>
-          <a:off x="0" y="0"/>
-          <a:ext cx="0" cy="0"/>
-          <a:chOff x="0" y="0"/>
-          <a:chExt cx="0" cy="0"/>
-        </a:xfrm>
-      </p:grpSpPr>
-      <p:sp>
-        <p:nvSpPr>
-          <p:cNvPr id="2" name="Título 1">
-            <a:extLst>
-              <a:ext uri="{FF2B5EF4-FFF2-40B4-BE49-F238E27FC236}">
                 <a16:creationId xmlns:a16="http://schemas.microsoft.com/office/drawing/2014/main" id="{DBA768AB-435D-4E4F-9FC8-4612822A0857}"/>
               </a:ext>
             </a:extLst>
@@ -5363,7 +5214,7 @@
 </p:sld>
 </file>
 
-<file path=ppt/slides/slide5.xml><?xml version="1.0" encoding="utf-8"?>
+<file path=ppt/slides/slide4.xml><?xml version="1.0" encoding="utf-8"?>
 <p:sld xmlns:a="http://schemas.openxmlformats.org/drawingml/2006/main" xmlns:r="http://schemas.openxmlformats.org/officeDocument/2006/relationships" xmlns:p="http://schemas.openxmlformats.org/presentationml/2006/main">
   <p:cSld>
     <p:spTree>
@@ -5760,6 +5611,195 @@
 </p:sld>
 </file>
 
+<file path=ppt/slides/slide5.xml><?xml version="1.0" encoding="utf-8"?>
+<p:sld xmlns:a="http://schemas.openxmlformats.org/drawingml/2006/main" xmlns:r="http://schemas.openxmlformats.org/officeDocument/2006/relationships" xmlns:p="http://schemas.openxmlformats.org/presentationml/2006/main">
+  <p:cSld>
+    <p:spTree>
+      <p:nvGrpSpPr>
+        <p:cNvPr id="1" name=""/>
+        <p:cNvGrpSpPr/>
+        <p:nvPr/>
+      </p:nvGrpSpPr>
+      <p:grpSpPr>
+        <a:xfrm>
+          <a:off x="0" y="0"/>
+          <a:ext cx="0" cy="0"/>
+          <a:chOff x="0" y="0"/>
+          <a:chExt cx="0" cy="0"/>
+        </a:xfrm>
+      </p:grpSpPr>
+      <p:sp>
+        <p:nvSpPr>
+          <p:cNvPr id="2" name="Título 1">
+            <a:extLst>
+              <a:ext uri="{FF2B5EF4-FFF2-40B4-BE49-F238E27FC236}">
+                <a16:creationId xmlns:a16="http://schemas.microsoft.com/office/drawing/2014/main" id="{5C19A207-B35A-460E-B5FA-C3F57ED76EB1}"/>
+              </a:ext>
+            </a:extLst>
+          </p:cNvPr>
+          <p:cNvSpPr>
+            <a:spLocks noGrp="1"/>
+          </p:cNvSpPr>
+          <p:nvPr>
+            <p:ph type="ctrTitle"/>
+          </p:nvPr>
+        </p:nvSpPr>
+        <p:spPr>
+          <a:xfrm>
+            <a:off x="354563" y="1122363"/>
+            <a:ext cx="2612573" cy="389196"/>
+          </a:xfrm>
+        </p:spPr>
+        <p:txBody>
+          <a:bodyPr>
+            <a:normAutofit/>
+          </a:bodyPr>
+          <a:lstStyle/>
+          <a:p>
+            <a:r>
+              <a:rPr lang="pt-BR" sz="2000" dirty="0">
+                <a:latin typeface="Times New Roman" panose="02020603050405020304" pitchFamily="18" charset="0"/>
+                <a:cs typeface="Times New Roman" panose="02020603050405020304" pitchFamily="18" charset="0"/>
+              </a:rPr>
+              <a:t>Área de Login</a:t>
+            </a:r>
+          </a:p>
+        </p:txBody>
+      </p:sp>
+      <p:sp>
+        <p:nvSpPr>
+          <p:cNvPr id="3" name="Subtítulo 2">
+            <a:extLst>
+              <a:ext uri="{FF2B5EF4-FFF2-40B4-BE49-F238E27FC236}">
+                <a16:creationId xmlns:a16="http://schemas.microsoft.com/office/drawing/2014/main" id="{03F281D9-486F-4B97-AF50-1E8B3AE01FC3}"/>
+              </a:ext>
+            </a:extLst>
+          </p:cNvPr>
+          <p:cNvSpPr>
+            <a:spLocks noGrp="1"/>
+          </p:cNvSpPr>
+          <p:nvPr>
+            <p:ph type="subTitle" idx="1"/>
+          </p:nvPr>
+        </p:nvSpPr>
+        <p:spPr>
+          <a:xfrm>
+            <a:off x="354562" y="1569029"/>
+            <a:ext cx="2612573" cy="3531637"/>
+          </a:xfrm>
+        </p:spPr>
+        <p:txBody>
+          <a:bodyPr>
+            <a:normAutofit/>
+          </a:bodyPr>
+          <a:lstStyle/>
+          <a:p>
+            <a:pPr marL="285750" indent="-285750" algn="l">
+              <a:buFont typeface="Arial" panose="020B0604020202020204" pitchFamily="34" charset="0"/>
+              <a:buChar char="•"/>
+            </a:pPr>
+            <a:r>
+              <a:rPr lang="pt-BR" sz="1400" dirty="0">
+                <a:latin typeface="Times New Roman" panose="02020603050405020304" pitchFamily="18" charset="0"/>
+                <a:cs typeface="Times New Roman" panose="02020603050405020304" pitchFamily="18" charset="0"/>
+              </a:rPr>
+              <a:t>Página em que será realizado o login dos usuário já cadastrado no site Abasteça agora. [RF-08]</a:t>
+            </a:r>
+          </a:p>
+          <a:p>
+            <a:pPr marL="285750" indent="-285750" algn="l">
+              <a:buFont typeface="Arial" panose="020B0604020202020204" pitchFamily="34" charset="0"/>
+              <a:buChar char="•"/>
+            </a:pPr>
+            <a:r>
+              <a:rPr lang="pt-BR" sz="1400" dirty="0">
+                <a:latin typeface="Times New Roman" panose="02020603050405020304" pitchFamily="18" charset="0"/>
+                <a:cs typeface="Times New Roman" panose="02020603050405020304" pitchFamily="18" charset="0"/>
+              </a:rPr>
+              <a:t>Após ser feito o login, o usuário irá entrar em uma página que contém as informações da sua conta. </a:t>
+            </a:r>
+            <a:endParaRPr lang="pt-BR" sz="1200" dirty="0">
+              <a:latin typeface="Times New Roman" panose="02020603050405020304" pitchFamily="18" charset="0"/>
+              <a:cs typeface="Times New Roman" panose="02020603050405020304" pitchFamily="18" charset="0"/>
+            </a:endParaRPr>
+          </a:p>
+          <a:p>
+            <a:pPr lvl="1" algn="l"/>
+            <a:endParaRPr lang="pt-BR" sz="1000" dirty="0">
+              <a:latin typeface="Times New Roman" panose="02020603050405020304" pitchFamily="18" charset="0"/>
+              <a:cs typeface="Times New Roman" panose="02020603050405020304" pitchFamily="18" charset="0"/>
+            </a:endParaRPr>
+          </a:p>
+        </p:txBody>
+      </p:sp>
+      <p:pic>
+        <p:nvPicPr>
+          <p:cNvPr id="6" name="Imagem 5">
+            <a:extLst>
+              <a:ext uri="{FF2B5EF4-FFF2-40B4-BE49-F238E27FC236}">
+                <a16:creationId xmlns:a16="http://schemas.microsoft.com/office/drawing/2014/main" id="{17EFB24B-7033-4A0E-8B6B-7B7F192454B2}"/>
+              </a:ext>
+            </a:extLst>
+          </p:cNvPr>
+          <p:cNvPicPr>
+            <a:picLocks noChangeAspect="1"/>
+          </p:cNvPicPr>
+          <p:nvPr/>
+        </p:nvPicPr>
+        <p:blipFill>
+          <a:blip r:embed="rId2">
+            <a:extLst>
+              <a:ext uri="{28A0092B-C50C-407E-A947-70E740481C1C}">
+                <a14:useLocalDpi xmlns:a14="http://schemas.microsoft.com/office/drawing/2010/main" val="0"/>
+              </a:ext>
+            </a:extLst>
+          </a:blip>
+          <a:stretch>
+            <a:fillRect/>
+          </a:stretch>
+        </p:blipFill>
+        <p:spPr>
+          <a:xfrm>
+            <a:off x="3205112" y="770546"/>
+            <a:ext cx="8632325" cy="5316908"/>
+          </a:xfrm>
+          <a:prstGeom prst="rect">
+            <a:avLst/>
+          </a:prstGeom>
+          <a:effectLst>
+            <a:outerShdw blurRad="63500" sx="102000" sy="102000" algn="ctr" rotWithShape="0">
+              <a:prstClr val="black">
+                <a:alpha val="40000"/>
+              </a:prstClr>
+            </a:outerShdw>
+          </a:effectLst>
+        </p:spPr>
+      </p:pic>
+    </p:spTree>
+    <p:extLst>
+      <p:ext uri="{BB962C8B-B14F-4D97-AF65-F5344CB8AC3E}">
+        <p14:creationId xmlns:p14="http://schemas.microsoft.com/office/powerpoint/2010/main" val="466258431"/>
+      </p:ext>
+    </p:extLst>
+  </p:cSld>
+  <p:clrMapOvr>
+    <a:masterClrMapping/>
+  </p:clrMapOvr>
+  <mc:AlternateContent xmlns:mc="http://schemas.openxmlformats.org/markup-compatibility/2006" xmlns:p14="http://schemas.microsoft.com/office/powerpoint/2010/main">
+    <mc:Choice Requires="p14">
+      <p:transition spd="med" p14:dur="700">
+        <p:fade/>
+      </p:transition>
+    </mc:Choice>
+    <mc:Fallback xmlns="">
+      <p:transition spd="med">
+        <p:fade/>
+      </p:transition>
+    </mc:Fallback>
+  </mc:AlternateContent>
+</p:sld>
+</file>
+
 <file path=ppt/slides/slide6.xml><?xml version="1.0" encoding="utf-8"?>
 <p:sld xmlns:a="http://schemas.openxmlformats.org/drawingml/2006/main" xmlns:r="http://schemas.openxmlformats.org/officeDocument/2006/relationships" xmlns:p="http://schemas.openxmlformats.org/presentationml/2006/main">
   <p:cSld>
@@ -5777,56 +5817,6 @@
           <a:chExt cx="0" cy="0"/>
         </a:xfrm>
       </p:grpSpPr>
-      <p:sp>
-        <p:nvSpPr>
-          <p:cNvPr id="2" name="Título 1">
-            <a:extLst>
-              <a:ext uri="{FF2B5EF4-FFF2-40B4-BE49-F238E27FC236}">
-                <a16:creationId xmlns:a16="http://schemas.microsoft.com/office/drawing/2014/main" id="{10FF0695-BD2B-4180-8577-BC69E8164267}"/>
-              </a:ext>
-            </a:extLst>
-          </p:cNvPr>
-          <p:cNvSpPr>
-            <a:spLocks noGrp="1"/>
-          </p:cNvSpPr>
-          <p:nvPr>
-            <p:ph type="ctrTitle"/>
-          </p:nvPr>
-        </p:nvSpPr>
-        <p:spPr/>
-        <p:txBody>
-          <a:bodyPr/>
-          <a:lstStyle/>
-          <a:p>
-            <a:endParaRPr lang="pt-BR"/>
-          </a:p>
-        </p:txBody>
-      </p:sp>
-      <p:sp>
-        <p:nvSpPr>
-          <p:cNvPr id="3" name="Subtítulo 2">
-            <a:extLst>
-              <a:ext uri="{FF2B5EF4-FFF2-40B4-BE49-F238E27FC236}">
-                <a16:creationId xmlns:a16="http://schemas.microsoft.com/office/drawing/2014/main" id="{9D624F4E-C9B3-46F4-8ACF-99CD4833FEE9}"/>
-              </a:ext>
-            </a:extLst>
-          </p:cNvPr>
-          <p:cNvSpPr>
-            <a:spLocks noGrp="1"/>
-          </p:cNvSpPr>
-          <p:nvPr>
-            <p:ph type="subTitle" idx="1"/>
-          </p:nvPr>
-        </p:nvSpPr>
-        <p:spPr/>
-        <p:txBody>
-          <a:bodyPr/>
-          <a:lstStyle/>
-          <a:p>
-            <a:endParaRPr lang="pt-BR"/>
-          </a:p>
-        </p:txBody>
-      </p:sp>
     </p:spTree>
     <p:extLst>
       <p:ext uri="{BB962C8B-B14F-4D97-AF65-F5344CB8AC3E}">

--- a/Apresentação do projeto.pptx
+++ b/Apresentação do projeto.pptx
@@ -8,12 +8,12 @@
     <p:notesMasterId r:id="rId12"/>
   </p:notesMasterIdLst>
   <p:sldIdLst>
-    <p:sldId id="256" r:id="rId2"/>
-    <p:sldId id="258" r:id="rId3"/>
-    <p:sldId id="259" r:id="rId4"/>
-    <p:sldId id="260" r:id="rId5"/>
-    <p:sldId id="257" r:id="rId6"/>
-    <p:sldId id="261" r:id="rId7"/>
+    <p:sldId id="258" r:id="rId2"/>
+    <p:sldId id="266" r:id="rId3"/>
+    <p:sldId id="261" r:id="rId4"/>
+    <p:sldId id="259" r:id="rId5"/>
+    <p:sldId id="260" r:id="rId6"/>
+    <p:sldId id="257" r:id="rId7"/>
     <p:sldId id="262" r:id="rId8"/>
     <p:sldId id="263" r:id="rId9"/>
     <p:sldId id="264" r:id="rId10"/>
@@ -129,12 +129,12 @@
   <pc:docChgLst>
     <pc:chgData name="Robson Levi" userId="1019b20ae95c112e" providerId="LiveId" clId="{527BBB49-8F9D-40C5-8023-400A0CF34FE2}"/>
     <pc:docChg chg="undo custSel addSld delSld modSld sldOrd addSection delSection modSection">
-      <pc:chgData name="Robson Levi" userId="1019b20ae95c112e" providerId="LiveId" clId="{527BBB49-8F9D-40C5-8023-400A0CF34FE2}" dt="2021-12-04T13:06:57.645" v="3583" actId="478"/>
+      <pc:chgData name="Robson Levi" userId="1019b20ae95c112e" providerId="LiveId" clId="{527BBB49-8F9D-40C5-8023-400A0CF34FE2}" dt="2021-12-04T13:28:37.935" v="3987" actId="2696"/>
       <pc:docMkLst>
         <pc:docMk/>
       </pc:docMkLst>
-      <pc:sldChg chg="addSp delSp modSp new mod modTransition chgLayout">
-        <pc:chgData name="Robson Levi" userId="1019b20ae95c112e" providerId="LiveId" clId="{527BBB49-8F9D-40C5-8023-400A0CF34FE2}" dt="2021-12-04T03:01:06.440" v="1700" actId="27636"/>
+      <pc:sldChg chg="addSp delSp modSp new del mod modTransition chgLayout">
+        <pc:chgData name="Robson Levi" userId="1019b20ae95c112e" providerId="LiveId" clId="{527BBB49-8F9D-40C5-8023-400A0CF34FE2}" dt="2021-12-04T13:28:37.935" v="3987" actId="2696"/>
         <pc:sldMkLst>
           <pc:docMk/>
           <pc:sldMk cId="3531954692" sldId="256"/>
@@ -196,8 +196,8 @@
           </ac:picMkLst>
         </pc:picChg>
       </pc:sldChg>
-      <pc:sldChg chg="addSp delSp modSp new mod modTransition">
-        <pc:chgData name="Robson Levi" userId="1019b20ae95c112e" providerId="LiveId" clId="{527BBB49-8F9D-40C5-8023-400A0CF34FE2}" dt="2021-12-04T12:56:18.785" v="3445" actId="478"/>
+      <pc:sldChg chg="addSp delSp modSp new mod ord modTransition">
+        <pc:chgData name="Robson Levi" userId="1019b20ae95c112e" providerId="LiveId" clId="{527BBB49-8F9D-40C5-8023-400A0CF34FE2}" dt="2021-12-04T13:26:34.118" v="3980"/>
         <pc:sldMkLst>
           <pc:docMk/>
           <pc:sldMk cId="466258431" sldId="257"/>
@@ -291,7 +291,7 @@
         </pc:picChg>
       </pc:sldChg>
       <pc:sldChg chg="addSp delSp modSp new mod ord modTransition">
-        <pc:chgData name="Robson Levi" userId="1019b20ae95c112e" providerId="LiveId" clId="{527BBB49-8F9D-40C5-8023-400A0CF34FE2}" dt="2021-12-04T12:55:51.160" v="3442"/>
+        <pc:chgData name="Robson Levi" userId="1019b20ae95c112e" providerId="LiveId" clId="{527BBB49-8F9D-40C5-8023-400A0CF34FE2}" dt="2021-12-04T13:27:11.073" v="3984"/>
         <pc:sldMkLst>
           <pc:docMk/>
           <pc:sldMk cId="1360558957" sldId="259"/>
@@ -330,7 +330,7 @@
         </pc:picChg>
       </pc:sldChg>
       <pc:sldChg chg="addSp modSp new mod ord modTransition">
-        <pc:chgData name="Robson Levi" userId="1019b20ae95c112e" providerId="LiveId" clId="{527BBB49-8F9D-40C5-8023-400A0CF34FE2}" dt="2021-12-04T12:55:54.433" v="3444"/>
+        <pc:chgData name="Robson Levi" userId="1019b20ae95c112e" providerId="LiveId" clId="{527BBB49-8F9D-40C5-8023-400A0CF34FE2}" dt="2021-12-04T13:27:12.937" v="3986"/>
         <pc:sldMkLst>
           <pc:docMk/>
           <pc:sldMk cId="1904355808" sldId="260"/>
@@ -360,8 +360,8 @@
           </ac:picMkLst>
         </pc:picChg>
       </pc:sldChg>
-      <pc:sldChg chg="addSp delSp modSp new mod modTransition">
-        <pc:chgData name="Robson Levi" userId="1019b20ae95c112e" providerId="LiveId" clId="{527BBB49-8F9D-40C5-8023-400A0CF34FE2}" dt="2021-12-04T13:06:57.645" v="3583" actId="478"/>
+      <pc:sldChg chg="addSp delSp modSp new mod ord modTransition">
+        <pc:chgData name="Robson Levi" userId="1019b20ae95c112e" providerId="LiveId" clId="{527BBB49-8F9D-40C5-8023-400A0CF34FE2}" dt="2021-12-04T13:27:06.233" v="3982"/>
         <pc:sldMkLst>
           <pc:docMk/>
           <pc:sldMk cId="4122658532" sldId="261"/>
@@ -398,6 +398,14 @@
             <ac:graphicFrameMk id="8" creationId="{0FF0762A-BC51-4C75-A257-09A239952499}"/>
           </ac:graphicFrameMkLst>
         </pc:graphicFrameChg>
+        <pc:picChg chg="add">
+          <ac:chgData name="Robson Levi" userId="1019b20ae95c112e" providerId="LiveId" clId="{527BBB49-8F9D-40C5-8023-400A0CF34FE2}" dt="2021-12-04T13:23:46.961" v="3975" actId="22"/>
+          <ac:picMkLst>
+            <pc:docMk/>
+            <pc:sldMk cId="4122658532" sldId="261"/>
+            <ac:picMk id="3" creationId="{283DA887-EA0A-4435-BA83-57E91E351F77}"/>
+          </ac:picMkLst>
+        </pc:picChg>
         <pc:picChg chg="add del mod">
           <ac:chgData name="Robson Levi" userId="1019b20ae95c112e" providerId="LiveId" clId="{527BBB49-8F9D-40C5-8023-400A0CF34FE2}" dt="2021-12-04T13:04:04.804" v="3558" actId="478"/>
           <ac:picMkLst>
@@ -508,6 +516,100 @@
         </pc:spChg>
       </pc:sldChg>
       <pc:sldChg chg="addSp delSp modSp new del mod">
+        <pc:chgData name="Robson Levi" userId="1019b20ae95c112e" providerId="LiveId" clId="{527BBB49-8F9D-40C5-8023-400A0CF34FE2}" dt="2021-12-04T13:14:50.381" v="3605" actId="680"/>
+        <pc:sldMkLst>
+          <pc:docMk/>
+          <pc:sldMk cId="558031239" sldId="266"/>
+        </pc:sldMkLst>
+        <pc:spChg chg="mod">
+          <ac:chgData name="Robson Levi" userId="1019b20ae95c112e" providerId="LiveId" clId="{527BBB49-8F9D-40C5-8023-400A0CF34FE2}" dt="2021-12-04T13:14:47.944" v="3598" actId="14100"/>
+          <ac:spMkLst>
+            <pc:docMk/>
+            <pc:sldMk cId="558031239" sldId="266"/>
+            <ac:spMk id="2" creationId="{A43F3630-2510-43D0-8035-A62508AD3875}"/>
+          </ac:spMkLst>
+        </pc:spChg>
+        <pc:spChg chg="add del">
+          <ac:chgData name="Robson Levi" userId="1019b20ae95c112e" providerId="LiveId" clId="{527BBB49-8F9D-40C5-8023-400A0CF34FE2}" dt="2021-12-04T13:14:49.896" v="3604" actId="931"/>
+          <ac:spMkLst>
+            <pc:docMk/>
+            <pc:sldMk cId="558031239" sldId="266"/>
+            <ac:spMk id="3" creationId="{AAF0286B-3257-49B6-ADBB-FFAC89F28ABE}"/>
+          </ac:spMkLst>
+        </pc:spChg>
+        <pc:spChg chg="mod">
+          <ac:chgData name="Robson Levi" userId="1019b20ae95c112e" providerId="LiveId" clId="{527BBB49-8F9D-40C5-8023-400A0CF34FE2}" dt="2021-12-04T13:14:48.299" v="3599" actId="14100"/>
+          <ac:spMkLst>
+            <pc:docMk/>
+            <pc:sldMk cId="558031239" sldId="266"/>
+            <ac:spMk id="4" creationId="{822E50B5-8101-421E-B6E5-38DAFA267FDC}"/>
+          </ac:spMkLst>
+        </pc:spChg>
+        <pc:spChg chg="add del mod">
+          <ac:chgData name="Robson Levi" userId="1019b20ae95c112e" providerId="LiveId" clId="{527BBB49-8F9D-40C5-8023-400A0CF34FE2}" dt="2021-12-04T13:14:47.202" v="3595" actId="478"/>
+          <ac:spMkLst>
+            <pc:docMk/>
+            <pc:sldMk cId="558031239" sldId="266"/>
+            <ac:spMk id="8" creationId="{BA2385F8-36DD-41C2-8EF3-8F1EE507E8E2}"/>
+          </ac:spMkLst>
+        </pc:spChg>
+        <pc:picChg chg="add del mod">
+          <ac:chgData name="Robson Levi" userId="1019b20ae95c112e" providerId="LiveId" clId="{527BBB49-8F9D-40C5-8023-400A0CF34FE2}" dt="2021-12-04T13:14:49.896" v="3604" actId="931"/>
+          <ac:picMkLst>
+            <pc:docMk/>
+            <pc:sldMk cId="558031239" sldId="266"/>
+            <ac:picMk id="6" creationId="{D1CD6BAE-64C7-4617-A6C9-BE71CF4C0190}"/>
+          </ac:picMkLst>
+        </pc:picChg>
+      </pc:sldChg>
+      <pc:sldChg chg="addSp delSp modSp new mod">
+        <pc:chgData name="Robson Levi" userId="1019b20ae95c112e" providerId="LiveId" clId="{527BBB49-8F9D-40C5-8023-400A0CF34FE2}" dt="2021-12-04T13:24:31.327" v="3978" actId="14861"/>
+        <pc:sldMkLst>
+          <pc:docMk/>
+          <pc:sldMk cId="1676301221" sldId="266"/>
+        </pc:sldMkLst>
+        <pc:spChg chg="mod">
+          <ac:chgData name="Robson Levi" userId="1019b20ae95c112e" providerId="LiveId" clId="{527BBB49-8F9D-40C5-8023-400A0CF34FE2}" dt="2021-12-04T13:16:45.743" v="3682" actId="14100"/>
+          <ac:spMkLst>
+            <pc:docMk/>
+            <pc:sldMk cId="1676301221" sldId="266"/>
+            <ac:spMk id="2" creationId="{CB1B3705-B46E-4114-AEB0-8C35DAE3D1D1}"/>
+          </ac:spMkLst>
+        </pc:spChg>
+        <pc:spChg chg="mod">
+          <ac:chgData name="Robson Levi" userId="1019b20ae95c112e" providerId="LiveId" clId="{527BBB49-8F9D-40C5-8023-400A0CF34FE2}" dt="2021-12-04T13:20:41.170" v="3961" actId="20577"/>
+          <ac:spMkLst>
+            <pc:docMk/>
+            <pc:sldMk cId="1676301221" sldId="266"/>
+            <ac:spMk id="3" creationId="{A37F1FD8-2C89-4399-AC0C-9A55A6B7D575}"/>
+          </ac:spMkLst>
+        </pc:spChg>
+        <pc:graphicFrameChg chg="add mod modGraphic">
+          <ac:chgData name="Robson Levi" userId="1019b20ae95c112e" providerId="LiveId" clId="{527BBB49-8F9D-40C5-8023-400A0CF34FE2}" dt="2021-12-04T13:24:31.327" v="3978" actId="14861"/>
+          <ac:graphicFrameMkLst>
+            <pc:docMk/>
+            <pc:sldMk cId="1676301221" sldId="266"/>
+            <ac:graphicFrameMk id="9" creationId="{13A6EEE0-23FC-40B0-9445-EDACD8666701}"/>
+          </ac:graphicFrameMkLst>
+        </pc:graphicFrameChg>
+        <pc:picChg chg="add mod">
+          <ac:chgData name="Robson Levi" userId="1019b20ae95c112e" providerId="LiveId" clId="{527BBB49-8F9D-40C5-8023-400A0CF34FE2}" dt="2021-12-04T13:15:57.295" v="3625" actId="14100"/>
+          <ac:picMkLst>
+            <pc:docMk/>
+            <pc:sldMk cId="1676301221" sldId="266"/>
+            <ac:picMk id="5" creationId="{BC3361C1-2276-41F0-96BB-96AA1BC86F15}"/>
+          </ac:picMkLst>
+        </pc:picChg>
+        <pc:picChg chg="add del mod">
+          <ac:chgData name="Robson Levi" userId="1019b20ae95c112e" providerId="LiveId" clId="{527BBB49-8F9D-40C5-8023-400A0CF34FE2}" dt="2021-12-04T13:23:42.673" v="3974" actId="478"/>
+          <ac:picMkLst>
+            <pc:docMk/>
+            <pc:sldMk cId="1676301221" sldId="266"/>
+            <ac:picMk id="7" creationId="{A01AE3FC-8F54-477F-8D19-812660DD6250}"/>
+          </ac:picMkLst>
+        </pc:picChg>
+      </pc:sldChg>
+      <pc:sldChg chg="addSp delSp modSp new del mod">
         <pc:chgData name="Robson Levi" userId="1019b20ae95c112e" providerId="LiveId" clId="{527BBB49-8F9D-40C5-8023-400A0CF34FE2}" dt="2021-12-04T03:10:25.428" v="1891" actId="27022"/>
         <pc:sldMkLst>
           <pc:docMk/>
@@ -889,90 +991,6 @@
     </a:lvl9pPr>
   </p:notesStyle>
 </p:notesMaster>
-</file>
-
-<file path=ppt/notesSlides/notesSlide1.xml><?xml version="1.0" encoding="utf-8"?>
-<p:notes xmlns:a="http://schemas.openxmlformats.org/drawingml/2006/main" xmlns:r="http://schemas.openxmlformats.org/officeDocument/2006/relationships" xmlns:p="http://schemas.openxmlformats.org/presentationml/2006/main">
-  <p:cSld>
-    <p:spTree>
-      <p:nvGrpSpPr>
-        <p:cNvPr id="1" name=""/>
-        <p:cNvGrpSpPr/>
-        <p:nvPr/>
-      </p:nvGrpSpPr>
-      <p:grpSpPr>
-        <a:xfrm>
-          <a:off x="0" y="0"/>
-          <a:ext cx="0" cy="0"/>
-          <a:chOff x="0" y="0"/>
-          <a:chExt cx="0" cy="0"/>
-        </a:xfrm>
-      </p:grpSpPr>
-      <p:sp>
-        <p:nvSpPr>
-          <p:cNvPr id="2" name="Espaço Reservado para Imagem de Slide 1"/>
-          <p:cNvSpPr>
-            <a:spLocks noGrp="1" noRot="1" noChangeAspect="1"/>
-          </p:cNvSpPr>
-          <p:nvPr>
-            <p:ph type="sldImg"/>
-          </p:nvPr>
-        </p:nvSpPr>
-        <p:spPr/>
-      </p:sp>
-      <p:sp>
-        <p:nvSpPr>
-          <p:cNvPr id="3" name="Espaço Reservado para Anotações 2"/>
-          <p:cNvSpPr>
-            <a:spLocks noGrp="1"/>
-          </p:cNvSpPr>
-          <p:nvPr>
-            <p:ph type="body" idx="1"/>
-          </p:nvPr>
-        </p:nvSpPr>
-        <p:spPr/>
-        <p:txBody>
-          <a:bodyPr/>
-          <a:lstStyle/>
-          <a:p>
-            <a:endParaRPr lang="pt-BR" dirty="0"/>
-          </a:p>
-        </p:txBody>
-      </p:sp>
-      <p:sp>
-        <p:nvSpPr>
-          <p:cNvPr id="4" name="Espaço Reservado para Número de Slide 3"/>
-          <p:cNvSpPr>
-            <a:spLocks noGrp="1"/>
-          </p:cNvSpPr>
-          <p:nvPr>
-            <p:ph type="sldNum" sz="quarter" idx="5"/>
-          </p:nvPr>
-        </p:nvSpPr>
-        <p:spPr/>
-        <p:txBody>
-          <a:bodyPr/>
-          <a:lstStyle/>
-          <a:p>
-            <a:fld id="{BA39A8C2-FBBF-4120-87FB-5E6309328CC1}" type="slidenum">
-              <a:rPr lang="pt-BR" smtClean="0"/>
-              <a:t>1</a:t>
-            </a:fld>
-            <a:endParaRPr lang="pt-BR"/>
-          </a:p>
-        </p:txBody>
-      </p:sp>
-    </p:spTree>
-    <p:extLst>
-      <p:ext uri="{BB962C8B-B14F-4D97-AF65-F5344CB8AC3E}">
-        <p14:creationId xmlns:p14="http://schemas.microsoft.com/office/powerpoint/2010/main" val="643305081"/>
-      </p:ext>
-    </p:extLst>
-  </p:cSld>
-  <p:clrMapOvr>
-    <a:masterClrMapping/>
-  </p:clrMapOvr>
-</p:notes>
 </file>
 
 <file path=ppt/slideLayouts/slideLayout1.xml><?xml version="1.0" encoding="utf-8"?>
@@ -4189,227 +4207,6 @@
           <a:chExt cx="0" cy="0"/>
         </a:xfrm>
       </p:grpSpPr>
-      <p:sp>
-        <p:nvSpPr>
-          <p:cNvPr id="11" name="Título 10">
-            <a:extLst>
-              <a:ext uri="{FF2B5EF4-FFF2-40B4-BE49-F238E27FC236}">
-                <a16:creationId xmlns:a16="http://schemas.microsoft.com/office/drawing/2014/main" id="{83CB6105-D404-41A9-BB54-BD2F059B4D2E}"/>
-              </a:ext>
-            </a:extLst>
-          </p:cNvPr>
-          <p:cNvSpPr>
-            <a:spLocks noGrp="1"/>
-          </p:cNvSpPr>
-          <p:nvPr>
-            <p:ph type="ctrTitle"/>
-          </p:nvPr>
-        </p:nvSpPr>
-        <p:spPr>
-          <a:xfrm>
-            <a:off x="1524000" y="1660849"/>
-            <a:ext cx="9144000" cy="3461657"/>
-          </a:xfrm>
-        </p:spPr>
-        <p:txBody>
-          <a:bodyPr>
-            <a:normAutofit fontScale="90000"/>
-          </a:bodyPr>
-          <a:lstStyle/>
-          <a:p>
-            <a:br>
-              <a:rPr lang="pt-BR" dirty="0"/>
-            </a:br>
-            <a:r>
-              <a:rPr lang="pt-BR" dirty="0">
-                <a:solidFill>
-                  <a:srgbClr val="CC0000"/>
-                </a:solidFill>
-              </a:rPr>
-              <a:t>APRESENTAÇÃO</a:t>
-            </a:r>
-            <a:br>
-              <a:rPr lang="pt-BR" dirty="0">
-                <a:solidFill>
-                  <a:srgbClr val="CC0000"/>
-                </a:solidFill>
-              </a:rPr>
-            </a:br>
-            <a:r>
-              <a:rPr lang="pt-BR" dirty="0">
-                <a:solidFill>
-                  <a:srgbClr val="CC0000"/>
-                </a:solidFill>
-              </a:rPr>
-              <a:t>DO </a:t>
-            </a:r>
-            <a:br>
-              <a:rPr lang="pt-BR" dirty="0">
-                <a:solidFill>
-                  <a:srgbClr val="CC0000"/>
-                </a:solidFill>
-              </a:rPr>
-            </a:br>
-            <a:r>
-              <a:rPr lang="pt-BR" dirty="0">
-                <a:solidFill>
-                  <a:srgbClr val="CC0000"/>
-                </a:solidFill>
-              </a:rPr>
-              <a:t>PROJETO</a:t>
-            </a:r>
-            <a:br>
-              <a:rPr lang="pt-BR" dirty="0">
-                <a:solidFill>
-                  <a:srgbClr val="CC0000"/>
-                </a:solidFill>
-              </a:rPr>
-            </a:br>
-            <a:r>
-              <a:rPr lang="pt-BR" dirty="0">
-                <a:solidFill>
-                  <a:srgbClr val="CC0000"/>
-                </a:solidFill>
-              </a:rPr>
-              <a:t>ABASTEÇA AGORA</a:t>
-            </a:r>
-          </a:p>
-        </p:txBody>
-      </p:sp>
-    </p:spTree>
-    <p:extLst>
-      <p:ext uri="{BB962C8B-B14F-4D97-AF65-F5344CB8AC3E}">
-        <p14:creationId xmlns:p14="http://schemas.microsoft.com/office/powerpoint/2010/main" val="3531954692"/>
-      </p:ext>
-    </p:extLst>
-  </p:cSld>
-  <p:clrMapOvr>
-    <a:masterClrMapping/>
-  </p:clrMapOvr>
-  <mc:AlternateContent xmlns:mc="http://schemas.openxmlformats.org/markup-compatibility/2006" xmlns:p14="http://schemas.microsoft.com/office/powerpoint/2010/main">
-    <mc:Choice Requires="p14">
-      <p:transition spd="med" p14:dur="700">
-        <p:fade/>
-      </p:transition>
-    </mc:Choice>
-    <mc:Fallback xmlns="">
-      <p:transition spd="med">
-        <p:fade/>
-      </p:transition>
-    </mc:Fallback>
-  </mc:AlternateContent>
-</p:sld>
-</file>
-
-<file path=ppt/slides/slide10.xml><?xml version="1.0" encoding="utf-8"?>
-<p:sld xmlns:a="http://schemas.openxmlformats.org/drawingml/2006/main" xmlns:r="http://schemas.openxmlformats.org/officeDocument/2006/relationships" xmlns:p="http://schemas.openxmlformats.org/presentationml/2006/main">
-  <p:cSld>
-    <p:spTree>
-      <p:nvGrpSpPr>
-        <p:cNvPr id="1" name=""/>
-        <p:cNvGrpSpPr/>
-        <p:nvPr/>
-      </p:nvGrpSpPr>
-      <p:grpSpPr>
-        <a:xfrm>
-          <a:off x="0" y="0"/>
-          <a:ext cx="0" cy="0"/>
-          <a:chOff x="0" y="0"/>
-          <a:chExt cx="0" cy="0"/>
-        </a:xfrm>
-      </p:grpSpPr>
-      <p:sp>
-        <p:nvSpPr>
-          <p:cNvPr id="2" name="Título 1">
-            <a:extLst>
-              <a:ext uri="{FF2B5EF4-FFF2-40B4-BE49-F238E27FC236}">
-                <a16:creationId xmlns:a16="http://schemas.microsoft.com/office/drawing/2014/main" id="{CF5544D6-75B9-45B2-9397-345E3F685B6B}"/>
-              </a:ext>
-            </a:extLst>
-          </p:cNvPr>
-          <p:cNvSpPr>
-            <a:spLocks noGrp="1"/>
-          </p:cNvSpPr>
-          <p:nvPr>
-            <p:ph type="ctrTitle"/>
-          </p:nvPr>
-        </p:nvSpPr>
-        <p:spPr/>
-        <p:txBody>
-          <a:bodyPr/>
-          <a:lstStyle/>
-          <a:p>
-            <a:endParaRPr lang="pt-BR"/>
-          </a:p>
-        </p:txBody>
-      </p:sp>
-      <p:sp>
-        <p:nvSpPr>
-          <p:cNvPr id="3" name="Subtítulo 2">
-            <a:extLst>
-              <a:ext uri="{FF2B5EF4-FFF2-40B4-BE49-F238E27FC236}">
-                <a16:creationId xmlns:a16="http://schemas.microsoft.com/office/drawing/2014/main" id="{BC49F2C7-5BEB-4C34-ACE9-5830A4556C9D}"/>
-              </a:ext>
-            </a:extLst>
-          </p:cNvPr>
-          <p:cNvSpPr>
-            <a:spLocks noGrp="1"/>
-          </p:cNvSpPr>
-          <p:nvPr>
-            <p:ph type="subTitle" idx="1"/>
-          </p:nvPr>
-        </p:nvSpPr>
-        <p:spPr/>
-        <p:txBody>
-          <a:bodyPr/>
-          <a:lstStyle/>
-          <a:p>
-            <a:endParaRPr lang="pt-BR"/>
-          </a:p>
-        </p:txBody>
-      </p:sp>
-    </p:spTree>
-    <p:extLst>
-      <p:ext uri="{BB962C8B-B14F-4D97-AF65-F5344CB8AC3E}">
-        <p14:creationId xmlns:p14="http://schemas.microsoft.com/office/powerpoint/2010/main" val="3418339709"/>
-      </p:ext>
-    </p:extLst>
-  </p:cSld>
-  <p:clrMapOvr>
-    <a:masterClrMapping/>
-  </p:clrMapOvr>
-  <mc:AlternateContent xmlns:mc="http://schemas.openxmlformats.org/markup-compatibility/2006" xmlns:p14="http://schemas.microsoft.com/office/powerpoint/2010/main">
-    <mc:Choice Requires="p14">
-      <p:transition spd="med" p14:dur="700">
-        <p:fade/>
-      </p:transition>
-    </mc:Choice>
-    <mc:Fallback xmlns="">
-      <p:transition spd="med">
-        <p:fade/>
-      </p:transition>
-    </mc:Fallback>
-  </mc:AlternateContent>
-</p:sld>
-</file>
-
-<file path=ppt/slides/slide2.xml><?xml version="1.0" encoding="utf-8"?>
-<p:sld xmlns:a="http://schemas.openxmlformats.org/drawingml/2006/main" xmlns:r="http://schemas.openxmlformats.org/officeDocument/2006/relationships" xmlns:p="http://schemas.openxmlformats.org/presentationml/2006/main">
-  <p:cSld>
-    <p:spTree>
-      <p:nvGrpSpPr>
-        <p:cNvPr id="1" name=""/>
-        <p:cNvGrpSpPr/>
-        <p:nvPr/>
-      </p:nvGrpSpPr>
-      <p:grpSpPr>
-        <a:xfrm>
-          <a:off x="0" y="0"/>
-          <a:ext cx="0" cy="0"/>
-          <a:chOff x="0" y="0"/>
-          <a:chExt cx="0" cy="0"/>
-        </a:xfrm>
-      </p:grpSpPr>
       <p:pic>
         <p:nvPicPr>
           <p:cNvPr id="4" name="Imagem 3">
@@ -4954,7 +4751,483 @@
 </p:sld>
 </file>
 
+<file path=ppt/slides/slide10.xml><?xml version="1.0" encoding="utf-8"?>
+<p:sld xmlns:a="http://schemas.openxmlformats.org/drawingml/2006/main" xmlns:r="http://schemas.openxmlformats.org/officeDocument/2006/relationships" xmlns:p="http://schemas.openxmlformats.org/presentationml/2006/main">
+  <p:cSld>
+    <p:spTree>
+      <p:nvGrpSpPr>
+        <p:cNvPr id="1" name=""/>
+        <p:cNvGrpSpPr/>
+        <p:nvPr/>
+      </p:nvGrpSpPr>
+      <p:grpSpPr>
+        <a:xfrm>
+          <a:off x="0" y="0"/>
+          <a:ext cx="0" cy="0"/>
+          <a:chOff x="0" y="0"/>
+          <a:chExt cx="0" cy="0"/>
+        </a:xfrm>
+      </p:grpSpPr>
+      <p:sp>
+        <p:nvSpPr>
+          <p:cNvPr id="2" name="Título 1">
+            <a:extLst>
+              <a:ext uri="{FF2B5EF4-FFF2-40B4-BE49-F238E27FC236}">
+                <a16:creationId xmlns:a16="http://schemas.microsoft.com/office/drawing/2014/main" id="{CF5544D6-75B9-45B2-9397-345E3F685B6B}"/>
+              </a:ext>
+            </a:extLst>
+          </p:cNvPr>
+          <p:cNvSpPr>
+            <a:spLocks noGrp="1"/>
+          </p:cNvSpPr>
+          <p:nvPr>
+            <p:ph type="ctrTitle"/>
+          </p:nvPr>
+        </p:nvSpPr>
+        <p:spPr/>
+        <p:txBody>
+          <a:bodyPr/>
+          <a:lstStyle/>
+          <a:p>
+            <a:endParaRPr lang="pt-BR"/>
+          </a:p>
+        </p:txBody>
+      </p:sp>
+      <p:sp>
+        <p:nvSpPr>
+          <p:cNvPr id="3" name="Subtítulo 2">
+            <a:extLst>
+              <a:ext uri="{FF2B5EF4-FFF2-40B4-BE49-F238E27FC236}">
+                <a16:creationId xmlns:a16="http://schemas.microsoft.com/office/drawing/2014/main" id="{BC49F2C7-5BEB-4C34-ACE9-5830A4556C9D}"/>
+              </a:ext>
+            </a:extLst>
+          </p:cNvPr>
+          <p:cNvSpPr>
+            <a:spLocks noGrp="1"/>
+          </p:cNvSpPr>
+          <p:nvPr>
+            <p:ph type="subTitle" idx="1"/>
+          </p:nvPr>
+        </p:nvSpPr>
+        <p:spPr/>
+        <p:txBody>
+          <a:bodyPr/>
+          <a:lstStyle/>
+          <a:p>
+            <a:endParaRPr lang="pt-BR"/>
+          </a:p>
+        </p:txBody>
+      </p:sp>
+    </p:spTree>
+    <p:extLst>
+      <p:ext uri="{BB962C8B-B14F-4D97-AF65-F5344CB8AC3E}">
+        <p14:creationId xmlns:p14="http://schemas.microsoft.com/office/powerpoint/2010/main" val="3418339709"/>
+      </p:ext>
+    </p:extLst>
+  </p:cSld>
+  <p:clrMapOvr>
+    <a:masterClrMapping/>
+  </p:clrMapOvr>
+  <mc:AlternateContent xmlns:mc="http://schemas.openxmlformats.org/markup-compatibility/2006" xmlns:p14="http://schemas.microsoft.com/office/powerpoint/2010/main">
+    <mc:Choice Requires="p14">
+      <p:transition spd="med" p14:dur="700">
+        <p:fade/>
+      </p:transition>
+    </mc:Choice>
+    <mc:Fallback xmlns="">
+      <p:transition spd="med">
+        <p:fade/>
+      </p:transition>
+    </mc:Fallback>
+  </mc:AlternateContent>
+</p:sld>
+</file>
+
+<file path=ppt/slides/slide2.xml><?xml version="1.0" encoding="utf-8"?>
+<p:sld xmlns:a="http://schemas.openxmlformats.org/drawingml/2006/main" xmlns:r="http://schemas.openxmlformats.org/officeDocument/2006/relationships" xmlns:p="http://schemas.openxmlformats.org/presentationml/2006/main">
+  <p:cSld>
+    <p:spTree>
+      <p:nvGrpSpPr>
+        <p:cNvPr id="1" name=""/>
+        <p:cNvGrpSpPr/>
+        <p:nvPr/>
+      </p:nvGrpSpPr>
+      <p:grpSpPr>
+        <a:xfrm>
+          <a:off x="0" y="0"/>
+          <a:ext cx="0" cy="0"/>
+          <a:chOff x="0" y="0"/>
+          <a:chExt cx="0" cy="0"/>
+        </a:xfrm>
+      </p:grpSpPr>
+      <p:sp>
+        <p:nvSpPr>
+          <p:cNvPr id="2" name="Título 1">
+            <a:extLst>
+              <a:ext uri="{FF2B5EF4-FFF2-40B4-BE49-F238E27FC236}">
+                <a16:creationId xmlns:a16="http://schemas.microsoft.com/office/drawing/2014/main" id="{CB1B3705-B46E-4114-AEB0-8C35DAE3D1D1}"/>
+              </a:ext>
+            </a:extLst>
+          </p:cNvPr>
+          <p:cNvSpPr>
+            <a:spLocks noGrp="1"/>
+          </p:cNvSpPr>
+          <p:nvPr>
+            <p:ph type="ctrTitle"/>
+          </p:nvPr>
+        </p:nvSpPr>
+        <p:spPr>
+          <a:xfrm>
+            <a:off x="556183" y="631598"/>
+            <a:ext cx="2809188" cy="650448"/>
+          </a:xfrm>
+        </p:spPr>
+        <p:txBody>
+          <a:bodyPr>
+            <a:normAutofit/>
+          </a:bodyPr>
+          <a:lstStyle/>
+          <a:p>
+            <a:r>
+              <a:rPr lang="pt-BR" sz="2000" dirty="0">
+                <a:latin typeface="Times New Roman" panose="02020603050405020304" pitchFamily="18" charset="0"/>
+                <a:cs typeface="Times New Roman" panose="02020603050405020304" pitchFamily="18" charset="0"/>
+              </a:rPr>
+              <a:t>Localização dos postos cadastrados</a:t>
+            </a:r>
+          </a:p>
+        </p:txBody>
+      </p:sp>
+      <p:sp>
+        <p:nvSpPr>
+          <p:cNvPr id="3" name="Subtítulo 2">
+            <a:extLst>
+              <a:ext uri="{FF2B5EF4-FFF2-40B4-BE49-F238E27FC236}">
+                <a16:creationId xmlns:a16="http://schemas.microsoft.com/office/drawing/2014/main" id="{A37F1FD8-2C89-4399-AC0C-9A55A6B7D575}"/>
+              </a:ext>
+            </a:extLst>
+          </p:cNvPr>
+          <p:cNvSpPr>
+            <a:spLocks noGrp="1"/>
+          </p:cNvSpPr>
+          <p:nvPr>
+            <p:ph type="subTitle" idx="1"/>
+          </p:nvPr>
+        </p:nvSpPr>
+        <p:spPr>
+          <a:xfrm>
+            <a:off x="556182" y="1282047"/>
+            <a:ext cx="2809188" cy="5090472"/>
+          </a:xfrm>
+        </p:spPr>
+        <p:txBody>
+          <a:bodyPr>
+            <a:normAutofit/>
+          </a:bodyPr>
+          <a:lstStyle/>
+          <a:p>
+            <a:pPr marL="285750" indent="-285750" algn="l">
+              <a:buFont typeface="Arial" panose="020B0604020202020204" pitchFamily="34" charset="0"/>
+              <a:buChar char="•"/>
+            </a:pPr>
+            <a:r>
+              <a:rPr lang="pt-BR" sz="1400" dirty="0">
+                <a:latin typeface="Times New Roman" panose="02020603050405020304" pitchFamily="18" charset="0"/>
+                <a:cs typeface="Times New Roman" panose="02020603050405020304" pitchFamily="18" charset="0"/>
+              </a:rPr>
+              <a:t>Onde será possível encontrar os postos e visualizar suas informações, como:</a:t>
+            </a:r>
+            <a:endParaRPr lang="pt-BR" sz="400" dirty="0">
+              <a:latin typeface="Times New Roman" panose="02020603050405020304" pitchFamily="18" charset="0"/>
+              <a:cs typeface="Times New Roman" panose="02020603050405020304" pitchFamily="18" charset="0"/>
+            </a:endParaRPr>
+          </a:p>
+          <a:p>
+            <a:pPr marL="742950" lvl="1" indent="-285750" algn="l">
+              <a:buFont typeface="Arial" panose="020B0604020202020204" pitchFamily="34" charset="0"/>
+              <a:buChar char="•"/>
+            </a:pPr>
+            <a:r>
+              <a:rPr lang="pt-BR" sz="1200" dirty="0">
+                <a:latin typeface="Times New Roman" panose="02020603050405020304" pitchFamily="18" charset="0"/>
+                <a:cs typeface="Times New Roman" panose="02020603050405020304" pitchFamily="18" charset="0"/>
+              </a:rPr>
+              <a:t>Localização;</a:t>
+            </a:r>
+          </a:p>
+          <a:p>
+            <a:pPr marL="742950" lvl="1" indent="-285750" algn="l">
+              <a:buFont typeface="Arial" panose="020B0604020202020204" pitchFamily="34" charset="0"/>
+              <a:buChar char="•"/>
+            </a:pPr>
+            <a:r>
+              <a:rPr lang="pt-BR" sz="1200" dirty="0">
+                <a:latin typeface="Times New Roman" panose="02020603050405020304" pitchFamily="18" charset="0"/>
+                <a:cs typeface="Times New Roman" panose="02020603050405020304" pitchFamily="18" charset="0"/>
+              </a:rPr>
+              <a:t>Nome e contatos;</a:t>
+            </a:r>
+          </a:p>
+          <a:p>
+            <a:pPr marL="742950" lvl="1" indent="-285750" algn="l">
+              <a:buFont typeface="Arial" panose="020B0604020202020204" pitchFamily="34" charset="0"/>
+              <a:buChar char="•"/>
+            </a:pPr>
+            <a:r>
+              <a:rPr lang="pt-BR" sz="1200" dirty="0">
+                <a:latin typeface="Times New Roman" panose="02020603050405020304" pitchFamily="18" charset="0"/>
+                <a:cs typeface="Times New Roman" panose="02020603050405020304" pitchFamily="18" charset="0"/>
+              </a:rPr>
+              <a:t>Estrutura e produtos disponíveis no estabelecimento;</a:t>
+            </a:r>
+          </a:p>
+          <a:p>
+            <a:pPr marL="742950" lvl="1" indent="-285750" algn="l">
+              <a:buFont typeface="Arial" panose="020B0604020202020204" pitchFamily="34" charset="0"/>
+              <a:buChar char="•"/>
+            </a:pPr>
+            <a:r>
+              <a:rPr lang="pt-BR" sz="1200" dirty="0">
+                <a:latin typeface="Times New Roman" panose="02020603050405020304" pitchFamily="18" charset="0"/>
+                <a:cs typeface="Times New Roman" panose="02020603050405020304" pitchFamily="18" charset="0"/>
+              </a:rPr>
+              <a:t>Sua média de avaliação;</a:t>
+            </a:r>
+          </a:p>
+        </p:txBody>
+      </p:sp>
+      <p:pic>
+        <p:nvPicPr>
+          <p:cNvPr id="5" name="Imagem 4">
+            <a:extLst>
+              <a:ext uri="{FF2B5EF4-FFF2-40B4-BE49-F238E27FC236}">
+                <a16:creationId xmlns:a16="http://schemas.microsoft.com/office/drawing/2014/main" id="{BC3361C1-2276-41F0-96BB-96AA1BC86F15}"/>
+              </a:ext>
+            </a:extLst>
+          </p:cNvPr>
+          <p:cNvPicPr>
+            <a:picLocks noChangeAspect="1"/>
+          </p:cNvPicPr>
+          <p:nvPr/>
+        </p:nvPicPr>
+        <p:blipFill>
+          <a:blip r:embed="rId2">
+            <a:extLst>
+              <a:ext uri="{28A0092B-C50C-407E-A947-70E740481C1C}">
+                <a14:useLocalDpi xmlns:a14="http://schemas.microsoft.com/office/drawing/2010/main" val="0"/>
+              </a:ext>
+            </a:extLst>
+          </a:blip>
+          <a:stretch>
+            <a:fillRect/>
+          </a:stretch>
+        </p:blipFill>
+        <p:spPr>
+          <a:xfrm>
+            <a:off x="3817856" y="631256"/>
+            <a:ext cx="8125905" cy="5741263"/>
+          </a:xfrm>
+          <a:prstGeom prst="rect">
+            <a:avLst/>
+          </a:prstGeom>
+        </p:spPr>
+      </p:pic>
+      <mc:AlternateContent xmlns:mc="http://schemas.openxmlformats.org/markup-compatibility/2006">
+        <mc:Choice xmlns:pslz="http://schemas.microsoft.com/office/powerpoint/2016/slidezoom" Requires="pslz">
+          <p:graphicFrame>
+            <p:nvGraphicFramePr>
+              <p:cNvPr id="9" name="Zoom de Slide 8">
+                <a:extLst>
+                  <a:ext uri="{FF2B5EF4-FFF2-40B4-BE49-F238E27FC236}">
+                    <a16:creationId xmlns:a16="http://schemas.microsoft.com/office/drawing/2014/main" id="{13A6EEE0-23FC-40B0-9445-EDACD8666701}"/>
+                  </a:ext>
+                </a:extLst>
+              </p:cNvPr>
+              <p:cNvGraphicFramePr>
+                <a:graphicFrameLocks noChangeAspect="1"/>
+              </p:cNvGraphicFramePr>
+              <p:nvPr>
+                <p:extLst>
+                  <p:ext uri="{D42A27DB-BD31-4B8C-83A1-F6EECF244321}">
+                    <p14:modId xmlns:p14="http://schemas.microsoft.com/office/powerpoint/2010/main" val="2008134088"/>
+                  </p:ext>
+                </p:extLst>
+              </p:nvPr>
+            </p:nvGraphicFramePr>
+            <p:xfrm>
+              <a:off x="1272619" y="4462411"/>
+              <a:ext cx="3048000" cy="1714500"/>
+            </p:xfrm>
+            <a:graphic>
+              <a:graphicData uri="http://schemas.microsoft.com/office/powerpoint/2016/slidezoom">
+                <pslz:sldZm>
+                  <pslz:sldZmObj sldId="261" cId="4122658532">
+                    <pslz:zmPr id="{EAE11002-28A2-4E84-A721-135EA1F2E816}" returnToParent="0" transitionDur="1000">
+                      <p166:blipFill xmlns:p166="http://schemas.microsoft.com/office/powerpoint/2016/6/main">
+                        <a:blip r:embed="rId3"/>
+                        <a:stretch>
+                          <a:fillRect/>
+                        </a:stretch>
+                      </p166:blipFill>
+                      <p166:spPr xmlns:p166="http://schemas.microsoft.com/office/powerpoint/2016/6/main">
+                        <a:xfrm>
+                          <a:off x="0" y="0"/>
+                          <a:ext cx="3048000" cy="1714500"/>
+                        </a:xfrm>
+                        <a:prstGeom prst="rect">
+                          <a:avLst/>
+                        </a:prstGeom>
+                        <a:ln w="3175">
+                          <a:solidFill>
+                            <a:prstClr val="ltGray"/>
+                          </a:solidFill>
+                        </a:ln>
+                        <a:effectLst>
+                          <a:outerShdw blurRad="63500" sx="102000" sy="102000" algn="ctr" rotWithShape="0">
+                            <a:prstClr val="black">
+                              <a:alpha val="40000"/>
+                            </a:prstClr>
+                          </a:outerShdw>
+                        </a:effectLst>
+                      </p166:spPr>
+                    </pslz:zmPr>
+                  </pslz:sldZmObj>
+                </pslz:sldZm>
+              </a:graphicData>
+            </a:graphic>
+          </p:graphicFrame>
+        </mc:Choice>
+        <mc:Fallback>
+          <p:pic>
+            <p:nvPicPr>
+              <p:cNvPr id="9" name="Zoom de Slide 8">
+                <a:extLst>
+                  <a:ext uri="{FF2B5EF4-FFF2-40B4-BE49-F238E27FC236}">
+                    <a16:creationId xmlns:a16="http://schemas.microsoft.com/office/drawing/2014/main" id="{13A6EEE0-23FC-40B0-9445-EDACD8666701}"/>
+                  </a:ext>
+                </a:extLst>
+              </p:cNvPr>
+              <p:cNvPicPr>
+                <a:picLocks noGrp="1" noRot="1" noChangeAspect="1" noMove="1" noResize="1" noEditPoints="1" noAdjustHandles="1" noChangeArrowheads="1" noChangeShapeType="1"/>
+              </p:cNvPicPr>
+              <p:nvPr/>
+            </p:nvPicPr>
+            <p:blipFill>
+              <a:blip r:embed="rId3"/>
+              <a:stretch>
+                <a:fillRect/>
+              </a:stretch>
+            </p:blipFill>
+            <p:spPr>
+              <a:xfrm>
+                <a:off x="1272619" y="4462411"/>
+                <a:ext cx="3048000" cy="1714500"/>
+              </a:xfrm>
+              <a:prstGeom prst="rect">
+                <a:avLst/>
+              </a:prstGeom>
+              <a:ln w="3175">
+                <a:solidFill>
+                  <a:prstClr val="ltGray"/>
+                </a:solidFill>
+              </a:ln>
+              <a:effectLst>
+                <a:outerShdw blurRad="63500" sx="102000" sy="102000" algn="ctr" rotWithShape="0">
+                  <a:prstClr val="black">
+                    <a:alpha val="40000"/>
+                  </a:prstClr>
+                </a:outerShdw>
+              </a:effectLst>
+            </p:spPr>
+          </p:pic>
+        </mc:Fallback>
+      </mc:AlternateContent>
+    </p:spTree>
+    <p:extLst>
+      <p:ext uri="{BB962C8B-B14F-4D97-AF65-F5344CB8AC3E}">
+        <p14:creationId xmlns:p14="http://schemas.microsoft.com/office/powerpoint/2010/main" val="1676301221"/>
+      </p:ext>
+    </p:extLst>
+  </p:cSld>
+  <p:clrMapOvr>
+    <a:masterClrMapping/>
+  </p:clrMapOvr>
+</p:sld>
+</file>
+
 <file path=ppt/slides/slide3.xml><?xml version="1.0" encoding="utf-8"?>
+<p:sld xmlns:a="http://schemas.openxmlformats.org/drawingml/2006/main" xmlns:r="http://schemas.openxmlformats.org/officeDocument/2006/relationships" xmlns:p="http://schemas.openxmlformats.org/presentationml/2006/main">
+  <p:cSld>
+    <p:spTree>
+      <p:nvGrpSpPr>
+        <p:cNvPr id="1" name=""/>
+        <p:cNvGrpSpPr/>
+        <p:nvPr/>
+      </p:nvGrpSpPr>
+      <p:grpSpPr>
+        <a:xfrm>
+          <a:off x="0" y="0"/>
+          <a:ext cx="0" cy="0"/>
+          <a:chOff x="0" y="0"/>
+          <a:chExt cx="0" cy="0"/>
+        </a:xfrm>
+      </p:grpSpPr>
+      <p:pic>
+        <p:nvPicPr>
+          <p:cNvPr id="3" name="Imagem 2">
+            <a:extLst>
+              <a:ext uri="{FF2B5EF4-FFF2-40B4-BE49-F238E27FC236}">
+                <a16:creationId xmlns:a16="http://schemas.microsoft.com/office/drawing/2014/main" id="{283DA887-EA0A-4435-BA83-57E91E351F77}"/>
+              </a:ext>
+            </a:extLst>
+          </p:cNvPr>
+          <p:cNvPicPr>
+            <a:picLocks noChangeAspect="1"/>
+          </p:cNvPicPr>
+          <p:nvPr/>
+        </p:nvPicPr>
+        <p:blipFill>
+          <a:blip r:embed="rId2"/>
+          <a:stretch>
+            <a:fillRect/>
+          </a:stretch>
+        </p:blipFill>
+        <p:spPr>
+          <a:xfrm>
+            <a:off x="0" y="1339036"/>
+            <a:ext cx="12192000" cy="4179927"/>
+          </a:xfrm>
+          <a:prstGeom prst="rect">
+            <a:avLst/>
+          </a:prstGeom>
+        </p:spPr>
+      </p:pic>
+    </p:spTree>
+    <p:extLst>
+      <p:ext uri="{BB962C8B-B14F-4D97-AF65-F5344CB8AC3E}">
+        <p14:creationId xmlns:p14="http://schemas.microsoft.com/office/powerpoint/2010/main" val="4122658532"/>
+      </p:ext>
+    </p:extLst>
+  </p:cSld>
+  <p:clrMapOvr>
+    <a:masterClrMapping/>
+  </p:clrMapOvr>
+  <mc:AlternateContent xmlns:mc="http://schemas.openxmlformats.org/markup-compatibility/2006" xmlns:p14="http://schemas.microsoft.com/office/powerpoint/2010/main">
+    <mc:Choice Requires="p14">
+      <p:transition spd="med" p14:dur="700">
+        <p:fade/>
+      </p:transition>
+    </mc:Choice>
+    <mc:Fallback xmlns="">
+      <p:transition spd="med">
+        <p:fade/>
+      </p:transition>
+    </mc:Fallback>
+  </mc:AlternateContent>
+</p:sld>
+</file>
+
+<file path=ppt/slides/slide4.xml><?xml version="1.0" encoding="utf-8"?>
 <p:sld xmlns:a="http://schemas.openxmlformats.org/drawingml/2006/main" xmlns:r="http://schemas.openxmlformats.org/officeDocument/2006/relationships" xmlns:p="http://schemas.openxmlformats.org/presentationml/2006/main">
   <p:cSld>
     <p:spTree>
@@ -5214,7 +5487,7 @@
 </p:sld>
 </file>
 
-<file path=ppt/slides/slide4.xml><?xml version="1.0" encoding="utf-8"?>
+<file path=ppt/slides/slide5.xml><?xml version="1.0" encoding="utf-8"?>
 <p:sld xmlns:a="http://schemas.openxmlformats.org/drawingml/2006/main" xmlns:r="http://schemas.openxmlformats.org/officeDocument/2006/relationships" xmlns:p="http://schemas.openxmlformats.org/presentationml/2006/main">
   <p:cSld>
     <p:spTree>
@@ -5611,7 +5884,7 @@
 </p:sld>
 </file>
 
-<file path=ppt/slides/slide5.xml><?xml version="1.0" encoding="utf-8"?>
+<file path=ppt/slides/slide6.xml><?xml version="1.0" encoding="utf-8"?>
 <p:sld xmlns:a="http://schemas.openxmlformats.org/drawingml/2006/main" xmlns:r="http://schemas.openxmlformats.org/officeDocument/2006/relationships" xmlns:p="http://schemas.openxmlformats.org/presentationml/2006/main">
   <p:cSld>
     <p:spTree>
@@ -5779,48 +6052,6 @@
     <p:extLst>
       <p:ext uri="{BB962C8B-B14F-4D97-AF65-F5344CB8AC3E}">
         <p14:creationId xmlns:p14="http://schemas.microsoft.com/office/powerpoint/2010/main" val="466258431"/>
-      </p:ext>
-    </p:extLst>
-  </p:cSld>
-  <p:clrMapOvr>
-    <a:masterClrMapping/>
-  </p:clrMapOvr>
-  <mc:AlternateContent xmlns:mc="http://schemas.openxmlformats.org/markup-compatibility/2006" xmlns:p14="http://schemas.microsoft.com/office/powerpoint/2010/main">
-    <mc:Choice Requires="p14">
-      <p:transition spd="med" p14:dur="700">
-        <p:fade/>
-      </p:transition>
-    </mc:Choice>
-    <mc:Fallback xmlns="">
-      <p:transition spd="med">
-        <p:fade/>
-      </p:transition>
-    </mc:Fallback>
-  </mc:AlternateContent>
-</p:sld>
-</file>
-
-<file path=ppt/slides/slide6.xml><?xml version="1.0" encoding="utf-8"?>
-<p:sld xmlns:a="http://schemas.openxmlformats.org/drawingml/2006/main" xmlns:r="http://schemas.openxmlformats.org/officeDocument/2006/relationships" xmlns:p="http://schemas.openxmlformats.org/presentationml/2006/main">
-  <p:cSld>
-    <p:spTree>
-      <p:nvGrpSpPr>
-        <p:cNvPr id="1" name=""/>
-        <p:cNvGrpSpPr/>
-        <p:nvPr/>
-      </p:nvGrpSpPr>
-      <p:grpSpPr>
-        <a:xfrm>
-          <a:off x="0" y="0"/>
-          <a:ext cx="0" cy="0"/>
-          <a:chOff x="0" y="0"/>
-          <a:chExt cx="0" cy="0"/>
-        </a:xfrm>
-      </p:grpSpPr>
-    </p:spTree>
-    <p:extLst>
-      <p:ext uri="{BB962C8B-B14F-4D97-AF65-F5344CB8AC3E}">
-        <p14:creationId xmlns:p14="http://schemas.microsoft.com/office/powerpoint/2010/main" val="4122658532"/>
       </p:ext>
     </p:extLst>
   </p:cSld>

--- a/Apresentação do projeto.pptx
+++ b/Apresentação do projeto.pptx
@@ -129,7 +129,7 @@
   <pc:docChgLst>
     <pc:chgData name="Robson Levi" userId="1019b20ae95c112e" providerId="LiveId" clId="{527BBB49-8F9D-40C5-8023-400A0CF34FE2}"/>
     <pc:docChg chg="undo custSel addSld delSld modSld sldOrd addSection delSection modSection">
-      <pc:chgData name="Robson Levi" userId="1019b20ae95c112e" providerId="LiveId" clId="{527BBB49-8F9D-40C5-8023-400A0CF34FE2}" dt="2021-12-04T13:28:37.935" v="3987" actId="2696"/>
+      <pc:chgData name="Robson Levi" userId="1019b20ae95c112e" providerId="LiveId" clId="{527BBB49-8F9D-40C5-8023-400A0CF34FE2}" dt="2021-12-04T13:32:07.545" v="3993" actId="207"/>
       <pc:docMkLst>
         <pc:docMk/>
       </pc:docMkLst>
@@ -197,13 +197,13 @@
         </pc:picChg>
       </pc:sldChg>
       <pc:sldChg chg="addSp delSp modSp new mod ord modTransition">
-        <pc:chgData name="Robson Levi" userId="1019b20ae95c112e" providerId="LiveId" clId="{527BBB49-8F9D-40C5-8023-400A0CF34FE2}" dt="2021-12-04T13:26:34.118" v="3980"/>
+        <pc:chgData name="Robson Levi" userId="1019b20ae95c112e" providerId="LiveId" clId="{527BBB49-8F9D-40C5-8023-400A0CF34FE2}" dt="2021-12-04T13:32:07.545" v="3993" actId="207"/>
         <pc:sldMkLst>
           <pc:docMk/>
           <pc:sldMk cId="466258431" sldId="257"/>
         </pc:sldMkLst>
         <pc:spChg chg="mod">
-          <ac:chgData name="Robson Levi" userId="1019b20ae95c112e" providerId="LiveId" clId="{527BBB49-8F9D-40C5-8023-400A0CF34FE2}" dt="2021-12-04T03:01:18.654" v="1707" actId="27636"/>
+          <ac:chgData name="Robson Levi" userId="1019b20ae95c112e" providerId="LiveId" clId="{527BBB49-8F9D-40C5-8023-400A0CF34FE2}" dt="2021-12-04T13:32:07.545" v="3993" actId="207"/>
           <ac:spMkLst>
             <pc:docMk/>
             <pc:sldMk cId="466258431" sldId="257"/>
@@ -236,7 +236,7 @@
         </pc:picChg>
       </pc:sldChg>
       <pc:sldChg chg="addSp delSp modSp new mod modTransition">
-        <pc:chgData name="Robson Levi" userId="1019b20ae95c112e" providerId="LiveId" clId="{527BBB49-8F9D-40C5-8023-400A0CF34FE2}" dt="2021-12-04T04:05:31.722" v="3423" actId="20577"/>
+        <pc:chgData name="Robson Levi" userId="1019b20ae95c112e" providerId="LiveId" clId="{527BBB49-8F9D-40C5-8023-400A0CF34FE2}" dt="2021-12-04T13:31:47.585" v="3990" actId="207"/>
         <pc:sldMkLst>
           <pc:docMk/>
           <pc:sldMk cId="942448581" sldId="258"/>
@@ -266,7 +266,7 @@
           </ac:spMkLst>
         </pc:spChg>
         <pc:spChg chg="add mod">
-          <ac:chgData name="Robson Levi" userId="1019b20ae95c112e" providerId="LiveId" clId="{527BBB49-8F9D-40C5-8023-400A0CF34FE2}" dt="2021-12-04T03:02:06.938" v="1715" actId="27636"/>
+          <ac:chgData name="Robson Levi" userId="1019b20ae95c112e" providerId="LiveId" clId="{527BBB49-8F9D-40C5-8023-400A0CF34FE2}" dt="2021-12-04T13:31:47.585" v="3990" actId="207"/>
           <ac:spMkLst>
             <pc:docMk/>
             <pc:sldMk cId="942448581" sldId="258"/>
@@ -291,13 +291,13 @@
         </pc:picChg>
       </pc:sldChg>
       <pc:sldChg chg="addSp delSp modSp new mod ord modTransition">
-        <pc:chgData name="Robson Levi" userId="1019b20ae95c112e" providerId="LiveId" clId="{527BBB49-8F9D-40C5-8023-400A0CF34FE2}" dt="2021-12-04T13:27:11.073" v="3984"/>
+        <pc:chgData name="Robson Levi" userId="1019b20ae95c112e" providerId="LiveId" clId="{527BBB49-8F9D-40C5-8023-400A0CF34FE2}" dt="2021-12-04T13:31:57.449" v="3991" actId="207"/>
         <pc:sldMkLst>
           <pc:docMk/>
           <pc:sldMk cId="1360558957" sldId="259"/>
         </pc:sldMkLst>
         <pc:spChg chg="mod">
-          <ac:chgData name="Robson Levi" userId="1019b20ae95c112e" providerId="LiveId" clId="{527BBB49-8F9D-40C5-8023-400A0CF34FE2}" dt="2021-12-04T03:04:58.229" v="1771" actId="1076"/>
+          <ac:chgData name="Robson Levi" userId="1019b20ae95c112e" providerId="LiveId" clId="{527BBB49-8F9D-40C5-8023-400A0CF34FE2}" dt="2021-12-04T13:31:57.449" v="3991" actId="207"/>
           <ac:spMkLst>
             <pc:docMk/>
             <pc:sldMk cId="1360558957" sldId="259"/>
@@ -330,13 +330,13 @@
         </pc:picChg>
       </pc:sldChg>
       <pc:sldChg chg="addSp modSp new mod ord modTransition">
-        <pc:chgData name="Robson Levi" userId="1019b20ae95c112e" providerId="LiveId" clId="{527BBB49-8F9D-40C5-8023-400A0CF34FE2}" dt="2021-12-04T13:27:12.937" v="3986"/>
+        <pc:chgData name="Robson Levi" userId="1019b20ae95c112e" providerId="LiveId" clId="{527BBB49-8F9D-40C5-8023-400A0CF34FE2}" dt="2021-12-04T13:32:03.145" v="3992" actId="207"/>
         <pc:sldMkLst>
           <pc:docMk/>
           <pc:sldMk cId="1904355808" sldId="260"/>
         </pc:sldMkLst>
         <pc:spChg chg="mod">
-          <ac:chgData name="Robson Levi" userId="1019b20ae95c112e" providerId="LiveId" clId="{527BBB49-8F9D-40C5-8023-400A0CF34FE2}" dt="2021-12-04T03:29:15.325" v="2354" actId="14100"/>
+          <ac:chgData name="Robson Levi" userId="1019b20ae95c112e" providerId="LiveId" clId="{527BBB49-8F9D-40C5-8023-400A0CF34FE2}" dt="2021-12-04T13:32:03.145" v="3992" actId="207"/>
           <ac:spMkLst>
             <pc:docMk/>
             <pc:sldMk cId="1904355808" sldId="260"/>
@@ -563,13 +563,13 @@
         </pc:picChg>
       </pc:sldChg>
       <pc:sldChg chg="addSp delSp modSp new mod">
-        <pc:chgData name="Robson Levi" userId="1019b20ae95c112e" providerId="LiveId" clId="{527BBB49-8F9D-40C5-8023-400A0CF34FE2}" dt="2021-12-04T13:24:31.327" v="3978" actId="14861"/>
+        <pc:chgData name="Robson Levi" userId="1019b20ae95c112e" providerId="LiveId" clId="{527BBB49-8F9D-40C5-8023-400A0CF34FE2}" dt="2021-12-04T13:31:36.763" v="3988" actId="207"/>
         <pc:sldMkLst>
           <pc:docMk/>
           <pc:sldMk cId="1676301221" sldId="266"/>
         </pc:sldMkLst>
         <pc:spChg chg="mod">
-          <ac:chgData name="Robson Levi" userId="1019b20ae95c112e" providerId="LiveId" clId="{527BBB49-8F9D-40C5-8023-400A0CF34FE2}" dt="2021-12-04T13:16:45.743" v="3682" actId="14100"/>
+          <ac:chgData name="Robson Levi" userId="1019b20ae95c112e" providerId="LiveId" clId="{527BBB49-8F9D-40C5-8023-400A0CF34FE2}" dt="2021-12-04T13:31:36.763" v="3988" actId="207"/>
           <ac:spMkLst>
             <pc:docMk/>
             <pc:sldMk cId="1676301221" sldId="266"/>
@@ -4285,10 +4285,30 @@
           <a:p>
             <a:r>
               <a:rPr lang="pt-BR" sz="2000" dirty="0">
+                <a:solidFill>
+                  <a:srgbClr val="FF0000"/>
+                </a:solidFill>
                 <a:latin typeface="Times New Roman" panose="02020603050405020304" pitchFamily="18" charset="0"/>
                 <a:cs typeface="Times New Roman" panose="02020603050405020304" pitchFamily="18" charset="0"/>
               </a:rPr>
-              <a:t>Home Page</a:t>
+              <a:t>Home</a:t>
+            </a:r>
+            <a:r>
+              <a:rPr lang="pt-BR" sz="2000" dirty="0">
+                <a:latin typeface="Times New Roman" panose="02020603050405020304" pitchFamily="18" charset="0"/>
+                <a:cs typeface="Times New Roman" panose="02020603050405020304" pitchFamily="18" charset="0"/>
+              </a:rPr>
+              <a:t> </a:t>
+            </a:r>
+            <a:r>
+              <a:rPr lang="pt-BR" sz="2000" dirty="0">
+                <a:solidFill>
+                  <a:srgbClr val="FF0000"/>
+                </a:solidFill>
+                <a:latin typeface="Times New Roman" panose="02020603050405020304" pitchFamily="18" charset="0"/>
+                <a:cs typeface="Times New Roman" panose="02020603050405020304" pitchFamily="18" charset="0"/>
+              </a:rPr>
+              <a:t>Page</a:t>
             </a:r>
           </a:p>
         </p:txBody>
@@ -4890,6 +4910,9 @@
           <a:p>
             <a:r>
               <a:rPr lang="pt-BR" sz="2000" dirty="0">
+                <a:solidFill>
+                  <a:srgbClr val="FF0000"/>
+                </a:solidFill>
                 <a:latin typeface="Times New Roman" panose="02020603050405020304" pitchFamily="18" charset="0"/>
                 <a:cs typeface="Times New Roman" panose="02020603050405020304" pitchFamily="18" charset="0"/>
               </a:rPr>
@@ -5032,8 +5055,8 @@
           </a:prstGeom>
         </p:spPr>
       </p:pic>
-      <mc:AlternateContent xmlns:mc="http://schemas.openxmlformats.org/markup-compatibility/2006">
-        <mc:Choice xmlns:pslz="http://schemas.microsoft.com/office/powerpoint/2016/slidezoom" Requires="pslz">
+      <mc:AlternateContent xmlns:mc="http://schemas.openxmlformats.org/markup-compatibility/2006" xmlns:pslz="http://schemas.microsoft.com/office/powerpoint/2016/slidezoom">
+        <mc:Choice Requires="pslz">
           <p:graphicFrame>
             <p:nvGraphicFramePr>
               <p:cNvPr id="9" name="Zoom de Slide 8">
@@ -5097,7 +5120,7 @@
             </a:graphic>
           </p:graphicFrame>
         </mc:Choice>
-        <mc:Fallback>
+        <mc:Fallback xmlns="">
           <p:pic>
             <p:nvPicPr>
               <p:cNvPr id="9" name="Zoom de Slide 8">
@@ -5113,7 +5136,7 @@
               <p:nvPr/>
             </p:nvPicPr>
             <p:blipFill>
-              <a:blip r:embed="rId3"/>
+              <a:blip r:embed="rId4"/>
               <a:stretch>
                 <a:fillRect/>
               </a:stretch>
@@ -5274,6 +5297,9 @@
           <a:p>
             <a:r>
               <a:rPr lang="pt-BR" sz="2000" dirty="0">
+                <a:solidFill>
+                  <a:srgbClr val="FF0000"/>
+                </a:solidFill>
                 <a:latin typeface="Times New Roman" panose="02020603050405020304" pitchFamily="18" charset="0"/>
                 <a:cs typeface="Times New Roman" panose="02020603050405020304" pitchFamily="18" charset="0"/>
               </a:rPr>
@@ -5534,6 +5560,9 @@
           <a:p>
             <a:r>
               <a:rPr lang="pt-BR" sz="2000" dirty="0">
+                <a:solidFill>
+                  <a:srgbClr val="FF0000"/>
+                </a:solidFill>
                 <a:latin typeface="Times New Roman" panose="02020603050405020304" pitchFamily="18" charset="0"/>
                 <a:cs typeface="Times New Roman" panose="02020603050405020304" pitchFamily="18" charset="0"/>
               </a:rPr>
@@ -5931,6 +5960,9 @@
           <a:p>
             <a:r>
               <a:rPr lang="pt-BR" sz="2000" dirty="0">
+                <a:solidFill>
+                  <a:srgbClr val="FF0000"/>
+                </a:solidFill>
                 <a:latin typeface="Times New Roman" panose="02020603050405020304" pitchFamily="18" charset="0"/>
                 <a:cs typeface="Times New Roman" panose="02020603050405020304" pitchFamily="18" charset="0"/>
               </a:rPr>

--- a/Apresentação do projeto.pptx
+++ b/Apresentação do projeto.pptx
@@ -129,7 +129,7 @@
   <pc:docChgLst>
     <pc:chgData name="Robson Levi" userId="1019b20ae95c112e" providerId="LiveId" clId="{527BBB49-8F9D-40C5-8023-400A0CF34FE2}"/>
     <pc:docChg chg="undo custSel addSld delSld modSld sldOrd addSection delSection modSection">
-      <pc:chgData name="Robson Levi" userId="1019b20ae95c112e" providerId="LiveId" clId="{527BBB49-8F9D-40C5-8023-400A0CF34FE2}" dt="2021-12-04T13:32:07.545" v="3993" actId="207"/>
+      <pc:chgData name="Robson Levi" userId="1019b20ae95c112e" providerId="LiveId" clId="{527BBB49-8F9D-40C5-8023-400A0CF34FE2}" dt="2021-12-04T14:12:43.159" v="4729" actId="1076"/>
       <pc:docMkLst>
         <pc:docMk/>
       </pc:docMkLst>
@@ -236,7 +236,7 @@
         </pc:picChg>
       </pc:sldChg>
       <pc:sldChg chg="addSp delSp modSp new mod modTransition">
-        <pc:chgData name="Robson Levi" userId="1019b20ae95c112e" providerId="LiveId" clId="{527BBB49-8F9D-40C5-8023-400A0CF34FE2}" dt="2021-12-04T13:31:47.585" v="3990" actId="207"/>
+        <pc:chgData name="Robson Levi" userId="1019b20ae95c112e" providerId="LiveId" clId="{527BBB49-8F9D-40C5-8023-400A0CF34FE2}" dt="2021-12-04T14:12:43.159" v="4729" actId="1076"/>
         <pc:sldMkLst>
           <pc:docMk/>
           <pc:sldMk cId="942448581" sldId="258"/>
@@ -289,6 +289,54 @@
             <ac:picMk id="4" creationId="{606689BA-E5F3-4DAC-835B-379A24B0C14E}"/>
           </ac:picMkLst>
         </pc:picChg>
+        <pc:cxnChg chg="mod">
+          <ac:chgData name="Robson Levi" userId="1019b20ae95c112e" providerId="LiveId" clId="{527BBB49-8F9D-40C5-8023-400A0CF34FE2}" dt="2021-12-04T14:12:30.881" v="4726" actId="208"/>
+          <ac:cxnSpMkLst>
+            <pc:docMk/>
+            <pc:sldMk cId="942448581" sldId="258"/>
+            <ac:cxnSpMk id="24" creationId="{7E5A6EE6-DD82-4601-BA62-9CB0A78DD474}"/>
+          </ac:cxnSpMkLst>
+        </pc:cxnChg>
+        <pc:cxnChg chg="mod">
+          <ac:chgData name="Robson Levi" userId="1019b20ae95c112e" providerId="LiveId" clId="{527BBB49-8F9D-40C5-8023-400A0CF34FE2}" dt="2021-12-04T14:12:33.418" v="4727" actId="208"/>
+          <ac:cxnSpMkLst>
+            <pc:docMk/>
+            <pc:sldMk cId="942448581" sldId="258"/>
+            <ac:cxnSpMk id="26" creationId="{5EDCC438-F326-4CC4-9B78-7C092371DDA1}"/>
+          </ac:cxnSpMkLst>
+        </pc:cxnChg>
+        <pc:cxnChg chg="mod">
+          <ac:chgData name="Robson Levi" userId="1019b20ae95c112e" providerId="LiveId" clId="{527BBB49-8F9D-40C5-8023-400A0CF34FE2}" dt="2021-12-04T14:12:37.577" v="4728" actId="208"/>
+          <ac:cxnSpMkLst>
+            <pc:docMk/>
+            <pc:sldMk cId="942448581" sldId="258"/>
+            <ac:cxnSpMk id="29" creationId="{30A839FF-B477-4786-975B-71E8775B8EFA}"/>
+          </ac:cxnSpMkLst>
+        </pc:cxnChg>
+        <pc:cxnChg chg="mod">
+          <ac:chgData name="Robson Levi" userId="1019b20ae95c112e" providerId="LiveId" clId="{527BBB49-8F9D-40C5-8023-400A0CF34FE2}" dt="2021-12-04T14:12:20.809" v="4723" actId="208"/>
+          <ac:cxnSpMkLst>
+            <pc:docMk/>
+            <pc:sldMk cId="942448581" sldId="258"/>
+            <ac:cxnSpMk id="33" creationId="{EB3C4CF0-E10B-463E-8FDA-8EF59C80BCE4}"/>
+          </ac:cxnSpMkLst>
+        </pc:cxnChg>
+        <pc:cxnChg chg="mod">
+          <ac:chgData name="Robson Levi" userId="1019b20ae95c112e" providerId="LiveId" clId="{527BBB49-8F9D-40C5-8023-400A0CF34FE2}" dt="2021-12-04T14:12:43.159" v="4729" actId="1076"/>
+          <ac:cxnSpMkLst>
+            <pc:docMk/>
+            <pc:sldMk cId="942448581" sldId="258"/>
+            <ac:cxnSpMk id="35" creationId="{B6AF67FB-6CE6-463C-B158-AB2B1C19587B}"/>
+          </ac:cxnSpMkLst>
+        </pc:cxnChg>
+        <pc:cxnChg chg="mod">
+          <ac:chgData name="Robson Levi" userId="1019b20ae95c112e" providerId="LiveId" clId="{527BBB49-8F9D-40C5-8023-400A0CF34FE2}" dt="2021-12-04T14:12:28.434" v="4725" actId="208"/>
+          <ac:cxnSpMkLst>
+            <pc:docMk/>
+            <pc:sldMk cId="942448581" sldId="258"/>
+            <ac:cxnSpMk id="41" creationId="{003146B1-C5A3-4E7D-BDC3-91A4E97C3127}"/>
+          </ac:cxnSpMkLst>
+        </pc:cxnChg>
       </pc:sldChg>
       <pc:sldChg chg="addSp delSp modSp new mod ord modTransition">
         <pc:chgData name="Robson Levi" userId="1019b20ae95c112e" providerId="LiveId" clId="{527BBB49-8F9D-40C5-8023-400A0CF34FE2}" dt="2021-12-04T13:31:57.449" v="3991" actId="207"/>
@@ -330,7 +378,7 @@
         </pc:picChg>
       </pc:sldChg>
       <pc:sldChg chg="addSp modSp new mod ord modTransition">
-        <pc:chgData name="Robson Levi" userId="1019b20ae95c112e" providerId="LiveId" clId="{527BBB49-8F9D-40C5-8023-400A0CF34FE2}" dt="2021-12-04T13:32:03.145" v="3992" actId="207"/>
+        <pc:chgData name="Robson Levi" userId="1019b20ae95c112e" providerId="LiveId" clId="{527BBB49-8F9D-40C5-8023-400A0CF34FE2}" dt="2021-12-04T14:12:00.308" v="4722" actId="1076"/>
         <pc:sldMkLst>
           <pc:docMk/>
           <pc:sldMk cId="1904355808" sldId="260"/>
@@ -359,6 +407,22 @@
             <ac:picMk id="5" creationId="{244786F8-50F9-4886-95A8-A2C55536882C}"/>
           </ac:picMkLst>
         </pc:picChg>
+        <pc:cxnChg chg="mod">
+          <ac:chgData name="Robson Levi" userId="1019b20ae95c112e" providerId="LiveId" clId="{527BBB49-8F9D-40C5-8023-400A0CF34FE2}" dt="2021-12-04T14:11:45.194" v="4720" actId="208"/>
+          <ac:cxnSpMkLst>
+            <pc:docMk/>
+            <pc:sldMk cId="1904355808" sldId="260"/>
+            <ac:cxnSpMk id="8" creationId="{665CCD09-EEAD-4A78-AE97-9A3BC8A554E5}"/>
+          </ac:cxnSpMkLst>
+        </pc:cxnChg>
+        <pc:cxnChg chg="mod">
+          <ac:chgData name="Robson Levi" userId="1019b20ae95c112e" providerId="LiveId" clId="{527BBB49-8F9D-40C5-8023-400A0CF34FE2}" dt="2021-12-04T14:12:00.308" v="4722" actId="1076"/>
+          <ac:cxnSpMkLst>
+            <pc:docMk/>
+            <pc:sldMk cId="1904355808" sldId="260"/>
+            <ac:cxnSpMk id="10" creationId="{34B41AC8-1EF0-4F91-85C8-F6EFE9101290}"/>
+          </ac:cxnSpMkLst>
+        </pc:cxnChg>
       </pc:sldChg>
       <pc:sldChg chg="addSp delSp modSp new mod ord modTransition">
         <pc:chgData name="Robson Levi" userId="1019b20ae95c112e" providerId="LiveId" clId="{527BBB49-8F9D-40C5-8023-400A0CF34FE2}" dt="2021-12-04T13:27:06.233" v="3982"/>
@@ -423,14 +487,14 @@
           </ac:picMkLst>
         </pc:picChg>
       </pc:sldChg>
-      <pc:sldChg chg="modSp new modTransition">
-        <pc:chgData name="Robson Levi" userId="1019b20ae95c112e" providerId="LiveId" clId="{527BBB49-8F9D-40C5-8023-400A0CF34FE2}" dt="2021-12-04T03:02:19.221" v="1721"/>
+      <pc:sldChg chg="addSp delSp modSp new mod modTransition">
+        <pc:chgData name="Robson Levi" userId="1019b20ae95c112e" providerId="LiveId" clId="{527BBB49-8F9D-40C5-8023-400A0CF34FE2}" dt="2021-12-04T14:11:24.267" v="4719" actId="208"/>
         <pc:sldMkLst>
           <pc:docMk/>
           <pc:sldMk cId="3753950790" sldId="262"/>
         </pc:sldMkLst>
         <pc:spChg chg="mod">
-          <ac:chgData name="Robson Levi" userId="1019b20ae95c112e" providerId="LiveId" clId="{527BBB49-8F9D-40C5-8023-400A0CF34FE2}" dt="2021-12-04T03:02:19.221" v="1721"/>
+          <ac:chgData name="Robson Levi" userId="1019b20ae95c112e" providerId="LiveId" clId="{527BBB49-8F9D-40C5-8023-400A0CF34FE2}" dt="2021-12-04T13:42:56.720" v="4045" actId="14100"/>
           <ac:spMkLst>
             <pc:docMk/>
             <pc:sldMk cId="3753950790" sldId="262"/>
@@ -438,13 +502,85 @@
           </ac:spMkLst>
         </pc:spChg>
         <pc:spChg chg="mod">
-          <ac:chgData name="Robson Levi" userId="1019b20ae95c112e" providerId="LiveId" clId="{527BBB49-8F9D-40C5-8023-400A0CF34FE2}" dt="2021-12-04T03:02:19.221" v="1721"/>
+          <ac:chgData name="Robson Levi" userId="1019b20ae95c112e" providerId="LiveId" clId="{527BBB49-8F9D-40C5-8023-400A0CF34FE2}" dt="2021-12-04T13:48:19.114" v="4407" actId="20577"/>
           <ac:spMkLst>
             <pc:docMk/>
             <pc:sldMk cId="3753950790" sldId="262"/>
             <ac:spMk id="3" creationId="{1CDEF868-A9E8-486A-80A1-51F573B58FDE}"/>
           </ac:spMkLst>
         </pc:spChg>
+        <pc:graphicFrameChg chg="add mod modGraphic">
+          <ac:chgData name="Robson Levi" userId="1019b20ae95c112e" providerId="LiveId" clId="{527BBB49-8F9D-40C5-8023-400A0CF34FE2}" dt="2021-12-04T14:10:56.539" v="4717"/>
+          <ac:graphicFrameMkLst>
+            <pc:docMk/>
+            <pc:sldMk cId="3753950790" sldId="262"/>
+            <ac:graphicFrameMk id="18" creationId="{AEBE230B-D36B-4249-8F82-D54C1EA94026}"/>
+          </ac:graphicFrameMkLst>
+        </pc:graphicFrameChg>
+        <pc:picChg chg="add del mod">
+          <ac:chgData name="Robson Levi" userId="1019b20ae95c112e" providerId="LiveId" clId="{527BBB49-8F9D-40C5-8023-400A0CF34FE2}" dt="2021-12-04T13:41:23.083" v="3995" actId="478"/>
+          <ac:picMkLst>
+            <pc:docMk/>
+            <pc:sldMk cId="3753950790" sldId="262"/>
+            <ac:picMk id="5" creationId="{A5B66DCB-FFD2-4DA5-A687-089552BCD958}"/>
+          </ac:picMkLst>
+        </pc:picChg>
+        <pc:picChg chg="add mod">
+          <ac:chgData name="Robson Levi" userId="1019b20ae95c112e" providerId="LiveId" clId="{527BBB49-8F9D-40C5-8023-400A0CF34FE2}" dt="2021-12-04T13:59:25.137" v="4640" actId="1076"/>
+          <ac:picMkLst>
+            <pc:docMk/>
+            <pc:sldMk cId="3753950790" sldId="262"/>
+            <ac:picMk id="7" creationId="{A0E91FFD-31EC-44C0-813A-F5352C1723CB}"/>
+          </ac:picMkLst>
+        </pc:picChg>
+        <pc:picChg chg="add mod">
+          <ac:chgData name="Robson Levi" userId="1019b20ae95c112e" providerId="LiveId" clId="{527BBB49-8F9D-40C5-8023-400A0CF34FE2}" dt="2021-12-04T13:49:26.887" v="4414" actId="1076"/>
+          <ac:picMkLst>
+            <pc:docMk/>
+            <pc:sldMk cId="3753950790" sldId="262"/>
+            <ac:picMk id="9" creationId="{AF6625AD-0D82-471B-8093-A1917BB8F42A}"/>
+          </ac:picMkLst>
+        </pc:picChg>
+        <pc:picChg chg="add del mod">
+          <ac:chgData name="Robson Levi" userId="1019b20ae95c112e" providerId="LiveId" clId="{527BBB49-8F9D-40C5-8023-400A0CF34FE2}" dt="2021-12-04T13:56:11.770" v="4623" actId="478"/>
+          <ac:picMkLst>
+            <pc:docMk/>
+            <pc:sldMk cId="3753950790" sldId="262"/>
+            <ac:picMk id="15" creationId="{2C4A6B03-87A3-4E1F-8B50-F1332CDC07D9}"/>
+          </ac:picMkLst>
+        </pc:picChg>
+        <pc:cxnChg chg="add mod">
+          <ac:chgData name="Robson Levi" userId="1019b20ae95c112e" providerId="LiveId" clId="{527BBB49-8F9D-40C5-8023-400A0CF34FE2}" dt="2021-12-04T13:52:30.251" v="4429" actId="208"/>
+          <ac:cxnSpMkLst>
+            <pc:docMk/>
+            <pc:sldMk cId="3753950790" sldId="262"/>
+            <ac:cxnSpMk id="11" creationId="{E5682BBD-A75E-4F76-8C41-5A633109E73F}"/>
+          </ac:cxnSpMkLst>
+        </pc:cxnChg>
+        <pc:cxnChg chg="add mod">
+          <ac:chgData name="Robson Levi" userId="1019b20ae95c112e" providerId="LiveId" clId="{527BBB49-8F9D-40C5-8023-400A0CF34FE2}" dt="2021-12-04T13:52:33.761" v="4430" actId="208"/>
+          <ac:cxnSpMkLst>
+            <pc:docMk/>
+            <pc:sldMk cId="3753950790" sldId="262"/>
+            <ac:cxnSpMk id="13" creationId="{4F856ADA-6BD3-49FE-B085-46E03762A2AA}"/>
+          </ac:cxnSpMkLst>
+        </pc:cxnChg>
+        <pc:cxnChg chg="add del mod">
+          <ac:chgData name="Robson Levi" userId="1019b20ae95c112e" providerId="LiveId" clId="{527BBB49-8F9D-40C5-8023-400A0CF34FE2}" dt="2021-12-04T14:09:02.962" v="4713" actId="478"/>
+          <ac:cxnSpMkLst>
+            <pc:docMk/>
+            <pc:sldMk cId="3753950790" sldId="262"/>
+            <ac:cxnSpMk id="17" creationId="{4E3F20B8-81C1-42A4-BB8C-0A373F9C5422}"/>
+          </ac:cxnSpMkLst>
+        </pc:cxnChg>
+        <pc:cxnChg chg="add mod">
+          <ac:chgData name="Robson Levi" userId="1019b20ae95c112e" providerId="LiveId" clId="{527BBB49-8F9D-40C5-8023-400A0CF34FE2}" dt="2021-12-04T14:11:24.267" v="4719" actId="208"/>
+          <ac:cxnSpMkLst>
+            <pc:docMk/>
+            <pc:sldMk cId="3753950790" sldId="262"/>
+            <ac:cxnSpMk id="20" creationId="{F3D35C73-791B-4446-89A1-B15828F05A5D}"/>
+          </ac:cxnSpMkLst>
+        </pc:cxnChg>
       </pc:sldChg>
       <pc:sldChg chg="modSp new modTransition">
         <pc:chgData name="Robson Levi" userId="1019b20ae95c112e" providerId="LiveId" clId="{527BBB49-8F9D-40C5-8023-400A0CF34FE2}" dt="2021-12-04T03:02:19.221" v="1721"/>
@@ -642,6 +778,2296 @@
     </pc:docChg>
   </pc:docChgLst>
 </pc:chgInfo>
+</file>
+
+<file path=ppt/diagrams/colors1.xml><?xml version="1.0" encoding="utf-8"?>
+<dgm:colorsDef xmlns:dgm="http://schemas.openxmlformats.org/drawingml/2006/diagram" xmlns:a="http://schemas.openxmlformats.org/drawingml/2006/main" uniqueId="urn:microsoft.com/office/officeart/2005/8/colors/accent0_1">
+  <dgm:title val=""/>
+  <dgm:desc val=""/>
+  <dgm:catLst>
+    <dgm:cat type="mainScheme" pri="10100"/>
+  </dgm:catLst>
+  <dgm:styleLbl name="node0">
+    <dgm:fillClrLst meth="repeat">
+      <a:schemeClr val="lt1"/>
+    </dgm:fillClrLst>
+    <dgm:linClrLst meth="repeat">
+      <a:schemeClr val="dk1">
+        <a:shade val="80000"/>
+      </a:schemeClr>
+    </dgm:linClrLst>
+    <dgm:effectClrLst/>
+    <dgm:txLinClrLst/>
+    <dgm:txFillClrLst meth="repeat">
+      <a:schemeClr val="dk1"/>
+    </dgm:txFillClrLst>
+    <dgm:txEffectClrLst/>
+  </dgm:styleLbl>
+  <dgm:styleLbl name="node1">
+    <dgm:fillClrLst meth="repeat">
+      <a:schemeClr val="lt1"/>
+    </dgm:fillClrLst>
+    <dgm:linClrLst meth="repeat">
+      <a:schemeClr val="dk1">
+        <a:shade val="80000"/>
+      </a:schemeClr>
+    </dgm:linClrLst>
+    <dgm:effectClrLst/>
+    <dgm:txLinClrLst/>
+    <dgm:txFillClrLst meth="repeat">
+      <a:schemeClr val="dk1"/>
+    </dgm:txFillClrLst>
+    <dgm:txEffectClrLst/>
+  </dgm:styleLbl>
+  <dgm:styleLbl name="alignNode1">
+    <dgm:fillClrLst meth="repeat">
+      <a:schemeClr val="lt1"/>
+    </dgm:fillClrLst>
+    <dgm:linClrLst meth="repeat">
+      <a:schemeClr val="dk1">
+        <a:shade val="80000"/>
+      </a:schemeClr>
+    </dgm:linClrLst>
+    <dgm:effectClrLst/>
+    <dgm:txLinClrLst/>
+    <dgm:txFillClrLst meth="repeat">
+      <a:schemeClr val="dk1"/>
+    </dgm:txFillClrLst>
+    <dgm:txEffectClrLst/>
+  </dgm:styleLbl>
+  <dgm:styleLbl name="lnNode1">
+    <dgm:fillClrLst meth="repeat">
+      <a:schemeClr val="lt1"/>
+    </dgm:fillClrLst>
+    <dgm:linClrLst meth="repeat">
+      <a:schemeClr val="dk1">
+        <a:shade val="80000"/>
+      </a:schemeClr>
+    </dgm:linClrLst>
+    <dgm:effectClrLst/>
+    <dgm:txLinClrLst/>
+    <dgm:txFillClrLst meth="repeat">
+      <a:schemeClr val="dk1"/>
+    </dgm:txFillClrLst>
+    <dgm:txEffectClrLst/>
+  </dgm:styleLbl>
+  <dgm:styleLbl name="vennNode1">
+    <dgm:fillClrLst meth="repeat">
+      <a:schemeClr val="lt1">
+        <a:alpha val="50000"/>
+      </a:schemeClr>
+    </dgm:fillClrLst>
+    <dgm:linClrLst meth="repeat">
+      <a:schemeClr val="dk1">
+        <a:shade val="80000"/>
+      </a:schemeClr>
+    </dgm:linClrLst>
+    <dgm:effectClrLst/>
+    <dgm:txLinClrLst/>
+    <dgm:txFillClrLst/>
+    <dgm:txEffectClrLst/>
+  </dgm:styleLbl>
+  <dgm:styleLbl name="node2">
+    <dgm:fillClrLst meth="repeat">
+      <a:schemeClr val="lt1"/>
+    </dgm:fillClrLst>
+    <dgm:linClrLst meth="repeat">
+      <a:schemeClr val="dk1">
+        <a:shade val="80000"/>
+      </a:schemeClr>
+    </dgm:linClrLst>
+    <dgm:effectClrLst/>
+    <dgm:txLinClrLst/>
+    <dgm:txFillClrLst meth="repeat">
+      <a:schemeClr val="dk1"/>
+    </dgm:txFillClrLst>
+    <dgm:txEffectClrLst/>
+  </dgm:styleLbl>
+  <dgm:styleLbl name="node3">
+    <dgm:fillClrLst meth="repeat">
+      <a:schemeClr val="lt1"/>
+    </dgm:fillClrLst>
+    <dgm:linClrLst meth="repeat">
+      <a:schemeClr val="dk1">
+        <a:shade val="80000"/>
+      </a:schemeClr>
+    </dgm:linClrLst>
+    <dgm:effectClrLst/>
+    <dgm:txLinClrLst/>
+    <dgm:txFillClrLst meth="repeat">
+      <a:schemeClr val="dk1"/>
+    </dgm:txFillClrLst>
+    <dgm:txEffectClrLst/>
+  </dgm:styleLbl>
+  <dgm:styleLbl name="node4">
+    <dgm:fillClrLst meth="repeat">
+      <a:schemeClr val="lt1"/>
+    </dgm:fillClrLst>
+    <dgm:linClrLst meth="repeat">
+      <a:schemeClr val="dk1">
+        <a:shade val="80000"/>
+      </a:schemeClr>
+    </dgm:linClrLst>
+    <dgm:effectClrLst/>
+    <dgm:txLinClrLst/>
+    <dgm:txFillClrLst meth="repeat">
+      <a:schemeClr val="dk1"/>
+    </dgm:txFillClrLst>
+    <dgm:txEffectClrLst/>
+  </dgm:styleLbl>
+  <dgm:styleLbl name="fgImgPlace1">
+    <dgm:fillClrLst meth="repeat">
+      <a:schemeClr val="dk1">
+        <a:tint val="40000"/>
+      </a:schemeClr>
+    </dgm:fillClrLst>
+    <dgm:linClrLst meth="repeat">
+      <a:schemeClr val="dk1">
+        <a:shade val="80000"/>
+      </a:schemeClr>
+    </dgm:linClrLst>
+    <dgm:effectClrLst/>
+    <dgm:txLinClrLst/>
+    <dgm:txFillClrLst meth="repeat">
+      <a:schemeClr val="lt1"/>
+    </dgm:txFillClrLst>
+    <dgm:txEffectClrLst/>
+  </dgm:styleLbl>
+  <dgm:styleLbl name="alignImgPlace1">
+    <dgm:fillClrLst meth="repeat">
+      <a:schemeClr val="dk1">
+        <a:tint val="40000"/>
+      </a:schemeClr>
+    </dgm:fillClrLst>
+    <dgm:linClrLst meth="repeat">
+      <a:schemeClr val="dk1">
+        <a:shade val="80000"/>
+      </a:schemeClr>
+    </dgm:linClrLst>
+    <dgm:effectClrLst/>
+    <dgm:txLinClrLst/>
+    <dgm:txFillClrLst meth="repeat">
+      <a:schemeClr val="lt1"/>
+    </dgm:txFillClrLst>
+    <dgm:txEffectClrLst/>
+  </dgm:styleLbl>
+  <dgm:styleLbl name="bgImgPlace1">
+    <dgm:fillClrLst meth="repeat">
+      <a:schemeClr val="dk1">
+        <a:tint val="40000"/>
+      </a:schemeClr>
+    </dgm:fillClrLst>
+    <dgm:linClrLst meth="repeat">
+      <a:schemeClr val="dk1">
+        <a:shade val="80000"/>
+      </a:schemeClr>
+    </dgm:linClrLst>
+    <dgm:effectClrLst/>
+    <dgm:txLinClrLst/>
+    <dgm:txFillClrLst meth="repeat">
+      <a:schemeClr val="lt1"/>
+    </dgm:txFillClrLst>
+    <dgm:txEffectClrLst/>
+  </dgm:styleLbl>
+  <dgm:styleLbl name="sibTrans2D1">
+    <dgm:fillClrLst meth="repeat">
+      <a:schemeClr val="dk1">
+        <a:tint val="60000"/>
+      </a:schemeClr>
+    </dgm:fillClrLst>
+    <dgm:linClrLst meth="repeat">
+      <a:schemeClr val="dk1">
+        <a:tint val="60000"/>
+      </a:schemeClr>
+    </dgm:linClrLst>
+    <dgm:effectClrLst/>
+    <dgm:txLinClrLst/>
+    <dgm:txFillClrLst meth="repeat">
+      <a:schemeClr val="dk1"/>
+    </dgm:txFillClrLst>
+    <dgm:txEffectClrLst/>
+  </dgm:styleLbl>
+  <dgm:styleLbl name="fgSibTrans2D1">
+    <dgm:fillClrLst meth="repeat">
+      <a:schemeClr val="dk1">
+        <a:tint val="60000"/>
+      </a:schemeClr>
+    </dgm:fillClrLst>
+    <dgm:linClrLst meth="repeat">
+      <a:schemeClr val="dk1">
+        <a:tint val="60000"/>
+      </a:schemeClr>
+    </dgm:linClrLst>
+    <dgm:effectClrLst/>
+    <dgm:txLinClrLst/>
+    <dgm:txFillClrLst meth="repeat">
+      <a:schemeClr val="dk1"/>
+    </dgm:txFillClrLst>
+    <dgm:txEffectClrLst/>
+  </dgm:styleLbl>
+  <dgm:styleLbl name="bgSibTrans2D1">
+    <dgm:fillClrLst meth="repeat">
+      <a:schemeClr val="dk1">
+        <a:tint val="60000"/>
+      </a:schemeClr>
+    </dgm:fillClrLst>
+    <dgm:linClrLst meth="repeat">
+      <a:schemeClr val="dk1">
+        <a:tint val="60000"/>
+      </a:schemeClr>
+    </dgm:linClrLst>
+    <dgm:effectClrLst/>
+    <dgm:txLinClrLst/>
+    <dgm:txFillClrLst meth="repeat">
+      <a:schemeClr val="dk1"/>
+    </dgm:txFillClrLst>
+    <dgm:txEffectClrLst/>
+  </dgm:styleLbl>
+  <dgm:styleLbl name="sibTrans1D1">
+    <dgm:fillClrLst meth="repeat">
+      <a:schemeClr val="dk1"/>
+    </dgm:fillClrLst>
+    <dgm:linClrLst meth="repeat">
+      <a:schemeClr val="dk1"/>
+    </dgm:linClrLst>
+    <dgm:effectClrLst/>
+    <dgm:txLinClrLst/>
+    <dgm:txFillClrLst meth="repeat">
+      <a:schemeClr val="tx1"/>
+    </dgm:txFillClrLst>
+    <dgm:txEffectClrLst/>
+  </dgm:styleLbl>
+  <dgm:styleLbl name="callout">
+    <dgm:fillClrLst meth="repeat">
+      <a:schemeClr val="dk1"/>
+    </dgm:fillClrLst>
+    <dgm:linClrLst meth="repeat">
+      <a:schemeClr val="dk1"/>
+    </dgm:linClrLst>
+    <dgm:effectClrLst/>
+    <dgm:txLinClrLst/>
+    <dgm:txFillClrLst meth="repeat">
+      <a:schemeClr val="tx1"/>
+    </dgm:txFillClrLst>
+    <dgm:txEffectClrLst/>
+  </dgm:styleLbl>
+  <dgm:styleLbl name="asst0">
+    <dgm:fillClrLst meth="repeat">
+      <a:schemeClr val="lt1"/>
+    </dgm:fillClrLst>
+    <dgm:linClrLst meth="repeat">
+      <a:schemeClr val="dk1">
+        <a:shade val="80000"/>
+      </a:schemeClr>
+    </dgm:linClrLst>
+    <dgm:effectClrLst/>
+    <dgm:txLinClrLst/>
+    <dgm:txFillClrLst meth="repeat">
+      <a:schemeClr val="dk1"/>
+    </dgm:txFillClrLst>
+    <dgm:txEffectClrLst/>
+  </dgm:styleLbl>
+  <dgm:styleLbl name="asst1">
+    <dgm:fillClrLst meth="repeat">
+      <a:schemeClr val="lt1"/>
+    </dgm:fillClrLst>
+    <dgm:linClrLst meth="repeat">
+      <a:schemeClr val="dk1">
+        <a:shade val="80000"/>
+      </a:schemeClr>
+    </dgm:linClrLst>
+    <dgm:effectClrLst/>
+    <dgm:txLinClrLst/>
+    <dgm:txFillClrLst meth="repeat">
+      <a:schemeClr val="dk1"/>
+    </dgm:txFillClrLst>
+    <dgm:txEffectClrLst/>
+  </dgm:styleLbl>
+  <dgm:styleLbl name="asst2">
+    <dgm:fillClrLst meth="repeat">
+      <a:schemeClr val="lt1"/>
+    </dgm:fillClrLst>
+    <dgm:linClrLst meth="repeat">
+      <a:schemeClr val="dk1">
+        <a:shade val="80000"/>
+      </a:schemeClr>
+    </dgm:linClrLst>
+    <dgm:effectClrLst/>
+    <dgm:txLinClrLst/>
+    <dgm:txFillClrLst meth="repeat">
+      <a:schemeClr val="dk1"/>
+    </dgm:txFillClrLst>
+    <dgm:txEffectClrLst/>
+  </dgm:styleLbl>
+  <dgm:styleLbl name="asst3">
+    <dgm:fillClrLst meth="repeat">
+      <a:schemeClr val="lt1"/>
+    </dgm:fillClrLst>
+    <dgm:linClrLst meth="repeat">
+      <a:schemeClr val="dk1">
+        <a:shade val="80000"/>
+      </a:schemeClr>
+    </dgm:linClrLst>
+    <dgm:effectClrLst/>
+    <dgm:txLinClrLst/>
+    <dgm:txFillClrLst meth="repeat">
+      <a:schemeClr val="dk1"/>
+    </dgm:txFillClrLst>
+    <dgm:txEffectClrLst/>
+  </dgm:styleLbl>
+  <dgm:styleLbl name="asst4">
+    <dgm:fillClrLst meth="repeat">
+      <a:schemeClr val="lt1"/>
+    </dgm:fillClrLst>
+    <dgm:linClrLst meth="repeat">
+      <a:schemeClr val="dk1">
+        <a:shade val="80000"/>
+      </a:schemeClr>
+    </dgm:linClrLst>
+    <dgm:effectClrLst/>
+    <dgm:txLinClrLst/>
+    <dgm:txFillClrLst meth="repeat">
+      <a:schemeClr val="dk1"/>
+    </dgm:txFillClrLst>
+    <dgm:txEffectClrLst/>
+  </dgm:styleLbl>
+  <dgm:styleLbl name="parChTrans2D1">
+    <dgm:fillClrLst meth="repeat">
+      <a:schemeClr val="dk1">
+        <a:tint val="60000"/>
+      </a:schemeClr>
+    </dgm:fillClrLst>
+    <dgm:linClrLst meth="repeat">
+      <a:schemeClr val="dk1">
+        <a:tint val="60000"/>
+      </a:schemeClr>
+    </dgm:linClrLst>
+    <dgm:effectClrLst/>
+    <dgm:txLinClrLst/>
+    <dgm:txFillClrLst/>
+    <dgm:txEffectClrLst/>
+  </dgm:styleLbl>
+  <dgm:styleLbl name="parChTrans2D2">
+    <dgm:fillClrLst meth="repeat">
+      <a:schemeClr val="dk1"/>
+    </dgm:fillClrLst>
+    <dgm:linClrLst meth="repeat">
+      <a:schemeClr val="dk1"/>
+    </dgm:linClrLst>
+    <dgm:effectClrLst/>
+    <dgm:txLinClrLst/>
+    <dgm:txFillClrLst/>
+    <dgm:txEffectClrLst/>
+  </dgm:styleLbl>
+  <dgm:styleLbl name="parChTrans2D3">
+    <dgm:fillClrLst meth="repeat">
+      <a:schemeClr val="dk1"/>
+    </dgm:fillClrLst>
+    <dgm:linClrLst meth="repeat">
+      <a:schemeClr val="dk1"/>
+    </dgm:linClrLst>
+    <dgm:effectClrLst/>
+    <dgm:txLinClrLst/>
+    <dgm:txFillClrLst/>
+    <dgm:txEffectClrLst/>
+  </dgm:styleLbl>
+  <dgm:styleLbl name="parChTrans2D4">
+    <dgm:fillClrLst meth="repeat">
+      <a:schemeClr val="dk1"/>
+    </dgm:fillClrLst>
+    <dgm:linClrLst meth="repeat">
+      <a:schemeClr val="dk1"/>
+    </dgm:linClrLst>
+    <dgm:effectClrLst/>
+    <dgm:txLinClrLst/>
+    <dgm:txFillClrLst meth="repeat">
+      <a:schemeClr val="lt1"/>
+    </dgm:txFillClrLst>
+    <dgm:txEffectClrLst/>
+  </dgm:styleLbl>
+  <dgm:styleLbl name="parChTrans1D1">
+    <dgm:fillClrLst meth="repeat">
+      <a:schemeClr val="dk1"/>
+    </dgm:fillClrLst>
+    <dgm:linClrLst meth="repeat">
+      <a:schemeClr val="dk1">
+        <a:shade val="60000"/>
+      </a:schemeClr>
+    </dgm:linClrLst>
+    <dgm:effectClrLst/>
+    <dgm:txLinClrLst/>
+    <dgm:txFillClrLst meth="repeat">
+      <a:schemeClr val="tx1"/>
+    </dgm:txFillClrLst>
+    <dgm:txEffectClrLst/>
+  </dgm:styleLbl>
+  <dgm:styleLbl name="parChTrans1D2">
+    <dgm:fillClrLst meth="repeat">
+      <a:schemeClr val="dk1"/>
+    </dgm:fillClrLst>
+    <dgm:linClrLst meth="repeat">
+      <a:schemeClr val="dk1">
+        <a:shade val="60000"/>
+      </a:schemeClr>
+    </dgm:linClrLst>
+    <dgm:effectClrLst/>
+    <dgm:txLinClrLst/>
+    <dgm:txFillClrLst meth="repeat">
+      <a:schemeClr val="tx1"/>
+    </dgm:txFillClrLst>
+    <dgm:txEffectClrLst/>
+  </dgm:styleLbl>
+  <dgm:styleLbl name="parChTrans1D3">
+    <dgm:fillClrLst meth="repeat">
+      <a:schemeClr val="dk1"/>
+    </dgm:fillClrLst>
+    <dgm:linClrLst meth="repeat">
+      <a:schemeClr val="dk1">
+        <a:shade val="80000"/>
+      </a:schemeClr>
+    </dgm:linClrLst>
+    <dgm:effectClrLst/>
+    <dgm:txLinClrLst/>
+    <dgm:txFillClrLst meth="repeat">
+      <a:schemeClr val="tx1"/>
+    </dgm:txFillClrLst>
+    <dgm:txEffectClrLst/>
+  </dgm:styleLbl>
+  <dgm:styleLbl name="parChTrans1D4">
+    <dgm:fillClrLst meth="repeat">
+      <a:schemeClr val="dk1"/>
+    </dgm:fillClrLst>
+    <dgm:linClrLst meth="repeat">
+      <a:schemeClr val="dk1">
+        <a:shade val="80000"/>
+      </a:schemeClr>
+    </dgm:linClrLst>
+    <dgm:effectClrLst/>
+    <dgm:txLinClrLst/>
+    <dgm:txFillClrLst meth="repeat">
+      <a:schemeClr val="tx1"/>
+    </dgm:txFillClrLst>
+    <dgm:txEffectClrLst/>
+  </dgm:styleLbl>
+  <dgm:styleLbl name="fgAcc1">
+    <dgm:fillClrLst meth="repeat">
+      <a:schemeClr val="dk1">
+        <a:alpha val="90000"/>
+        <a:tint val="40000"/>
+      </a:schemeClr>
+    </dgm:fillClrLst>
+    <dgm:linClrLst meth="repeat">
+      <a:schemeClr val="dk1"/>
+    </dgm:linClrLst>
+    <dgm:effectClrLst/>
+    <dgm:txLinClrLst/>
+    <dgm:txFillClrLst meth="repeat">
+      <a:schemeClr val="dk1"/>
+    </dgm:txFillClrLst>
+    <dgm:txEffectClrLst/>
+  </dgm:styleLbl>
+  <dgm:styleLbl name="conFgAcc1">
+    <dgm:fillClrLst meth="repeat">
+      <a:schemeClr val="dk1">
+        <a:alpha val="90000"/>
+        <a:tint val="40000"/>
+      </a:schemeClr>
+    </dgm:fillClrLst>
+    <dgm:linClrLst meth="repeat">
+      <a:schemeClr val="dk1"/>
+    </dgm:linClrLst>
+    <dgm:effectClrLst/>
+    <dgm:txLinClrLst/>
+    <dgm:txFillClrLst meth="repeat">
+      <a:schemeClr val="dk1"/>
+    </dgm:txFillClrLst>
+    <dgm:txEffectClrLst/>
+  </dgm:styleLbl>
+  <dgm:styleLbl name="alignAcc1">
+    <dgm:fillClrLst meth="repeat">
+      <a:schemeClr val="dk1">
+        <a:alpha val="90000"/>
+        <a:tint val="40000"/>
+      </a:schemeClr>
+    </dgm:fillClrLst>
+    <dgm:linClrLst meth="repeat">
+      <a:schemeClr val="dk1"/>
+    </dgm:linClrLst>
+    <dgm:effectClrLst/>
+    <dgm:txLinClrLst/>
+    <dgm:txFillClrLst meth="repeat">
+      <a:schemeClr val="dk1"/>
+    </dgm:txFillClrLst>
+    <dgm:txEffectClrLst/>
+  </dgm:styleLbl>
+  <dgm:styleLbl name="trAlignAcc1">
+    <dgm:fillClrLst meth="repeat">
+      <a:schemeClr val="dk1">
+        <a:alpha val="40000"/>
+        <a:tint val="40000"/>
+      </a:schemeClr>
+    </dgm:fillClrLst>
+    <dgm:linClrLst meth="repeat">
+      <a:schemeClr val="dk1"/>
+    </dgm:linClrLst>
+    <dgm:effectClrLst/>
+    <dgm:txLinClrLst/>
+    <dgm:txFillClrLst meth="repeat">
+      <a:schemeClr val="dk1"/>
+    </dgm:txFillClrLst>
+    <dgm:txEffectClrLst/>
+  </dgm:styleLbl>
+  <dgm:styleLbl name="bgAcc1">
+    <dgm:fillClrLst meth="repeat">
+      <a:schemeClr val="dk1">
+        <a:alpha val="90000"/>
+        <a:tint val="40000"/>
+      </a:schemeClr>
+    </dgm:fillClrLst>
+    <dgm:linClrLst meth="repeat">
+      <a:schemeClr val="dk1"/>
+    </dgm:linClrLst>
+    <dgm:effectClrLst/>
+    <dgm:txLinClrLst/>
+    <dgm:txFillClrLst meth="repeat">
+      <a:schemeClr val="dk1"/>
+    </dgm:txFillClrLst>
+    <dgm:txEffectClrLst/>
+  </dgm:styleLbl>
+  <dgm:styleLbl name="solidFgAcc1">
+    <dgm:fillClrLst meth="repeat">
+      <a:schemeClr val="lt1"/>
+    </dgm:fillClrLst>
+    <dgm:linClrLst meth="repeat">
+      <a:schemeClr val="dk1"/>
+    </dgm:linClrLst>
+    <dgm:effectClrLst/>
+    <dgm:txLinClrLst/>
+    <dgm:txFillClrLst meth="repeat">
+      <a:schemeClr val="dk1"/>
+    </dgm:txFillClrLst>
+    <dgm:txEffectClrLst/>
+  </dgm:styleLbl>
+  <dgm:styleLbl name="solidAlignAcc1">
+    <dgm:fillClrLst meth="repeat">
+      <a:schemeClr val="lt1"/>
+    </dgm:fillClrLst>
+    <dgm:linClrLst meth="repeat">
+      <a:schemeClr val="dk1"/>
+    </dgm:linClrLst>
+    <dgm:effectClrLst/>
+    <dgm:txLinClrLst/>
+    <dgm:txFillClrLst meth="repeat">
+      <a:schemeClr val="dk1"/>
+    </dgm:txFillClrLst>
+    <dgm:txEffectClrLst/>
+  </dgm:styleLbl>
+  <dgm:styleLbl name="solidBgAcc1">
+    <dgm:fillClrLst meth="repeat">
+      <a:schemeClr val="lt1"/>
+    </dgm:fillClrLst>
+    <dgm:linClrLst meth="repeat">
+      <a:schemeClr val="dk1"/>
+    </dgm:linClrLst>
+    <dgm:effectClrLst/>
+    <dgm:txLinClrLst/>
+    <dgm:txFillClrLst meth="repeat">
+      <a:schemeClr val="dk1"/>
+    </dgm:txFillClrLst>
+    <dgm:txEffectClrLst/>
+  </dgm:styleLbl>
+  <dgm:styleLbl name="fgAccFollowNode1">
+    <dgm:fillClrLst meth="repeat">
+      <a:schemeClr val="lt1">
+        <a:alpha val="90000"/>
+        <a:tint val="40000"/>
+      </a:schemeClr>
+    </dgm:fillClrLst>
+    <dgm:linClrLst meth="repeat">
+      <a:schemeClr val="dk1">
+        <a:alpha val="90000"/>
+      </a:schemeClr>
+    </dgm:linClrLst>
+    <dgm:effectClrLst/>
+    <dgm:txLinClrLst/>
+    <dgm:txFillClrLst meth="repeat">
+      <a:schemeClr val="dk1"/>
+    </dgm:txFillClrLst>
+    <dgm:txEffectClrLst/>
+  </dgm:styleLbl>
+  <dgm:styleLbl name="alignAccFollowNode1">
+    <dgm:fillClrLst meth="repeat">
+      <a:schemeClr val="lt1">
+        <a:alpha val="90000"/>
+        <a:tint val="40000"/>
+      </a:schemeClr>
+    </dgm:fillClrLst>
+    <dgm:linClrLst meth="repeat">
+      <a:schemeClr val="dk1">
+        <a:alpha val="90000"/>
+      </a:schemeClr>
+    </dgm:linClrLst>
+    <dgm:effectClrLst/>
+    <dgm:txLinClrLst/>
+    <dgm:txFillClrLst meth="repeat">
+      <a:schemeClr val="dk1"/>
+    </dgm:txFillClrLst>
+    <dgm:txEffectClrLst/>
+  </dgm:styleLbl>
+  <dgm:styleLbl name="bgAccFollowNode1">
+    <dgm:fillClrLst meth="repeat">
+      <a:schemeClr val="lt1">
+        <a:alpha val="90000"/>
+        <a:tint val="40000"/>
+      </a:schemeClr>
+    </dgm:fillClrLst>
+    <dgm:linClrLst meth="repeat">
+      <a:schemeClr val="dk1">
+        <a:alpha val="90000"/>
+      </a:schemeClr>
+    </dgm:linClrLst>
+    <dgm:effectClrLst/>
+    <dgm:txLinClrLst/>
+    <dgm:txFillClrLst meth="repeat">
+      <a:schemeClr val="dk1"/>
+    </dgm:txFillClrLst>
+    <dgm:txEffectClrLst/>
+  </dgm:styleLbl>
+  <dgm:styleLbl name="fgAcc0">
+    <dgm:fillClrLst meth="repeat">
+      <a:schemeClr val="dk1">
+        <a:alpha val="90000"/>
+        <a:tint val="40000"/>
+      </a:schemeClr>
+    </dgm:fillClrLst>
+    <dgm:linClrLst meth="repeat">
+      <a:schemeClr val="dk1"/>
+    </dgm:linClrLst>
+    <dgm:effectClrLst/>
+    <dgm:txLinClrLst/>
+    <dgm:txFillClrLst meth="repeat">
+      <a:schemeClr val="dk1"/>
+    </dgm:txFillClrLst>
+    <dgm:txEffectClrLst/>
+  </dgm:styleLbl>
+  <dgm:styleLbl name="fgAcc2">
+    <dgm:fillClrLst meth="repeat">
+      <a:schemeClr val="dk1">
+        <a:alpha val="90000"/>
+        <a:tint val="40000"/>
+      </a:schemeClr>
+    </dgm:fillClrLst>
+    <dgm:linClrLst meth="repeat">
+      <a:schemeClr val="dk1"/>
+    </dgm:linClrLst>
+    <dgm:effectClrLst/>
+    <dgm:txLinClrLst/>
+    <dgm:txFillClrLst meth="repeat">
+      <a:schemeClr val="dk1"/>
+    </dgm:txFillClrLst>
+    <dgm:txEffectClrLst/>
+  </dgm:styleLbl>
+  <dgm:styleLbl name="fgAcc3">
+    <dgm:fillClrLst meth="repeat">
+      <a:schemeClr val="dk1">
+        <a:alpha val="90000"/>
+        <a:tint val="40000"/>
+      </a:schemeClr>
+    </dgm:fillClrLst>
+    <dgm:linClrLst meth="repeat">
+      <a:schemeClr val="dk1"/>
+    </dgm:linClrLst>
+    <dgm:effectClrLst/>
+    <dgm:txLinClrLst/>
+    <dgm:txFillClrLst meth="repeat">
+      <a:schemeClr val="dk1"/>
+    </dgm:txFillClrLst>
+    <dgm:txEffectClrLst/>
+  </dgm:styleLbl>
+  <dgm:styleLbl name="fgAcc4">
+    <dgm:fillClrLst meth="repeat">
+      <a:schemeClr val="dk1">
+        <a:alpha val="90000"/>
+        <a:tint val="40000"/>
+      </a:schemeClr>
+    </dgm:fillClrLst>
+    <dgm:linClrLst meth="repeat">
+      <a:schemeClr val="dk1"/>
+    </dgm:linClrLst>
+    <dgm:effectClrLst/>
+    <dgm:txLinClrLst/>
+    <dgm:txFillClrLst meth="repeat">
+      <a:schemeClr val="dk1"/>
+    </dgm:txFillClrLst>
+    <dgm:txEffectClrLst/>
+  </dgm:styleLbl>
+  <dgm:styleLbl name="bgShp">
+    <dgm:fillClrLst meth="repeat">
+      <a:schemeClr val="dk1">
+        <a:tint val="40000"/>
+      </a:schemeClr>
+    </dgm:fillClrLst>
+    <dgm:linClrLst meth="repeat">
+      <a:schemeClr val="dk1"/>
+    </dgm:linClrLst>
+    <dgm:effectClrLst/>
+    <dgm:txLinClrLst/>
+    <dgm:txFillClrLst meth="repeat">
+      <a:schemeClr val="dk1"/>
+    </dgm:txFillClrLst>
+    <dgm:txEffectClrLst/>
+  </dgm:styleLbl>
+  <dgm:styleLbl name="dkBgShp">
+    <dgm:fillClrLst meth="repeat">
+      <a:schemeClr val="dk1">
+        <a:shade val="80000"/>
+      </a:schemeClr>
+    </dgm:fillClrLst>
+    <dgm:linClrLst meth="repeat">
+      <a:schemeClr val="dk1"/>
+    </dgm:linClrLst>
+    <dgm:effectClrLst/>
+    <dgm:txLinClrLst/>
+    <dgm:txFillClrLst meth="repeat">
+      <a:schemeClr val="lt1"/>
+    </dgm:txFillClrLst>
+    <dgm:txEffectClrLst/>
+  </dgm:styleLbl>
+  <dgm:styleLbl name="trBgShp">
+    <dgm:fillClrLst meth="repeat">
+      <a:schemeClr val="dk1">
+        <a:tint val="50000"/>
+        <a:alpha val="40000"/>
+      </a:schemeClr>
+    </dgm:fillClrLst>
+    <dgm:linClrLst meth="repeat">
+      <a:schemeClr val="dk1"/>
+    </dgm:linClrLst>
+    <dgm:effectClrLst/>
+    <dgm:txLinClrLst/>
+    <dgm:txFillClrLst meth="repeat">
+      <a:schemeClr val="lt1"/>
+    </dgm:txFillClrLst>
+    <dgm:txEffectClrLst/>
+  </dgm:styleLbl>
+  <dgm:styleLbl name="fgShp">
+    <dgm:fillClrLst meth="repeat">
+      <a:schemeClr val="dk1">
+        <a:tint val="60000"/>
+      </a:schemeClr>
+    </dgm:fillClrLst>
+    <dgm:linClrLst meth="repeat">
+      <a:schemeClr val="lt1"/>
+    </dgm:linClrLst>
+    <dgm:effectClrLst/>
+    <dgm:txLinClrLst/>
+    <dgm:txFillClrLst meth="repeat">
+      <a:schemeClr val="dk1"/>
+    </dgm:txFillClrLst>
+    <dgm:txEffectClrLst/>
+  </dgm:styleLbl>
+  <dgm:styleLbl name="revTx">
+    <dgm:fillClrLst meth="repeat">
+      <a:schemeClr val="lt1">
+        <a:alpha val="0"/>
+      </a:schemeClr>
+    </dgm:fillClrLst>
+    <dgm:linClrLst meth="repeat">
+      <a:schemeClr val="dk1">
+        <a:alpha val="0"/>
+      </a:schemeClr>
+    </dgm:linClrLst>
+    <dgm:effectClrLst/>
+    <dgm:txLinClrLst/>
+    <dgm:txFillClrLst meth="repeat">
+      <a:schemeClr val="tx1"/>
+    </dgm:txFillClrLst>
+    <dgm:txEffectClrLst/>
+  </dgm:styleLbl>
+</dgm:colorsDef>
+</file>
+
+<file path=ppt/diagrams/data1.xml><?xml version="1.0" encoding="utf-8"?>
+<dgm:dataModel xmlns:dgm="http://schemas.openxmlformats.org/drawingml/2006/diagram" xmlns:a="http://schemas.openxmlformats.org/drawingml/2006/main">
+  <dgm:ptLst>
+    <dgm:pt modelId="{7BD302E3-BE67-4495-B3A2-E3CE66D83D7F}" type="doc">
+      <dgm:prSet loTypeId="urn:microsoft.com/office/officeart/2008/layout/BendingPictureCaption" loCatId="picture" qsTypeId="urn:microsoft.com/office/officeart/2005/8/quickstyle/simple1" qsCatId="simple" csTypeId="urn:microsoft.com/office/officeart/2005/8/colors/accent0_1" csCatId="mainScheme" phldr="1"/>
+      <dgm:spPr/>
+      <dgm:t>
+        <a:bodyPr/>
+        <a:lstStyle/>
+        <a:p>
+          <a:endParaRPr lang="pt-BR"/>
+        </a:p>
+      </dgm:t>
+    </dgm:pt>
+    <dgm:pt modelId="{75A22E69-F975-4087-8EC4-F6AC5109FEEE}">
+      <dgm:prSet phldrT="[Texto]" custT="1"/>
+      <dgm:spPr>
+        <a:effectLst>
+          <a:outerShdw blurRad="63500" sx="102000" sy="102000" algn="ctr" rotWithShape="0">
+            <a:prstClr val="black">
+              <a:alpha val="40000"/>
+            </a:prstClr>
+          </a:outerShdw>
+        </a:effectLst>
+      </dgm:spPr>
+      <dgm:t>
+        <a:bodyPr/>
+        <a:lstStyle/>
+        <a:p>
+          <a:r>
+            <a:rPr lang="pt-BR" sz="1200" dirty="0">
+              <a:latin typeface="Times New Roman" panose="02020603050405020304" pitchFamily="18" charset="0"/>
+              <a:cs typeface="Times New Roman" panose="02020603050405020304" pitchFamily="18" charset="0"/>
+            </a:rPr>
+            <a:t>Realizar logout</a:t>
+          </a:r>
+        </a:p>
+      </dgm:t>
+    </dgm:pt>
+    <dgm:pt modelId="{82B4F479-CF8F-47E4-8740-8ADB88705EE1}" type="parTrans" cxnId="{AA6DE9BD-9159-4539-930B-B233C2DEF26A}">
+      <dgm:prSet/>
+      <dgm:spPr/>
+      <dgm:t>
+        <a:bodyPr/>
+        <a:lstStyle/>
+        <a:p>
+          <a:endParaRPr lang="pt-BR"/>
+        </a:p>
+      </dgm:t>
+    </dgm:pt>
+    <dgm:pt modelId="{4BF26664-9B84-4684-A782-2BB61B0F495E}" type="sibTrans" cxnId="{AA6DE9BD-9159-4539-930B-B233C2DEF26A}">
+      <dgm:prSet/>
+      <dgm:spPr/>
+      <dgm:t>
+        <a:bodyPr/>
+        <a:lstStyle/>
+        <a:p>
+          <a:endParaRPr lang="pt-BR"/>
+        </a:p>
+      </dgm:t>
+    </dgm:pt>
+    <dgm:pt modelId="{CA7EFC74-8FB8-433A-B1A3-348F73C95BA5}" type="pres">
+      <dgm:prSet presAssocID="{7BD302E3-BE67-4495-B3A2-E3CE66D83D7F}" presName="diagram" presStyleCnt="0">
+        <dgm:presLayoutVars>
+          <dgm:dir/>
+        </dgm:presLayoutVars>
+      </dgm:prSet>
+      <dgm:spPr/>
+    </dgm:pt>
+    <dgm:pt modelId="{F66DFA1E-0175-4E16-B388-886C0EDFBF9D}" type="pres">
+      <dgm:prSet presAssocID="{75A22E69-F975-4087-8EC4-F6AC5109FEEE}" presName="composite" presStyleCnt="0"/>
+      <dgm:spPr/>
+    </dgm:pt>
+    <dgm:pt modelId="{378C3658-B7FC-40B9-8C79-546C835A2D01}" type="pres">
+      <dgm:prSet presAssocID="{75A22E69-F975-4087-8EC4-F6AC5109FEEE}" presName="Image" presStyleLbl="bgShp" presStyleIdx="0" presStyleCnt="1" custScaleX="96712" custScaleY="41255" custLinFactNeighborX="5885" custLinFactNeighborY="-19203"/>
+      <dgm:spPr>
+        <a:prstGeom prst="roundRect">
+          <a:avLst/>
+        </a:prstGeom>
+        <a:blipFill>
+          <a:blip xmlns:r="http://schemas.openxmlformats.org/officeDocument/2006/relationships" r:embed="rId1"/>
+          <a:srcRect/>
+          <a:stretch>
+            <a:fillRect/>
+          </a:stretch>
+        </a:blipFill>
+        <a:effectLst>
+          <a:outerShdw blurRad="63500" sx="102000" sy="102000" algn="ctr" rotWithShape="0">
+            <a:prstClr val="black">
+              <a:alpha val="40000"/>
+            </a:prstClr>
+          </a:outerShdw>
+        </a:effectLst>
+      </dgm:spPr>
+    </dgm:pt>
+    <dgm:pt modelId="{01727365-445A-435C-B35A-AEF3127D8CD3}" type="pres">
+      <dgm:prSet presAssocID="{75A22E69-F975-4087-8EC4-F6AC5109FEEE}" presName="Parent" presStyleLbl="node0" presStyleIdx="0" presStyleCnt="1" custScaleX="69999" custScaleY="70058" custLinFactY="-18118" custLinFactNeighborX="12684" custLinFactNeighborY="-100000">
+        <dgm:presLayoutVars>
+          <dgm:bulletEnabled val="1"/>
+        </dgm:presLayoutVars>
+      </dgm:prSet>
+      <dgm:spPr>
+        <a:prstGeom prst="roundRect">
+          <a:avLst/>
+        </a:prstGeom>
+      </dgm:spPr>
+    </dgm:pt>
+  </dgm:ptLst>
+  <dgm:cxnLst>
+    <dgm:cxn modelId="{7899F406-539C-4FC9-A42C-B17EA8DF6F44}" type="presOf" srcId="{75A22E69-F975-4087-8EC4-F6AC5109FEEE}" destId="{01727365-445A-435C-B35A-AEF3127D8CD3}" srcOrd="0" destOrd="0" presId="urn:microsoft.com/office/officeart/2008/layout/BendingPictureCaption"/>
+    <dgm:cxn modelId="{E7B2B08A-D148-4290-B673-5FAF5F40EB99}" type="presOf" srcId="{7BD302E3-BE67-4495-B3A2-E3CE66D83D7F}" destId="{CA7EFC74-8FB8-433A-B1A3-348F73C95BA5}" srcOrd="0" destOrd="0" presId="urn:microsoft.com/office/officeart/2008/layout/BendingPictureCaption"/>
+    <dgm:cxn modelId="{AA6DE9BD-9159-4539-930B-B233C2DEF26A}" srcId="{7BD302E3-BE67-4495-B3A2-E3CE66D83D7F}" destId="{75A22E69-F975-4087-8EC4-F6AC5109FEEE}" srcOrd="0" destOrd="0" parTransId="{82B4F479-CF8F-47E4-8740-8ADB88705EE1}" sibTransId="{4BF26664-9B84-4684-A782-2BB61B0F495E}"/>
+    <dgm:cxn modelId="{AFB22016-E0C9-4F3A-B247-69F58C9D601C}" type="presParOf" srcId="{CA7EFC74-8FB8-433A-B1A3-348F73C95BA5}" destId="{F66DFA1E-0175-4E16-B388-886C0EDFBF9D}" srcOrd="0" destOrd="0" presId="urn:microsoft.com/office/officeart/2008/layout/BendingPictureCaption"/>
+    <dgm:cxn modelId="{7AE99F18-1C9E-45C6-BDC7-F2A3082CBA70}" type="presParOf" srcId="{F66DFA1E-0175-4E16-B388-886C0EDFBF9D}" destId="{378C3658-B7FC-40B9-8C79-546C835A2D01}" srcOrd="0" destOrd="0" presId="urn:microsoft.com/office/officeart/2008/layout/BendingPictureCaption"/>
+    <dgm:cxn modelId="{D2C42669-CE07-491E-A1B4-D0BFAFA119C1}" type="presParOf" srcId="{F66DFA1E-0175-4E16-B388-886C0EDFBF9D}" destId="{01727365-445A-435C-B35A-AEF3127D8CD3}" srcOrd="1" destOrd="0" presId="urn:microsoft.com/office/officeart/2008/layout/BendingPictureCaption"/>
+  </dgm:cxnLst>
+  <dgm:bg/>
+  <dgm:whole/>
+  <dgm:extLst>
+    <a:ext uri="http://schemas.microsoft.com/office/drawing/2008/diagram">
+      <dsp:dataModelExt xmlns:dsp="http://schemas.microsoft.com/office/drawing/2008/diagram" relId="rId8" minVer="http://schemas.openxmlformats.org/drawingml/2006/diagram"/>
+    </a:ext>
+  </dgm:extLst>
+</dgm:dataModel>
+</file>
+
+<file path=ppt/diagrams/drawing1.xml><?xml version="1.0" encoding="utf-8"?>
+<dsp:drawing xmlns:dgm="http://schemas.openxmlformats.org/drawingml/2006/diagram" xmlns:dsp="http://schemas.microsoft.com/office/drawing/2008/diagram" xmlns:a="http://schemas.openxmlformats.org/drawingml/2006/main">
+  <dsp:spTree>
+    <dsp:nvGrpSpPr>
+      <dsp:cNvPr id="0" name=""/>
+      <dsp:cNvGrpSpPr/>
+    </dsp:nvGrpSpPr>
+    <dsp:grpSpPr/>
+    <dsp:sp modelId="{378C3658-B7FC-40B9-8C79-546C835A2D01}">
+      <dsp:nvSpPr>
+        <dsp:cNvPr id="0" name=""/>
+        <dsp:cNvSpPr/>
+      </dsp:nvSpPr>
+      <dsp:spPr>
+        <a:xfrm>
+          <a:off x="285492" y="16306"/>
+          <a:ext cx="2854994" cy="900002"/>
+        </a:xfrm>
+        <a:prstGeom prst="roundRect">
+          <a:avLst/>
+        </a:prstGeom>
+        <a:blipFill>
+          <a:blip xmlns:r="http://schemas.openxmlformats.org/officeDocument/2006/relationships" r:embed="rId1"/>
+          <a:srcRect/>
+          <a:stretch>
+            <a:fillRect/>
+          </a:stretch>
+        </a:blipFill>
+        <a:ln>
+          <a:noFill/>
+        </a:ln>
+        <a:effectLst>
+          <a:outerShdw blurRad="63500" sx="102000" sy="102000" algn="ctr" rotWithShape="0">
+            <a:prstClr val="black">
+              <a:alpha val="40000"/>
+            </a:prstClr>
+          </a:outerShdw>
+        </a:effectLst>
+      </dsp:spPr>
+      <dsp:style>
+        <a:lnRef idx="0">
+          <a:scrgbClr r="0" g="0" b="0"/>
+        </a:lnRef>
+        <a:fillRef idx="1">
+          <a:scrgbClr r="0" g="0" b="0"/>
+        </a:fillRef>
+        <a:effectRef idx="0">
+          <a:scrgbClr r="0" g="0" b="0"/>
+        </a:effectRef>
+        <a:fontRef idx="minor"/>
+      </dsp:style>
+    </dsp:sp>
+    <dsp:sp modelId="{01727365-445A-435C-B35A-AEF3127D8CD3}">
+      <dsp:nvSpPr>
+        <dsp:cNvPr id="0" name=""/>
+        <dsp:cNvSpPr/>
+      </dsp:nvSpPr>
+      <dsp:spPr>
+        <a:xfrm>
+          <a:off x="1359856" y="949900"/>
+          <a:ext cx="1780630" cy="428275"/>
+        </a:xfrm>
+        <a:prstGeom prst="roundRect">
+          <a:avLst/>
+        </a:prstGeom>
+        <a:solidFill>
+          <a:schemeClr val="lt1">
+            <a:hueOff val="0"/>
+            <a:satOff val="0"/>
+            <a:lumOff val="0"/>
+            <a:alphaOff val="0"/>
+          </a:schemeClr>
+        </a:solidFill>
+        <a:ln w="12700" cap="flat" cmpd="sng" algn="ctr">
+          <a:solidFill>
+            <a:schemeClr val="dk1">
+              <a:shade val="80000"/>
+              <a:hueOff val="0"/>
+              <a:satOff val="0"/>
+              <a:lumOff val="0"/>
+              <a:alphaOff val="0"/>
+            </a:schemeClr>
+          </a:solidFill>
+          <a:prstDash val="solid"/>
+          <a:miter lim="800000"/>
+        </a:ln>
+        <a:effectLst>
+          <a:outerShdw blurRad="63500" sx="102000" sy="102000" algn="ctr" rotWithShape="0">
+            <a:prstClr val="black">
+              <a:alpha val="40000"/>
+            </a:prstClr>
+          </a:outerShdw>
+        </a:effectLst>
+      </dsp:spPr>
+      <dsp:style>
+        <a:lnRef idx="2">
+          <a:scrgbClr r="0" g="0" b="0"/>
+        </a:lnRef>
+        <a:fillRef idx="1">
+          <a:scrgbClr r="0" g="0" b="0"/>
+        </a:fillRef>
+        <a:effectRef idx="0">
+          <a:scrgbClr r="0" g="0" b="0"/>
+        </a:effectRef>
+        <a:fontRef idx="minor">
+          <a:schemeClr val="lt1"/>
+        </a:fontRef>
+      </dsp:style>
+      <dsp:txBody>
+        <a:bodyPr spcFirstLastPara="0" vert="horz" wrap="square" lIns="22860" tIns="22860" rIns="22860" bIns="22860" numCol="1" spcCol="1270" anchor="ctr" anchorCtr="0">
+          <a:noAutofit/>
+        </a:bodyPr>
+        <a:lstStyle/>
+        <a:p>
+          <a:pPr marL="0" lvl="0" indent="0" algn="ctr" defTabSz="533400">
+            <a:lnSpc>
+              <a:spcPct val="90000"/>
+            </a:lnSpc>
+            <a:spcBef>
+              <a:spcPct val="0"/>
+            </a:spcBef>
+            <a:spcAft>
+              <a:spcPct val="5000"/>
+            </a:spcAft>
+            <a:buNone/>
+          </a:pPr>
+          <a:r>
+            <a:rPr lang="pt-BR" sz="1200" kern="1200" dirty="0">
+              <a:latin typeface="Times New Roman" panose="02020603050405020304" pitchFamily="18" charset="0"/>
+              <a:cs typeface="Times New Roman" panose="02020603050405020304" pitchFamily="18" charset="0"/>
+            </a:rPr>
+            <a:t>Realizar logout</a:t>
+          </a:r>
+        </a:p>
+      </dsp:txBody>
+      <dsp:txXfrm>
+        <a:off x="1380763" y="970807"/>
+        <a:ext cx="1738816" cy="386461"/>
+      </dsp:txXfrm>
+    </dsp:sp>
+  </dsp:spTree>
+</dsp:drawing>
+</file>
+
+<file path=ppt/diagrams/layout1.xml><?xml version="1.0" encoding="utf-8"?>
+<dgm:layoutDef xmlns:dgm="http://schemas.openxmlformats.org/drawingml/2006/diagram" xmlns:a="http://schemas.openxmlformats.org/drawingml/2006/main" uniqueId="urn:microsoft.com/office/officeart/2008/layout/BendingPictureCaption">
+  <dgm:title val=""/>
+  <dgm:desc val=""/>
+  <dgm:catLst>
+    <dgm:cat type="picture" pri="6000"/>
+    <dgm:cat type="pictureconvert" pri="6000"/>
+  </dgm:catLst>
+  <dgm:sampData>
+    <dgm:dataModel>
+      <dgm:ptLst>
+        <dgm:pt modelId="0" type="doc"/>
+        <dgm:pt modelId="1">
+          <dgm:prSet phldr="1"/>
+        </dgm:pt>
+        <dgm:pt modelId="2">
+          <dgm:prSet phldr="1"/>
+        </dgm:pt>
+      </dgm:ptLst>
+      <dgm:cxnLst>
+        <dgm:cxn modelId="7" srcId="0" destId="1" srcOrd="0" destOrd="0"/>
+        <dgm:cxn modelId="8" srcId="0" destId="2" srcOrd="1" destOrd="0"/>
+      </dgm:cxnLst>
+      <dgm:bg/>
+      <dgm:whole/>
+    </dgm:dataModel>
+  </dgm:sampData>
+  <dgm:styleData>
+    <dgm:dataModel>
+      <dgm:ptLst>
+        <dgm:pt modelId="0" type="doc"/>
+        <dgm:pt modelId="10">
+          <dgm:prSet phldr="1"/>
+        </dgm:pt>
+        <dgm:pt modelId="20">
+          <dgm:prSet phldr="1"/>
+        </dgm:pt>
+      </dgm:ptLst>
+      <dgm:cxnLst>
+        <dgm:cxn modelId="60" srcId="0" destId="10" srcOrd="0" destOrd="0"/>
+        <dgm:cxn modelId="70" srcId="0" destId="20" srcOrd="1" destOrd="0"/>
+      </dgm:cxnLst>
+      <dgm:bg/>
+      <dgm:whole/>
+    </dgm:dataModel>
+  </dgm:styleData>
+  <dgm:clrData>
+    <dgm:dataModel>
+      <dgm:ptLst>
+        <dgm:pt modelId="0" type="doc"/>
+        <dgm:pt modelId="10">
+          <dgm:prSet phldr="1"/>
+        </dgm:pt>
+        <dgm:pt modelId="20">
+          <dgm:prSet phldr="1"/>
+        </dgm:pt>
+        <dgm:pt modelId="30">
+          <dgm:prSet phldr="1"/>
+        </dgm:pt>
+        <dgm:pt modelId="40">
+          <dgm:prSet phldr="1"/>
+        </dgm:pt>
+      </dgm:ptLst>
+      <dgm:cxnLst>
+        <dgm:cxn modelId="60" srcId="0" destId="10" srcOrd="0" destOrd="0"/>
+        <dgm:cxn modelId="70" srcId="0" destId="20" srcOrd="1" destOrd="0"/>
+        <dgm:cxn modelId="80" srcId="0" destId="30" srcOrd="2" destOrd="0"/>
+        <dgm:cxn modelId="90" srcId="0" destId="40" srcOrd="3" destOrd="0"/>
+      </dgm:cxnLst>
+      <dgm:bg/>
+      <dgm:whole/>
+    </dgm:dataModel>
+  </dgm:clrData>
+  <dgm:layoutNode name="diagram">
+    <dgm:varLst>
+      <dgm:dir/>
+    </dgm:varLst>
+    <dgm:choose name="Name0">
+      <dgm:if name="Name1" func="var" arg="dir" op="equ" val="norm">
+        <dgm:alg type="snake">
+          <dgm:param type="off" val="ctr"/>
+        </dgm:alg>
+      </dgm:if>
+      <dgm:else name="Name2">
+        <dgm:alg type="snake">
+          <dgm:param type="grDir" val="tR"/>
+          <dgm:param type="off" val="ctr"/>
+        </dgm:alg>
+      </dgm:else>
+    </dgm:choose>
+    <dgm:shape xmlns:r="http://schemas.openxmlformats.org/officeDocument/2006/relationships" r:blip="">
+      <dgm:adjLst/>
+    </dgm:shape>
+    <dgm:constrLst>
+      <dgm:constr type="primFontSz" for="des" ptType="node" op="equ" val="65"/>
+      <dgm:constr type="w" for="ch" forName="composite" refType="w"/>
+      <dgm:constr type="h" for="ch" forName="composite" refType="h"/>
+      <dgm:constr type="sp" refType="w" refFor="ch" refForName="composite" op="equ" fact="0.1"/>
+      <dgm:constr type="w" for="ch" forName="sibTrans" refType="w" refFor="ch" refForName="composite" op="equ" fact="0.1"/>
+      <dgm:constr type="h" for="ch" forName="sibTrans" refType="w" refFor="ch" refForName="sibTrans" op="equ"/>
+    </dgm:constrLst>
+    <dgm:forEach name="nodesForEach" axis="ch" ptType="node">
+      <dgm:layoutNode name="composite">
+        <dgm:alg type="composite">
+          <dgm:param type="ar" val="1.31"/>
+        </dgm:alg>
+        <dgm:shape xmlns:r="http://schemas.openxmlformats.org/officeDocument/2006/relationships" r:blip="">
+          <dgm:adjLst/>
+        </dgm:shape>
+        <dgm:choose name="Name3">
+          <dgm:if name="Name4" func="var" arg="dir" op="equ" val="norm">
+            <dgm:constrLst>
+              <dgm:constr type="l" for="ch" forName="Image" refType="w" fact="0"/>
+              <dgm:constr type="t" for="ch" forName="Image" refType="h" fact="0"/>
+              <dgm:constr type="w" for="ch" forName="Image" refType="w" fact="0.94"/>
+              <dgm:constr type="h" for="ch" forName="Image" refType="h" fact="0.91"/>
+              <dgm:constr type="l" for="ch" forName="Parent" refType="w" fact="0.19"/>
+              <dgm:constr type="t" for="ch" forName="Parent" refType="h" fact="0.745"/>
+              <dgm:constr type="w" for="ch" forName="Parent" refType="w" fact="0.81"/>
+              <dgm:constr type="h" for="ch" forName="Parent" refType="h" fact="0.255"/>
+            </dgm:constrLst>
+          </dgm:if>
+          <dgm:else name="Name5">
+            <dgm:constrLst>
+              <dgm:constr type="l" for="ch" forName="Image" refType="w" fact="0.06"/>
+              <dgm:constr type="t" for="ch" forName="Image" refType="h" fact="0"/>
+              <dgm:constr type="w" for="ch" forName="Image" refType="w" fact="0.94"/>
+              <dgm:constr type="h" for="ch" forName="Image" refType="h" fact="0.91"/>
+              <dgm:constr type="l" for="ch" forName="Parent" refType="w" fact="0"/>
+              <dgm:constr type="t" for="ch" forName="Parent" refType="h" fact="0.745"/>
+              <dgm:constr type="w" for="ch" forName="Parent" refType="w" fact="0.81"/>
+              <dgm:constr type="h" for="ch" forName="Parent" refType="h" fact="0.255"/>
+            </dgm:constrLst>
+          </dgm:else>
+        </dgm:choose>
+        <dgm:layoutNode name="Image" styleLbl="bgShp">
+          <dgm:alg type="sp"/>
+          <dgm:shape xmlns:r="http://schemas.openxmlformats.org/officeDocument/2006/relationships" type="rect" r:blip="" blipPhldr="1">
+            <dgm:adjLst/>
+          </dgm:shape>
+          <dgm:presOf/>
+        </dgm:layoutNode>
+        <dgm:layoutNode name="Parent" styleLbl="node0">
+          <dgm:varLst>
+            <dgm:bulletEnabled val="1"/>
+          </dgm:varLst>
+          <dgm:alg type="tx">
+            <dgm:param type="txAnchorVertCh" val="mid"/>
+            <dgm:param type="shpTxRTLAlignCh" val="r"/>
+            <dgm:param type="lnSpAfParP" val="5"/>
+          </dgm:alg>
+          <dgm:shape xmlns:r="http://schemas.openxmlformats.org/officeDocument/2006/relationships" type="rect" r:blip="">
+            <dgm:adjLst/>
+          </dgm:shape>
+          <dgm:presOf axis="desOrSelf" ptType="node"/>
+          <dgm:constrLst>
+            <dgm:constr type="lMarg" refType="primFontSz" fact="0.15"/>
+            <dgm:constr type="rMarg" refType="primFontSz" fact="0.15"/>
+            <dgm:constr type="tMarg" refType="primFontSz" fact="0.15"/>
+            <dgm:constr type="bMarg" refType="primFontSz" fact="0.15"/>
+          </dgm:constrLst>
+          <dgm:ruleLst>
+            <dgm:rule type="primFontSz" val="5" fact="NaN" max="NaN"/>
+          </dgm:ruleLst>
+        </dgm:layoutNode>
+      </dgm:layoutNode>
+      <dgm:forEach name="sibTransForEach" axis="followSib" ptType="sibTrans" cnt="1">
+        <dgm:layoutNode name="sibTrans">
+          <dgm:alg type="sp"/>
+          <dgm:shape xmlns:r="http://schemas.openxmlformats.org/officeDocument/2006/relationships" r:blip="">
+            <dgm:adjLst/>
+          </dgm:shape>
+        </dgm:layoutNode>
+      </dgm:forEach>
+    </dgm:forEach>
+  </dgm:layoutNode>
+</dgm:layoutDef>
+</file>
+
+<file path=ppt/diagrams/quickStyle1.xml><?xml version="1.0" encoding="utf-8"?>
+<dgm:styleDef xmlns:dgm="http://schemas.openxmlformats.org/drawingml/2006/diagram" xmlns:a="http://schemas.openxmlformats.org/drawingml/2006/main" uniqueId="urn:microsoft.com/office/officeart/2005/8/quickstyle/simple1">
+  <dgm:title val=""/>
+  <dgm:desc val=""/>
+  <dgm:catLst>
+    <dgm:cat type="simple" pri="10100"/>
+  </dgm:catLst>
+  <dgm:scene3d>
+    <a:camera prst="orthographicFront"/>
+    <a:lightRig rig="threePt" dir="t"/>
+  </dgm:scene3d>
+  <dgm:styleLbl name="node0">
+    <dgm:scene3d>
+      <a:camera prst="orthographicFront"/>
+      <a:lightRig rig="threePt" dir="t"/>
+    </dgm:scene3d>
+    <dgm:sp3d/>
+    <dgm:txPr/>
+    <dgm:style>
+      <a:lnRef idx="2">
+        <a:scrgbClr r="0" g="0" b="0"/>
+      </a:lnRef>
+      <a:fillRef idx="1">
+        <a:scrgbClr r="0" g="0" b="0"/>
+      </a:fillRef>
+      <a:effectRef idx="0">
+        <a:scrgbClr r="0" g="0" b="0"/>
+      </a:effectRef>
+      <a:fontRef idx="minor">
+        <a:schemeClr val="lt1"/>
+      </a:fontRef>
+    </dgm:style>
+  </dgm:styleLbl>
+  <dgm:styleLbl name="lnNode1">
+    <dgm:scene3d>
+      <a:camera prst="orthographicFront"/>
+      <a:lightRig rig="threePt" dir="t"/>
+    </dgm:scene3d>
+    <dgm:sp3d/>
+    <dgm:txPr/>
+    <dgm:style>
+      <a:lnRef idx="2">
+        <a:scrgbClr r="0" g="0" b="0"/>
+      </a:lnRef>
+      <a:fillRef idx="1">
+        <a:scrgbClr r="0" g="0" b="0"/>
+      </a:fillRef>
+      <a:effectRef idx="0">
+        <a:scrgbClr r="0" g="0" b="0"/>
+      </a:effectRef>
+      <a:fontRef idx="minor">
+        <a:schemeClr val="lt1"/>
+      </a:fontRef>
+    </dgm:style>
+  </dgm:styleLbl>
+  <dgm:styleLbl name="vennNode1">
+    <dgm:scene3d>
+      <a:camera prst="orthographicFront"/>
+      <a:lightRig rig="threePt" dir="t"/>
+    </dgm:scene3d>
+    <dgm:sp3d/>
+    <dgm:txPr/>
+    <dgm:style>
+      <a:lnRef idx="2">
+        <a:scrgbClr r="0" g="0" b="0"/>
+      </a:lnRef>
+      <a:fillRef idx="1">
+        <a:scrgbClr r="0" g="0" b="0"/>
+      </a:fillRef>
+      <a:effectRef idx="0">
+        <a:scrgbClr r="0" g="0" b="0"/>
+      </a:effectRef>
+      <a:fontRef idx="minor">
+        <a:schemeClr val="tx1"/>
+      </a:fontRef>
+    </dgm:style>
+  </dgm:styleLbl>
+  <dgm:styleLbl name="alignNode1">
+    <dgm:scene3d>
+      <a:camera prst="orthographicFront"/>
+      <a:lightRig rig="threePt" dir="t"/>
+    </dgm:scene3d>
+    <dgm:sp3d/>
+    <dgm:txPr/>
+    <dgm:style>
+      <a:lnRef idx="2">
+        <a:scrgbClr r="0" g="0" b="0"/>
+      </a:lnRef>
+      <a:fillRef idx="1">
+        <a:scrgbClr r="0" g="0" b="0"/>
+      </a:fillRef>
+      <a:effectRef idx="0">
+        <a:scrgbClr r="0" g="0" b="0"/>
+      </a:effectRef>
+      <a:fontRef idx="minor">
+        <a:schemeClr val="lt1"/>
+      </a:fontRef>
+    </dgm:style>
+  </dgm:styleLbl>
+  <dgm:styleLbl name="node1">
+    <dgm:scene3d>
+      <a:camera prst="orthographicFront"/>
+      <a:lightRig rig="threePt" dir="t"/>
+    </dgm:scene3d>
+    <dgm:sp3d/>
+    <dgm:txPr/>
+    <dgm:style>
+      <a:lnRef idx="2">
+        <a:scrgbClr r="0" g="0" b="0"/>
+      </a:lnRef>
+      <a:fillRef idx="1">
+        <a:scrgbClr r="0" g="0" b="0"/>
+      </a:fillRef>
+      <a:effectRef idx="0">
+        <a:scrgbClr r="0" g="0" b="0"/>
+      </a:effectRef>
+      <a:fontRef idx="minor">
+        <a:schemeClr val="lt1"/>
+      </a:fontRef>
+    </dgm:style>
+  </dgm:styleLbl>
+  <dgm:styleLbl name="node2">
+    <dgm:scene3d>
+      <a:camera prst="orthographicFront"/>
+      <a:lightRig rig="threePt" dir="t"/>
+    </dgm:scene3d>
+    <dgm:sp3d/>
+    <dgm:txPr/>
+    <dgm:style>
+      <a:lnRef idx="2">
+        <a:scrgbClr r="0" g="0" b="0"/>
+      </a:lnRef>
+      <a:fillRef idx="1">
+        <a:scrgbClr r="0" g="0" b="0"/>
+      </a:fillRef>
+      <a:effectRef idx="0">
+        <a:scrgbClr r="0" g="0" b="0"/>
+      </a:effectRef>
+      <a:fontRef idx="minor">
+        <a:schemeClr val="lt1"/>
+      </a:fontRef>
+    </dgm:style>
+  </dgm:styleLbl>
+  <dgm:styleLbl name="node3">
+    <dgm:scene3d>
+      <a:camera prst="orthographicFront"/>
+      <a:lightRig rig="threePt" dir="t"/>
+    </dgm:scene3d>
+    <dgm:sp3d/>
+    <dgm:txPr/>
+    <dgm:style>
+      <a:lnRef idx="2">
+        <a:scrgbClr r="0" g="0" b="0"/>
+      </a:lnRef>
+      <a:fillRef idx="1">
+        <a:scrgbClr r="0" g="0" b="0"/>
+      </a:fillRef>
+      <a:effectRef idx="0">
+        <a:scrgbClr r="0" g="0" b="0"/>
+      </a:effectRef>
+      <a:fontRef idx="minor">
+        <a:schemeClr val="lt1"/>
+      </a:fontRef>
+    </dgm:style>
+  </dgm:styleLbl>
+  <dgm:styleLbl name="node4">
+    <dgm:scene3d>
+      <a:camera prst="orthographicFront"/>
+      <a:lightRig rig="threePt" dir="t"/>
+    </dgm:scene3d>
+    <dgm:sp3d/>
+    <dgm:txPr/>
+    <dgm:style>
+      <a:lnRef idx="2">
+        <a:scrgbClr r="0" g="0" b="0"/>
+      </a:lnRef>
+      <a:fillRef idx="1">
+        <a:scrgbClr r="0" g="0" b="0"/>
+      </a:fillRef>
+      <a:effectRef idx="0">
+        <a:scrgbClr r="0" g="0" b="0"/>
+      </a:effectRef>
+      <a:fontRef idx="minor">
+        <a:schemeClr val="lt1"/>
+      </a:fontRef>
+    </dgm:style>
+  </dgm:styleLbl>
+  <dgm:styleLbl name="fgImgPlace1">
+    <dgm:scene3d>
+      <a:camera prst="orthographicFront"/>
+      <a:lightRig rig="threePt" dir="t"/>
+    </dgm:scene3d>
+    <dgm:sp3d/>
+    <dgm:txPr/>
+    <dgm:style>
+      <a:lnRef idx="2">
+        <a:scrgbClr r="0" g="0" b="0"/>
+      </a:lnRef>
+      <a:fillRef idx="1">
+        <a:scrgbClr r="0" g="0" b="0"/>
+      </a:fillRef>
+      <a:effectRef idx="0">
+        <a:scrgbClr r="0" g="0" b="0"/>
+      </a:effectRef>
+      <a:fontRef idx="minor"/>
+    </dgm:style>
+  </dgm:styleLbl>
+  <dgm:styleLbl name="alignImgPlace1">
+    <dgm:scene3d>
+      <a:camera prst="orthographicFront"/>
+      <a:lightRig rig="threePt" dir="t"/>
+    </dgm:scene3d>
+    <dgm:sp3d/>
+    <dgm:txPr/>
+    <dgm:style>
+      <a:lnRef idx="2">
+        <a:scrgbClr r="0" g="0" b="0"/>
+      </a:lnRef>
+      <a:fillRef idx="1">
+        <a:scrgbClr r="0" g="0" b="0"/>
+      </a:fillRef>
+      <a:effectRef idx="0">
+        <a:scrgbClr r="0" g="0" b="0"/>
+      </a:effectRef>
+      <a:fontRef idx="minor"/>
+    </dgm:style>
+  </dgm:styleLbl>
+  <dgm:styleLbl name="bgImgPlace1">
+    <dgm:scene3d>
+      <a:camera prst="orthographicFront"/>
+      <a:lightRig rig="threePt" dir="t"/>
+    </dgm:scene3d>
+    <dgm:sp3d/>
+    <dgm:txPr/>
+    <dgm:style>
+      <a:lnRef idx="2">
+        <a:scrgbClr r="0" g="0" b="0"/>
+      </a:lnRef>
+      <a:fillRef idx="1">
+        <a:scrgbClr r="0" g="0" b="0"/>
+      </a:fillRef>
+      <a:effectRef idx="0">
+        <a:scrgbClr r="0" g="0" b="0"/>
+      </a:effectRef>
+      <a:fontRef idx="minor"/>
+    </dgm:style>
+  </dgm:styleLbl>
+  <dgm:styleLbl name="sibTrans2D1">
+    <dgm:scene3d>
+      <a:camera prst="orthographicFront"/>
+      <a:lightRig rig="threePt" dir="t"/>
+    </dgm:scene3d>
+    <dgm:sp3d/>
+    <dgm:txPr/>
+    <dgm:style>
+      <a:lnRef idx="0">
+        <a:scrgbClr r="0" g="0" b="0"/>
+      </a:lnRef>
+      <a:fillRef idx="1">
+        <a:scrgbClr r="0" g="0" b="0"/>
+      </a:fillRef>
+      <a:effectRef idx="0">
+        <a:scrgbClr r="0" g="0" b="0"/>
+      </a:effectRef>
+      <a:fontRef idx="minor">
+        <a:schemeClr val="lt1"/>
+      </a:fontRef>
+    </dgm:style>
+  </dgm:styleLbl>
+  <dgm:styleLbl name="fgSibTrans2D1">
+    <dgm:scene3d>
+      <a:camera prst="orthographicFront"/>
+      <a:lightRig rig="threePt" dir="t"/>
+    </dgm:scene3d>
+    <dgm:sp3d/>
+    <dgm:txPr/>
+    <dgm:style>
+      <a:lnRef idx="0">
+        <a:scrgbClr r="0" g="0" b="0"/>
+      </a:lnRef>
+      <a:fillRef idx="1">
+        <a:scrgbClr r="0" g="0" b="0"/>
+      </a:fillRef>
+      <a:effectRef idx="0">
+        <a:scrgbClr r="0" g="0" b="0"/>
+      </a:effectRef>
+      <a:fontRef idx="minor">
+        <a:schemeClr val="lt1"/>
+      </a:fontRef>
+    </dgm:style>
+  </dgm:styleLbl>
+  <dgm:styleLbl name="bgSibTrans2D1">
+    <dgm:scene3d>
+      <a:camera prst="orthographicFront"/>
+      <a:lightRig rig="threePt" dir="t"/>
+    </dgm:scene3d>
+    <dgm:sp3d/>
+    <dgm:txPr/>
+    <dgm:style>
+      <a:lnRef idx="0">
+        <a:scrgbClr r="0" g="0" b="0"/>
+      </a:lnRef>
+      <a:fillRef idx="1">
+        <a:scrgbClr r="0" g="0" b="0"/>
+      </a:fillRef>
+      <a:effectRef idx="0">
+        <a:scrgbClr r="0" g="0" b="0"/>
+      </a:effectRef>
+      <a:fontRef idx="minor">
+        <a:schemeClr val="lt1"/>
+      </a:fontRef>
+    </dgm:style>
+  </dgm:styleLbl>
+  <dgm:styleLbl name="sibTrans1D1">
+    <dgm:scene3d>
+      <a:camera prst="orthographicFront"/>
+      <a:lightRig rig="threePt" dir="t"/>
+    </dgm:scene3d>
+    <dgm:sp3d/>
+    <dgm:txPr/>
+    <dgm:style>
+      <a:lnRef idx="1">
+        <a:scrgbClr r="0" g="0" b="0"/>
+      </a:lnRef>
+      <a:fillRef idx="0">
+        <a:scrgbClr r="0" g="0" b="0"/>
+      </a:fillRef>
+      <a:effectRef idx="0">
+        <a:scrgbClr r="0" g="0" b="0"/>
+      </a:effectRef>
+      <a:fontRef idx="minor"/>
+    </dgm:style>
+  </dgm:styleLbl>
+  <dgm:styleLbl name="callout">
+    <dgm:scene3d>
+      <a:camera prst="orthographicFront"/>
+      <a:lightRig rig="threePt" dir="t"/>
+    </dgm:scene3d>
+    <dgm:sp3d/>
+    <dgm:txPr/>
+    <dgm:style>
+      <a:lnRef idx="2">
+        <a:scrgbClr r="0" g="0" b="0"/>
+      </a:lnRef>
+      <a:fillRef idx="1">
+        <a:scrgbClr r="0" g="0" b="0"/>
+      </a:fillRef>
+      <a:effectRef idx="0">
+        <a:scrgbClr r="0" g="0" b="0"/>
+      </a:effectRef>
+      <a:fontRef idx="minor"/>
+    </dgm:style>
+  </dgm:styleLbl>
+  <dgm:styleLbl name="asst0">
+    <dgm:scene3d>
+      <a:camera prst="orthographicFront"/>
+      <a:lightRig rig="threePt" dir="t"/>
+    </dgm:scene3d>
+    <dgm:sp3d/>
+    <dgm:txPr/>
+    <dgm:style>
+      <a:lnRef idx="2">
+        <a:scrgbClr r="0" g="0" b="0"/>
+      </a:lnRef>
+      <a:fillRef idx="1">
+        <a:scrgbClr r="0" g="0" b="0"/>
+      </a:fillRef>
+      <a:effectRef idx="0">
+        <a:scrgbClr r="0" g="0" b="0"/>
+      </a:effectRef>
+      <a:fontRef idx="minor">
+        <a:schemeClr val="lt1"/>
+      </a:fontRef>
+    </dgm:style>
+  </dgm:styleLbl>
+  <dgm:styleLbl name="asst1">
+    <dgm:scene3d>
+      <a:camera prst="orthographicFront"/>
+      <a:lightRig rig="threePt" dir="t"/>
+    </dgm:scene3d>
+    <dgm:sp3d/>
+    <dgm:txPr/>
+    <dgm:style>
+      <a:lnRef idx="2">
+        <a:scrgbClr r="0" g="0" b="0"/>
+      </a:lnRef>
+      <a:fillRef idx="1">
+        <a:scrgbClr r="0" g="0" b="0"/>
+      </a:fillRef>
+      <a:effectRef idx="0">
+        <a:scrgbClr r="0" g="0" b="0"/>
+      </a:effectRef>
+      <a:fontRef idx="minor">
+        <a:schemeClr val="lt1"/>
+      </a:fontRef>
+    </dgm:style>
+  </dgm:styleLbl>
+  <dgm:styleLbl name="asst2">
+    <dgm:scene3d>
+      <a:camera prst="orthographicFront"/>
+      <a:lightRig rig="threePt" dir="t"/>
+    </dgm:scene3d>
+    <dgm:sp3d/>
+    <dgm:txPr/>
+    <dgm:style>
+      <a:lnRef idx="2">
+        <a:scrgbClr r="0" g="0" b="0"/>
+      </a:lnRef>
+      <a:fillRef idx="1">
+        <a:scrgbClr r="0" g="0" b="0"/>
+      </a:fillRef>
+      <a:effectRef idx="0">
+        <a:scrgbClr r="0" g="0" b="0"/>
+      </a:effectRef>
+      <a:fontRef idx="minor">
+        <a:schemeClr val="lt1"/>
+      </a:fontRef>
+    </dgm:style>
+  </dgm:styleLbl>
+  <dgm:styleLbl name="asst3">
+    <dgm:scene3d>
+      <a:camera prst="orthographicFront"/>
+      <a:lightRig rig="threePt" dir="t"/>
+    </dgm:scene3d>
+    <dgm:sp3d/>
+    <dgm:txPr/>
+    <dgm:style>
+      <a:lnRef idx="2">
+        <a:scrgbClr r="0" g="0" b="0"/>
+      </a:lnRef>
+      <a:fillRef idx="1">
+        <a:scrgbClr r="0" g="0" b="0"/>
+      </a:fillRef>
+      <a:effectRef idx="0">
+        <a:scrgbClr r="0" g="0" b="0"/>
+      </a:effectRef>
+      <a:fontRef idx="minor">
+        <a:schemeClr val="lt1"/>
+      </a:fontRef>
+    </dgm:style>
+  </dgm:styleLbl>
+  <dgm:styleLbl name="asst4">
+    <dgm:scene3d>
+      <a:camera prst="orthographicFront"/>
+      <a:lightRig rig="threePt" dir="t"/>
+    </dgm:scene3d>
+    <dgm:sp3d/>
+    <dgm:txPr/>
+    <dgm:style>
+      <a:lnRef idx="2">
+        <a:scrgbClr r="0" g="0" b="0"/>
+      </a:lnRef>
+      <a:fillRef idx="1">
+        <a:scrgbClr r="0" g="0" b="0"/>
+      </a:fillRef>
+      <a:effectRef idx="0">
+        <a:scrgbClr r="0" g="0" b="0"/>
+      </a:effectRef>
+      <a:fontRef idx="minor">
+        <a:schemeClr val="lt1"/>
+      </a:fontRef>
+    </dgm:style>
+  </dgm:styleLbl>
+  <dgm:styleLbl name="parChTrans2D1">
+    <dgm:scene3d>
+      <a:camera prst="orthographicFront"/>
+      <a:lightRig rig="threePt" dir="t"/>
+    </dgm:scene3d>
+    <dgm:sp3d/>
+    <dgm:txPr/>
+    <dgm:style>
+      <a:lnRef idx="2">
+        <a:scrgbClr r="0" g="0" b="0"/>
+      </a:lnRef>
+      <a:fillRef idx="1">
+        <a:scrgbClr r="0" g="0" b="0"/>
+      </a:fillRef>
+      <a:effectRef idx="0">
+        <a:scrgbClr r="0" g="0" b="0"/>
+      </a:effectRef>
+      <a:fontRef idx="minor">
+        <a:schemeClr val="lt1"/>
+      </a:fontRef>
+    </dgm:style>
+  </dgm:styleLbl>
+  <dgm:styleLbl name="parChTrans2D2">
+    <dgm:scene3d>
+      <a:camera prst="orthographicFront"/>
+      <a:lightRig rig="threePt" dir="t"/>
+    </dgm:scene3d>
+    <dgm:sp3d/>
+    <dgm:txPr/>
+    <dgm:style>
+      <a:lnRef idx="2">
+        <a:scrgbClr r="0" g="0" b="0"/>
+      </a:lnRef>
+      <a:fillRef idx="1">
+        <a:scrgbClr r="0" g="0" b="0"/>
+      </a:fillRef>
+      <a:effectRef idx="0">
+        <a:scrgbClr r="0" g="0" b="0"/>
+      </a:effectRef>
+      <a:fontRef idx="minor">
+        <a:schemeClr val="lt1"/>
+      </a:fontRef>
+    </dgm:style>
+  </dgm:styleLbl>
+  <dgm:styleLbl name="parChTrans2D3">
+    <dgm:scene3d>
+      <a:camera prst="orthographicFront"/>
+      <a:lightRig rig="threePt" dir="t"/>
+    </dgm:scene3d>
+    <dgm:sp3d/>
+    <dgm:txPr/>
+    <dgm:style>
+      <a:lnRef idx="2">
+        <a:scrgbClr r="0" g="0" b="0"/>
+      </a:lnRef>
+      <a:fillRef idx="1">
+        <a:scrgbClr r="0" g="0" b="0"/>
+      </a:fillRef>
+      <a:effectRef idx="0">
+        <a:scrgbClr r="0" g="0" b="0"/>
+      </a:effectRef>
+      <a:fontRef idx="minor">
+        <a:schemeClr val="lt1"/>
+      </a:fontRef>
+    </dgm:style>
+  </dgm:styleLbl>
+  <dgm:styleLbl name="parChTrans2D4">
+    <dgm:scene3d>
+      <a:camera prst="orthographicFront"/>
+      <a:lightRig rig="threePt" dir="t"/>
+    </dgm:scene3d>
+    <dgm:sp3d/>
+    <dgm:txPr/>
+    <dgm:style>
+      <a:lnRef idx="2">
+        <a:scrgbClr r="0" g="0" b="0"/>
+      </a:lnRef>
+      <a:fillRef idx="1">
+        <a:scrgbClr r="0" g="0" b="0"/>
+      </a:fillRef>
+      <a:effectRef idx="0">
+        <a:scrgbClr r="0" g="0" b="0"/>
+      </a:effectRef>
+      <a:fontRef idx="minor">
+        <a:schemeClr val="lt1"/>
+      </a:fontRef>
+    </dgm:style>
+  </dgm:styleLbl>
+  <dgm:styleLbl name="parChTrans1D1">
+    <dgm:scene3d>
+      <a:camera prst="orthographicFront"/>
+      <a:lightRig rig="threePt" dir="t"/>
+    </dgm:scene3d>
+    <dgm:sp3d/>
+    <dgm:txPr/>
+    <dgm:style>
+      <a:lnRef idx="2">
+        <a:scrgbClr r="0" g="0" b="0"/>
+      </a:lnRef>
+      <a:fillRef idx="0">
+        <a:scrgbClr r="0" g="0" b="0"/>
+      </a:fillRef>
+      <a:effectRef idx="0">
+        <a:scrgbClr r="0" g="0" b="0"/>
+      </a:effectRef>
+      <a:fontRef idx="minor"/>
+    </dgm:style>
+  </dgm:styleLbl>
+  <dgm:styleLbl name="parChTrans1D2">
+    <dgm:scene3d>
+      <a:camera prst="orthographicFront"/>
+      <a:lightRig rig="threePt" dir="t"/>
+    </dgm:scene3d>
+    <dgm:sp3d/>
+    <dgm:txPr/>
+    <dgm:style>
+      <a:lnRef idx="2">
+        <a:scrgbClr r="0" g="0" b="0"/>
+      </a:lnRef>
+      <a:fillRef idx="0">
+        <a:scrgbClr r="0" g="0" b="0"/>
+      </a:fillRef>
+      <a:effectRef idx="0">
+        <a:scrgbClr r="0" g="0" b="0"/>
+      </a:effectRef>
+      <a:fontRef idx="minor"/>
+    </dgm:style>
+  </dgm:styleLbl>
+  <dgm:styleLbl name="parChTrans1D3">
+    <dgm:scene3d>
+      <a:camera prst="orthographicFront"/>
+      <a:lightRig rig="threePt" dir="t"/>
+    </dgm:scene3d>
+    <dgm:sp3d/>
+    <dgm:txPr/>
+    <dgm:style>
+      <a:lnRef idx="2">
+        <a:scrgbClr r="0" g="0" b="0"/>
+      </a:lnRef>
+      <a:fillRef idx="0">
+        <a:scrgbClr r="0" g="0" b="0"/>
+      </a:fillRef>
+      <a:effectRef idx="0">
+        <a:scrgbClr r="0" g="0" b="0"/>
+      </a:effectRef>
+      <a:fontRef idx="minor"/>
+    </dgm:style>
+  </dgm:styleLbl>
+  <dgm:styleLbl name="parChTrans1D4">
+    <dgm:scene3d>
+      <a:camera prst="orthographicFront"/>
+      <a:lightRig rig="threePt" dir="t"/>
+    </dgm:scene3d>
+    <dgm:sp3d/>
+    <dgm:txPr/>
+    <dgm:style>
+      <a:lnRef idx="2">
+        <a:scrgbClr r="0" g="0" b="0"/>
+      </a:lnRef>
+      <a:fillRef idx="0">
+        <a:scrgbClr r="0" g="0" b="0"/>
+      </a:fillRef>
+      <a:effectRef idx="0">
+        <a:scrgbClr r="0" g="0" b="0"/>
+      </a:effectRef>
+      <a:fontRef idx="minor"/>
+    </dgm:style>
+  </dgm:styleLbl>
+  <dgm:styleLbl name="fgAcc1">
+    <dgm:scene3d>
+      <a:camera prst="orthographicFront"/>
+      <a:lightRig rig="threePt" dir="t"/>
+    </dgm:scene3d>
+    <dgm:sp3d/>
+    <dgm:txPr/>
+    <dgm:style>
+      <a:lnRef idx="2">
+        <a:scrgbClr r="0" g="0" b="0"/>
+      </a:lnRef>
+      <a:fillRef idx="1">
+        <a:scrgbClr r="0" g="0" b="0"/>
+      </a:fillRef>
+      <a:effectRef idx="0">
+        <a:scrgbClr r="0" g="0" b="0"/>
+      </a:effectRef>
+      <a:fontRef idx="minor"/>
+    </dgm:style>
+  </dgm:styleLbl>
+  <dgm:styleLbl name="conFgAcc1">
+    <dgm:scene3d>
+      <a:camera prst="orthographicFront"/>
+      <a:lightRig rig="threePt" dir="t"/>
+    </dgm:scene3d>
+    <dgm:sp3d/>
+    <dgm:txPr/>
+    <dgm:style>
+      <a:lnRef idx="2">
+        <a:scrgbClr r="0" g="0" b="0"/>
+      </a:lnRef>
+      <a:fillRef idx="1">
+        <a:scrgbClr r="0" g="0" b="0"/>
+      </a:fillRef>
+      <a:effectRef idx="0">
+        <a:scrgbClr r="0" g="0" b="0"/>
+      </a:effectRef>
+      <a:fontRef idx="minor"/>
+    </dgm:style>
+  </dgm:styleLbl>
+  <dgm:styleLbl name="alignAcc1">
+    <dgm:scene3d>
+      <a:camera prst="orthographicFront"/>
+      <a:lightRig rig="threePt" dir="t"/>
+    </dgm:scene3d>
+    <dgm:sp3d/>
+    <dgm:txPr/>
+    <dgm:style>
+      <a:lnRef idx="2">
+        <a:scrgbClr r="0" g="0" b="0"/>
+      </a:lnRef>
+      <a:fillRef idx="1">
+        <a:scrgbClr r="0" g="0" b="0"/>
+      </a:fillRef>
+      <a:effectRef idx="0">
+        <a:scrgbClr r="0" g="0" b="0"/>
+      </a:effectRef>
+      <a:fontRef idx="minor"/>
+    </dgm:style>
+  </dgm:styleLbl>
+  <dgm:styleLbl name="trAlignAcc1">
+    <dgm:scene3d>
+      <a:camera prst="orthographicFront"/>
+      <a:lightRig rig="threePt" dir="t"/>
+    </dgm:scene3d>
+    <dgm:sp3d/>
+    <dgm:txPr/>
+    <dgm:style>
+      <a:lnRef idx="1">
+        <a:scrgbClr r="0" g="0" b="0"/>
+      </a:lnRef>
+      <a:fillRef idx="1">
+        <a:scrgbClr r="0" g="0" b="0"/>
+      </a:fillRef>
+      <a:effectRef idx="0">
+        <a:scrgbClr r="0" g="0" b="0"/>
+      </a:effectRef>
+      <a:fontRef idx="minor"/>
+    </dgm:style>
+  </dgm:styleLbl>
+  <dgm:styleLbl name="bgAcc1">
+    <dgm:scene3d>
+      <a:camera prst="orthographicFront"/>
+      <a:lightRig rig="threePt" dir="t"/>
+    </dgm:scene3d>
+    <dgm:sp3d/>
+    <dgm:txPr/>
+    <dgm:style>
+      <a:lnRef idx="2">
+        <a:scrgbClr r="0" g="0" b="0"/>
+      </a:lnRef>
+      <a:fillRef idx="1">
+        <a:scrgbClr r="0" g="0" b="0"/>
+      </a:fillRef>
+      <a:effectRef idx="0">
+        <a:scrgbClr r="0" g="0" b="0"/>
+      </a:effectRef>
+      <a:fontRef idx="minor"/>
+    </dgm:style>
+  </dgm:styleLbl>
+  <dgm:styleLbl name="solidFgAcc1">
+    <dgm:scene3d>
+      <a:camera prst="orthographicFront"/>
+      <a:lightRig rig="threePt" dir="t"/>
+    </dgm:scene3d>
+    <dgm:sp3d/>
+    <dgm:txPr/>
+    <dgm:style>
+      <a:lnRef idx="2">
+        <a:scrgbClr r="0" g="0" b="0"/>
+      </a:lnRef>
+      <a:fillRef idx="1">
+        <a:scrgbClr r="0" g="0" b="0"/>
+      </a:fillRef>
+      <a:effectRef idx="0">
+        <a:scrgbClr r="0" g="0" b="0"/>
+      </a:effectRef>
+      <a:fontRef idx="minor"/>
+    </dgm:style>
+  </dgm:styleLbl>
+  <dgm:styleLbl name="solidAlignAcc1">
+    <dgm:scene3d>
+      <a:camera prst="orthographicFront"/>
+      <a:lightRig rig="threePt" dir="t"/>
+    </dgm:scene3d>
+    <dgm:sp3d/>
+    <dgm:txPr/>
+    <dgm:style>
+      <a:lnRef idx="2">
+        <a:scrgbClr r="0" g="0" b="0"/>
+      </a:lnRef>
+      <a:fillRef idx="1">
+        <a:scrgbClr r="0" g="0" b="0"/>
+      </a:fillRef>
+      <a:effectRef idx="0">
+        <a:scrgbClr r="0" g="0" b="0"/>
+      </a:effectRef>
+      <a:fontRef idx="minor"/>
+    </dgm:style>
+  </dgm:styleLbl>
+  <dgm:styleLbl name="solidBgAcc1">
+    <dgm:scene3d>
+      <a:camera prst="orthographicFront"/>
+      <a:lightRig rig="threePt" dir="t"/>
+    </dgm:scene3d>
+    <dgm:sp3d/>
+    <dgm:txPr/>
+    <dgm:style>
+      <a:lnRef idx="2">
+        <a:scrgbClr r="0" g="0" b="0"/>
+      </a:lnRef>
+      <a:fillRef idx="1">
+        <a:scrgbClr r="0" g="0" b="0"/>
+      </a:fillRef>
+      <a:effectRef idx="0">
+        <a:scrgbClr r="0" g="0" b="0"/>
+      </a:effectRef>
+      <a:fontRef idx="minor"/>
+    </dgm:style>
+  </dgm:styleLbl>
+  <dgm:styleLbl name="fgAccFollowNode1">
+    <dgm:scene3d>
+      <a:camera prst="orthographicFront"/>
+      <a:lightRig rig="threePt" dir="t"/>
+    </dgm:scene3d>
+    <dgm:sp3d/>
+    <dgm:txPr/>
+    <dgm:style>
+      <a:lnRef idx="2">
+        <a:scrgbClr r="0" g="0" b="0"/>
+      </a:lnRef>
+      <a:fillRef idx="1">
+        <a:scrgbClr r="0" g="0" b="0"/>
+      </a:fillRef>
+      <a:effectRef idx="0">
+        <a:scrgbClr r="0" g="0" b="0"/>
+      </a:effectRef>
+      <a:fontRef idx="minor"/>
+    </dgm:style>
+  </dgm:styleLbl>
+  <dgm:styleLbl name="alignAccFollowNode1">
+    <dgm:scene3d>
+      <a:camera prst="orthographicFront"/>
+      <a:lightRig rig="threePt" dir="t"/>
+    </dgm:scene3d>
+    <dgm:sp3d/>
+    <dgm:txPr/>
+    <dgm:style>
+      <a:lnRef idx="2">
+        <a:scrgbClr r="0" g="0" b="0"/>
+      </a:lnRef>
+      <a:fillRef idx="1">
+        <a:scrgbClr r="0" g="0" b="0"/>
+      </a:fillRef>
+      <a:effectRef idx="0">
+        <a:scrgbClr r="0" g="0" b="0"/>
+      </a:effectRef>
+      <a:fontRef idx="minor"/>
+    </dgm:style>
+  </dgm:styleLbl>
+  <dgm:styleLbl name="bgAccFollowNode1">
+    <dgm:scene3d>
+      <a:camera prst="orthographicFront"/>
+      <a:lightRig rig="threePt" dir="t"/>
+    </dgm:scene3d>
+    <dgm:sp3d/>
+    <dgm:txPr/>
+    <dgm:style>
+      <a:lnRef idx="2">
+        <a:scrgbClr r="0" g="0" b="0"/>
+      </a:lnRef>
+      <a:fillRef idx="1">
+        <a:scrgbClr r="0" g="0" b="0"/>
+      </a:fillRef>
+      <a:effectRef idx="0">
+        <a:scrgbClr r="0" g="0" b="0"/>
+      </a:effectRef>
+      <a:fontRef idx="minor"/>
+    </dgm:style>
+  </dgm:styleLbl>
+  <dgm:styleLbl name="fgAcc0">
+    <dgm:scene3d>
+      <a:camera prst="orthographicFront"/>
+      <a:lightRig rig="threePt" dir="t"/>
+    </dgm:scene3d>
+    <dgm:sp3d/>
+    <dgm:txPr/>
+    <dgm:style>
+      <a:lnRef idx="2">
+        <a:scrgbClr r="0" g="0" b="0"/>
+      </a:lnRef>
+      <a:fillRef idx="1">
+        <a:scrgbClr r="0" g="0" b="0"/>
+      </a:fillRef>
+      <a:effectRef idx="0">
+        <a:scrgbClr r="0" g="0" b="0"/>
+      </a:effectRef>
+      <a:fontRef idx="minor"/>
+    </dgm:style>
+  </dgm:styleLbl>
+  <dgm:styleLbl name="fgAcc2">
+    <dgm:scene3d>
+      <a:camera prst="orthographicFront"/>
+      <a:lightRig rig="threePt" dir="t"/>
+    </dgm:scene3d>
+    <dgm:sp3d/>
+    <dgm:txPr/>
+    <dgm:style>
+      <a:lnRef idx="2">
+        <a:scrgbClr r="0" g="0" b="0"/>
+      </a:lnRef>
+      <a:fillRef idx="1">
+        <a:scrgbClr r="0" g="0" b="0"/>
+      </a:fillRef>
+      <a:effectRef idx="0">
+        <a:scrgbClr r="0" g="0" b="0"/>
+      </a:effectRef>
+      <a:fontRef idx="minor"/>
+    </dgm:style>
+  </dgm:styleLbl>
+  <dgm:styleLbl name="fgAcc3">
+    <dgm:scene3d>
+      <a:camera prst="orthographicFront"/>
+      <a:lightRig rig="threePt" dir="t"/>
+    </dgm:scene3d>
+    <dgm:sp3d/>
+    <dgm:txPr/>
+    <dgm:style>
+      <a:lnRef idx="2">
+        <a:scrgbClr r="0" g="0" b="0"/>
+      </a:lnRef>
+      <a:fillRef idx="1">
+        <a:scrgbClr r="0" g="0" b="0"/>
+      </a:fillRef>
+      <a:effectRef idx="0">
+        <a:scrgbClr r="0" g="0" b="0"/>
+      </a:effectRef>
+      <a:fontRef idx="minor"/>
+    </dgm:style>
+  </dgm:styleLbl>
+  <dgm:styleLbl name="fgAcc4">
+    <dgm:scene3d>
+      <a:camera prst="orthographicFront"/>
+      <a:lightRig rig="threePt" dir="t"/>
+    </dgm:scene3d>
+    <dgm:sp3d/>
+    <dgm:txPr/>
+    <dgm:style>
+      <a:lnRef idx="2">
+        <a:scrgbClr r="0" g="0" b="0"/>
+      </a:lnRef>
+      <a:fillRef idx="1">
+        <a:scrgbClr r="0" g="0" b="0"/>
+      </a:fillRef>
+      <a:effectRef idx="0">
+        <a:scrgbClr r="0" g="0" b="0"/>
+      </a:effectRef>
+      <a:fontRef idx="minor"/>
+    </dgm:style>
+  </dgm:styleLbl>
+  <dgm:styleLbl name="bgShp">
+    <dgm:scene3d>
+      <a:camera prst="orthographicFront"/>
+      <a:lightRig rig="threePt" dir="t"/>
+    </dgm:scene3d>
+    <dgm:sp3d/>
+    <dgm:txPr/>
+    <dgm:style>
+      <a:lnRef idx="0">
+        <a:scrgbClr r="0" g="0" b="0"/>
+      </a:lnRef>
+      <a:fillRef idx="1">
+        <a:scrgbClr r="0" g="0" b="0"/>
+      </a:fillRef>
+      <a:effectRef idx="0">
+        <a:scrgbClr r="0" g="0" b="0"/>
+      </a:effectRef>
+      <a:fontRef idx="minor"/>
+    </dgm:style>
+  </dgm:styleLbl>
+  <dgm:styleLbl name="dkBgShp">
+    <dgm:scene3d>
+      <a:camera prst="orthographicFront"/>
+      <a:lightRig rig="threePt" dir="t"/>
+    </dgm:scene3d>
+    <dgm:sp3d/>
+    <dgm:txPr/>
+    <dgm:style>
+      <a:lnRef idx="0">
+        <a:scrgbClr r="0" g="0" b="0"/>
+      </a:lnRef>
+      <a:fillRef idx="1">
+        <a:scrgbClr r="0" g="0" b="0"/>
+      </a:fillRef>
+      <a:effectRef idx="0">
+        <a:scrgbClr r="0" g="0" b="0"/>
+      </a:effectRef>
+      <a:fontRef idx="minor"/>
+    </dgm:style>
+  </dgm:styleLbl>
+  <dgm:styleLbl name="trBgShp">
+    <dgm:scene3d>
+      <a:camera prst="orthographicFront"/>
+      <a:lightRig rig="threePt" dir="t"/>
+    </dgm:scene3d>
+    <dgm:sp3d/>
+    <dgm:txPr/>
+    <dgm:style>
+      <a:lnRef idx="0">
+        <a:scrgbClr r="0" g="0" b="0"/>
+      </a:lnRef>
+      <a:fillRef idx="1">
+        <a:scrgbClr r="0" g="0" b="0"/>
+      </a:fillRef>
+      <a:effectRef idx="0">
+        <a:scrgbClr r="0" g="0" b="0"/>
+      </a:effectRef>
+      <a:fontRef idx="minor"/>
+    </dgm:style>
+  </dgm:styleLbl>
+  <dgm:styleLbl name="fgShp">
+    <dgm:scene3d>
+      <a:camera prst="orthographicFront"/>
+      <a:lightRig rig="threePt" dir="t"/>
+    </dgm:scene3d>
+    <dgm:sp3d/>
+    <dgm:txPr/>
+    <dgm:style>
+      <a:lnRef idx="2">
+        <a:scrgbClr r="0" g="0" b="0"/>
+      </a:lnRef>
+      <a:fillRef idx="1">
+        <a:scrgbClr r="0" g="0" b="0"/>
+      </a:fillRef>
+      <a:effectRef idx="0">
+        <a:scrgbClr r="0" g="0" b="0"/>
+      </a:effectRef>
+      <a:fontRef idx="minor"/>
+    </dgm:style>
+  </dgm:styleLbl>
+  <dgm:styleLbl name="revTx">
+    <dgm:scene3d>
+      <a:camera prst="orthographicFront"/>
+      <a:lightRig rig="threePt" dir="t"/>
+    </dgm:scene3d>
+    <dgm:sp3d/>
+    <dgm:txPr/>
+    <dgm:style>
+      <a:lnRef idx="0">
+        <a:scrgbClr r="0" g="0" b="0"/>
+      </a:lnRef>
+      <a:fillRef idx="0">
+        <a:scrgbClr r="0" g="0" b="0"/>
+      </a:fillRef>
+      <a:effectRef idx="0">
+        <a:scrgbClr r="0" g="0" b="0"/>
+      </a:effectRef>
+      <a:fontRef idx="minor"/>
+    </dgm:style>
+  </dgm:styleLbl>
+</dgm:styleDef>
 </file>
 
 <file path=ppt/notesMasters/notesMaster1.xml><?xml version="1.0" encoding="utf-8"?>
@@ -4454,6 +6880,9 @@
             <a:avLst/>
           </a:prstGeom>
           <a:ln>
+            <a:solidFill>
+              <a:srgbClr val="FF0000"/>
+            </a:solidFill>
             <a:tailEnd type="triangle"/>
           </a:ln>
         </p:spPr>
@@ -4494,6 +6923,11 @@
           <a:prstGeom prst="line">
             <a:avLst/>
           </a:prstGeom>
+          <a:ln>
+            <a:solidFill>
+              <a:srgbClr val="FF0000"/>
+            </a:solidFill>
+          </a:ln>
         </p:spPr>
         <p:style>
           <a:lnRef idx="1">
@@ -4530,6 +6964,11 @@
           <a:prstGeom prst="line">
             <a:avLst/>
           </a:prstGeom>
+          <a:ln>
+            <a:solidFill>
+              <a:srgbClr val="FF0000"/>
+            </a:solidFill>
+          </a:ln>
         </p:spPr>
         <p:style>
           <a:lnRef idx="1">
@@ -4609,6 +7048,11 @@
           <a:prstGeom prst="line">
             <a:avLst/>
           </a:prstGeom>
+          <a:ln>
+            <a:solidFill>
+              <a:srgbClr val="FF0000"/>
+            </a:solidFill>
+          </a:ln>
         </p:spPr>
         <p:style>
           <a:lnRef idx="1">
@@ -4639,13 +7083,16 @@
         </p:nvCxnSpPr>
         <p:spPr>
           <a:xfrm>
-            <a:off x="3676454" y="4977353"/>
+            <a:off x="3667027" y="4986779"/>
             <a:ext cx="0" cy="216816"/>
           </a:xfrm>
           <a:prstGeom prst="straightConnector1">
             <a:avLst/>
           </a:prstGeom>
           <a:ln>
+            <a:solidFill>
+              <a:srgbClr val="FF0000"/>
+            </a:solidFill>
             <a:tailEnd type="triangle"/>
           </a:ln>
         </p:spPr>
@@ -4728,6 +7175,9 @@
             <a:avLst/>
           </a:prstGeom>
           <a:ln>
+            <a:solidFill>
+              <a:srgbClr val="FF0000"/>
+            </a:solidFill>
             <a:tailEnd type="triangle"/>
           </a:ln>
         </p:spPr>
@@ -5833,6 +8283,11 @@
           <a:prstGeom prst="line">
             <a:avLst/>
           </a:prstGeom>
+          <a:ln>
+            <a:solidFill>
+              <a:srgbClr val="FF0000"/>
+            </a:solidFill>
+          </a:ln>
         </p:spPr>
         <p:style>
           <a:lnRef idx="1">
@@ -5863,13 +8318,16 @@
         </p:nvCxnSpPr>
         <p:spPr>
           <a:xfrm>
-            <a:off x="9389882" y="4703975"/>
+            <a:off x="9389882" y="4694548"/>
             <a:ext cx="0" cy="311085"/>
           </a:xfrm>
           <a:prstGeom prst="straightConnector1">
             <a:avLst/>
           </a:prstGeom>
           <a:ln>
+            <a:solidFill>
+              <a:srgbClr val="FF0000"/>
+            </a:solidFill>
             <a:tailEnd type="triangle"/>
           </a:ln>
         </p:spPr>
@@ -6138,12 +8596,25 @@
             <p:ph type="ctrTitle"/>
           </p:nvPr>
         </p:nvSpPr>
-        <p:spPr/>
+        <p:spPr>
+          <a:xfrm>
+            <a:off x="304801" y="692544"/>
+            <a:ext cx="2438400" cy="419819"/>
+          </a:xfrm>
+        </p:spPr>
         <p:txBody>
-          <a:bodyPr/>
+          <a:bodyPr>
+            <a:normAutofit/>
+          </a:bodyPr>
           <a:lstStyle/>
           <a:p>
-            <a:endParaRPr lang="pt-BR"/>
+            <a:r>
+              <a:rPr lang="pt-BR" sz="2000" dirty="0">
+                <a:latin typeface="Times New Roman" panose="02020603050405020304" pitchFamily="18" charset="0"/>
+                <a:cs typeface="Times New Roman" panose="02020603050405020304" pitchFamily="18" charset="0"/>
+              </a:rPr>
+              <a:t>Área do Consumidor</a:t>
+            </a:r>
           </a:p>
         </p:txBody>
       </p:sp>
@@ -6163,15 +8634,367 @@
             <p:ph type="subTitle" idx="1"/>
           </p:nvPr>
         </p:nvSpPr>
-        <p:spPr/>
+        <p:spPr>
+          <a:xfrm>
+            <a:off x="304800" y="1112363"/>
+            <a:ext cx="2438400" cy="5053091"/>
+          </a:xfrm>
+        </p:spPr>
         <p:txBody>
-          <a:bodyPr/>
+          <a:bodyPr>
+            <a:normAutofit/>
+          </a:bodyPr>
           <a:lstStyle/>
           <a:p>
-            <a:endParaRPr lang="pt-BR"/>
+            <a:pPr marL="285750" indent="-285750" algn="l">
+              <a:buFont typeface="Arial" panose="020B0604020202020204" pitchFamily="34" charset="0"/>
+              <a:buChar char="•"/>
+            </a:pPr>
+            <a:r>
+              <a:rPr lang="pt-BR" sz="1400" dirty="0">
+                <a:latin typeface="Times New Roman" panose="02020603050405020304" pitchFamily="18" charset="0"/>
+                <a:cs typeface="Times New Roman" panose="02020603050405020304" pitchFamily="18" charset="0"/>
+              </a:rPr>
+              <a:t>Após a realização do login, o usuário irá entrar nesta página e poderá alterar seus dados:</a:t>
+            </a:r>
+          </a:p>
+          <a:p>
+            <a:pPr marL="742950" lvl="1" indent="-285750" algn="l">
+              <a:buFont typeface="Wingdings" panose="05000000000000000000" pitchFamily="2" charset="2"/>
+              <a:buChar char="§"/>
+            </a:pPr>
+            <a:r>
+              <a:rPr lang="pt-BR" sz="1200" dirty="0">
+                <a:latin typeface="Times New Roman" panose="02020603050405020304" pitchFamily="18" charset="0"/>
+                <a:cs typeface="Times New Roman" panose="02020603050405020304" pitchFamily="18" charset="0"/>
+              </a:rPr>
+              <a:t>Nome completo</a:t>
+            </a:r>
+          </a:p>
+          <a:p>
+            <a:pPr marL="742950" lvl="1" indent="-285750" algn="l">
+              <a:buFont typeface="Wingdings" panose="05000000000000000000" pitchFamily="2" charset="2"/>
+              <a:buChar char="§"/>
+            </a:pPr>
+            <a:r>
+              <a:rPr lang="pt-BR" sz="1200" dirty="0">
+                <a:latin typeface="Times New Roman" panose="02020603050405020304" pitchFamily="18" charset="0"/>
+                <a:cs typeface="Times New Roman" panose="02020603050405020304" pitchFamily="18" charset="0"/>
+              </a:rPr>
+              <a:t>E-mail</a:t>
+            </a:r>
+          </a:p>
+          <a:p>
+            <a:pPr marL="742950" lvl="1" indent="-285750" algn="l">
+              <a:buFont typeface="Wingdings" panose="05000000000000000000" pitchFamily="2" charset="2"/>
+              <a:buChar char="§"/>
+            </a:pPr>
+            <a:r>
+              <a:rPr lang="pt-BR" sz="1200" dirty="0">
+                <a:latin typeface="Times New Roman" panose="02020603050405020304" pitchFamily="18" charset="0"/>
+                <a:cs typeface="Times New Roman" panose="02020603050405020304" pitchFamily="18" charset="0"/>
+              </a:rPr>
+              <a:t>CPF</a:t>
+            </a:r>
+          </a:p>
+          <a:p>
+            <a:pPr marL="742950" lvl="1" indent="-285750" algn="l">
+              <a:buFont typeface="Wingdings" panose="05000000000000000000" pitchFamily="2" charset="2"/>
+              <a:buChar char="§"/>
+            </a:pPr>
+            <a:r>
+              <a:rPr lang="pt-BR" sz="1200" dirty="0">
+                <a:latin typeface="Times New Roman" panose="02020603050405020304" pitchFamily="18" charset="0"/>
+                <a:cs typeface="Times New Roman" panose="02020603050405020304" pitchFamily="18" charset="0"/>
+              </a:rPr>
+              <a:t>Telefone</a:t>
+            </a:r>
+          </a:p>
+          <a:p>
+            <a:pPr marL="742950" lvl="1" indent="-285750" algn="l">
+              <a:buFont typeface="Wingdings" panose="05000000000000000000" pitchFamily="2" charset="2"/>
+              <a:buChar char="§"/>
+            </a:pPr>
+            <a:r>
+              <a:rPr lang="pt-BR" sz="1200" dirty="0">
+                <a:latin typeface="Times New Roman" panose="02020603050405020304" pitchFamily="18" charset="0"/>
+                <a:cs typeface="Times New Roman" panose="02020603050405020304" pitchFamily="18" charset="0"/>
+              </a:rPr>
+              <a:t>Senha</a:t>
+            </a:r>
+          </a:p>
+          <a:p>
+            <a:pPr marL="285750" indent="-285750" algn="l">
+              <a:buFont typeface="Arial" panose="020B0604020202020204" pitchFamily="34" charset="0"/>
+              <a:buChar char="•"/>
+            </a:pPr>
+            <a:r>
+              <a:rPr lang="pt-BR" sz="1400" dirty="0">
+                <a:latin typeface="Times New Roman" panose="02020603050405020304" pitchFamily="18" charset="0"/>
+                <a:cs typeface="Times New Roman" panose="02020603050405020304" pitchFamily="18" charset="0"/>
+              </a:rPr>
+              <a:t>O consumidor poderá avaliar o último posto no qual ele utilizou.</a:t>
+            </a:r>
+          </a:p>
+          <a:p>
+            <a:pPr lvl="1" algn="l"/>
+            <a:endParaRPr lang="pt-BR" sz="1200" dirty="0">
+              <a:latin typeface="Times New Roman" panose="02020603050405020304" pitchFamily="18" charset="0"/>
+              <a:cs typeface="Times New Roman" panose="02020603050405020304" pitchFamily="18" charset="0"/>
+            </a:endParaRPr>
+          </a:p>
+          <a:p>
+            <a:pPr lvl="1" algn="l"/>
+            <a:endParaRPr lang="pt-BR" sz="1200" dirty="0">
+              <a:latin typeface="Times New Roman" panose="02020603050405020304" pitchFamily="18" charset="0"/>
+              <a:cs typeface="Times New Roman" panose="02020603050405020304" pitchFamily="18" charset="0"/>
+            </a:endParaRPr>
+          </a:p>
+          <a:p>
+            <a:pPr marL="285750" indent="-285750" algn="l">
+              <a:buFont typeface="Arial" panose="020B0604020202020204" pitchFamily="34" charset="0"/>
+              <a:buChar char="•"/>
+            </a:pPr>
+            <a:endParaRPr lang="pt-BR" sz="1400" dirty="0">
+              <a:latin typeface="Times New Roman" panose="02020603050405020304" pitchFamily="18" charset="0"/>
+              <a:cs typeface="Times New Roman" panose="02020603050405020304" pitchFamily="18" charset="0"/>
+            </a:endParaRPr>
           </a:p>
         </p:txBody>
       </p:sp>
+      <p:pic>
+        <p:nvPicPr>
+          <p:cNvPr id="7" name="Imagem 6">
+            <a:extLst>
+              <a:ext uri="{FF2B5EF4-FFF2-40B4-BE49-F238E27FC236}">
+                <a16:creationId xmlns:a16="http://schemas.microsoft.com/office/drawing/2014/main" id="{A0E91FFD-31EC-44C0-813A-F5352C1723CB}"/>
+              </a:ext>
+            </a:extLst>
+          </p:cNvPr>
+          <p:cNvPicPr>
+            <a:picLocks noChangeAspect="1"/>
+          </p:cNvPicPr>
+          <p:nvPr/>
+        </p:nvPicPr>
+        <p:blipFill>
+          <a:blip r:embed="rId2">
+            <a:extLst>
+              <a:ext uri="{28A0092B-C50C-407E-A947-70E740481C1C}">
+                <a14:useLocalDpi xmlns:a14="http://schemas.microsoft.com/office/drawing/2010/main" val="0"/>
+              </a:ext>
+            </a:extLst>
+          </a:blip>
+          <a:stretch>
+            <a:fillRect/>
+          </a:stretch>
+        </p:blipFill>
+        <p:spPr>
+          <a:xfrm>
+            <a:off x="3120267" y="805666"/>
+            <a:ext cx="8814062" cy="5472911"/>
+          </a:xfrm>
+          <a:prstGeom prst="rect">
+            <a:avLst/>
+          </a:prstGeom>
+          <a:effectLst>
+            <a:outerShdw blurRad="63500" sx="102000" sy="102000" algn="ctr" rotWithShape="0">
+              <a:prstClr val="black">
+                <a:alpha val="40000"/>
+              </a:prstClr>
+            </a:outerShdw>
+          </a:effectLst>
+        </p:spPr>
+      </p:pic>
+      <p:pic>
+        <p:nvPicPr>
+          <p:cNvPr id="9" name="Imagem 8">
+            <a:extLst>
+              <a:ext uri="{FF2B5EF4-FFF2-40B4-BE49-F238E27FC236}">
+                <a16:creationId xmlns:a16="http://schemas.microsoft.com/office/drawing/2014/main" id="{AF6625AD-0D82-471B-8093-A1917BB8F42A}"/>
+              </a:ext>
+            </a:extLst>
+          </p:cNvPr>
+          <p:cNvPicPr>
+            <a:picLocks noChangeAspect="1"/>
+          </p:cNvPicPr>
+          <p:nvPr/>
+        </p:nvPicPr>
+        <p:blipFill>
+          <a:blip r:embed="rId3"/>
+          <a:stretch>
+            <a:fillRect/>
+          </a:stretch>
+        </p:blipFill>
+        <p:spPr>
+          <a:xfrm>
+            <a:off x="7075581" y="6052333"/>
+            <a:ext cx="4717351" cy="510584"/>
+          </a:xfrm>
+          <a:prstGeom prst="rect">
+            <a:avLst/>
+          </a:prstGeom>
+          <a:effectLst>
+            <a:outerShdw blurRad="63500" sx="102000" sy="102000" algn="ctr" rotWithShape="0">
+              <a:prstClr val="black">
+                <a:alpha val="40000"/>
+              </a:prstClr>
+            </a:outerShdw>
+          </a:effectLst>
+        </p:spPr>
+      </p:pic>
+      <p:cxnSp>
+        <p:nvCxnSpPr>
+          <p:cNvPr id="11" name="Conector reto 10">
+            <a:extLst>
+              <a:ext uri="{FF2B5EF4-FFF2-40B4-BE49-F238E27FC236}">
+                <a16:creationId xmlns:a16="http://schemas.microsoft.com/office/drawing/2014/main" id="{E5682BBD-A75E-4F76-8C41-5A633109E73F}"/>
+              </a:ext>
+            </a:extLst>
+          </p:cNvPr>
+          <p:cNvCxnSpPr/>
+          <p:nvPr/>
+        </p:nvCxnSpPr>
+        <p:spPr>
+          <a:xfrm>
+            <a:off x="8634953" y="5788058"/>
+            <a:ext cx="1564849" cy="0"/>
+          </a:xfrm>
+          <a:prstGeom prst="line">
+            <a:avLst/>
+          </a:prstGeom>
+          <a:ln>
+            <a:solidFill>
+              <a:srgbClr val="FF0000"/>
+            </a:solidFill>
+          </a:ln>
+        </p:spPr>
+        <p:style>
+          <a:lnRef idx="1">
+            <a:schemeClr val="dk1"/>
+          </a:lnRef>
+          <a:fillRef idx="0">
+            <a:schemeClr val="dk1"/>
+          </a:fillRef>
+          <a:effectRef idx="0">
+            <a:schemeClr val="dk1"/>
+          </a:effectRef>
+          <a:fontRef idx="minor">
+            <a:schemeClr val="tx1"/>
+          </a:fontRef>
+        </p:style>
+      </p:cxnSp>
+      <p:cxnSp>
+        <p:nvCxnSpPr>
+          <p:cNvPr id="13" name="Conector de Seta Reta 12">
+            <a:extLst>
+              <a:ext uri="{FF2B5EF4-FFF2-40B4-BE49-F238E27FC236}">
+                <a16:creationId xmlns:a16="http://schemas.microsoft.com/office/drawing/2014/main" id="{4F856ADA-6BD3-49FE-B085-46E03762A2AA}"/>
+              </a:ext>
+            </a:extLst>
+          </p:cNvPr>
+          <p:cNvCxnSpPr/>
+          <p:nvPr/>
+        </p:nvCxnSpPr>
+        <p:spPr>
+          <a:xfrm>
+            <a:off x="10190375" y="5778631"/>
+            <a:ext cx="0" cy="179109"/>
+          </a:xfrm>
+          <a:prstGeom prst="straightConnector1">
+            <a:avLst/>
+          </a:prstGeom>
+          <a:ln>
+            <a:solidFill>
+              <a:srgbClr val="FF0000"/>
+            </a:solidFill>
+            <a:tailEnd type="triangle"/>
+          </a:ln>
+        </p:spPr>
+        <p:style>
+          <a:lnRef idx="1">
+            <a:schemeClr val="dk1"/>
+          </a:lnRef>
+          <a:fillRef idx="0">
+            <a:schemeClr val="dk1"/>
+          </a:fillRef>
+          <a:effectRef idx="0">
+            <a:schemeClr val="dk1"/>
+          </a:effectRef>
+          <a:fontRef idx="minor">
+            <a:schemeClr val="tx1"/>
+          </a:fontRef>
+        </p:style>
+      </p:cxnSp>
+      <p:graphicFrame>
+        <p:nvGraphicFramePr>
+          <p:cNvPr id="18" name="Diagrama 17">
+            <a:extLst>
+              <a:ext uri="{FF2B5EF4-FFF2-40B4-BE49-F238E27FC236}">
+                <a16:creationId xmlns:a16="http://schemas.microsoft.com/office/drawing/2014/main" id="{AEBE230B-D36B-4249-8F82-D54C1EA94026}"/>
+              </a:ext>
+            </a:extLst>
+          </p:cNvPr>
+          <p:cNvGraphicFramePr/>
+          <p:nvPr>
+            <p:extLst>
+              <p:ext uri="{D42A27DB-BD31-4B8C-83A1-F6EECF244321}">
+                <p14:modId xmlns:p14="http://schemas.microsoft.com/office/powerpoint/2010/main" val="4045044335"/>
+              </p:ext>
+            </p:extLst>
+          </p:nvPr>
+        </p:nvGraphicFramePr>
+        <p:xfrm>
+          <a:off x="8908332" y="1928112"/>
+          <a:ext cx="3140487" cy="2535482"/>
+        </p:xfrm>
+        <a:graphic>
+          <a:graphicData uri="http://schemas.openxmlformats.org/drawingml/2006/diagram">
+            <dgm:relIds xmlns:dgm="http://schemas.openxmlformats.org/drawingml/2006/diagram" xmlns:r="http://schemas.openxmlformats.org/officeDocument/2006/relationships" r:dm="rId4" r:lo="rId5" r:qs="rId6" r:cs="rId7"/>
+          </a:graphicData>
+        </a:graphic>
+      </p:graphicFrame>
+      <p:cxnSp>
+        <p:nvCxnSpPr>
+          <p:cNvPr id="20" name="Conector de Seta Reta 19">
+            <a:extLst>
+              <a:ext uri="{FF2B5EF4-FFF2-40B4-BE49-F238E27FC236}">
+                <a16:creationId xmlns:a16="http://schemas.microsoft.com/office/drawing/2014/main" id="{F3D35C73-791B-4446-89A1-B15828F05A5D}"/>
+              </a:ext>
+            </a:extLst>
+          </p:cNvPr>
+          <p:cNvCxnSpPr/>
+          <p:nvPr/>
+        </p:nvCxnSpPr>
+        <p:spPr>
+          <a:xfrm>
+            <a:off x="10199802" y="1461155"/>
+            <a:ext cx="0" cy="395925"/>
+          </a:xfrm>
+          <a:prstGeom prst="straightConnector1">
+            <a:avLst/>
+          </a:prstGeom>
+          <a:ln>
+            <a:solidFill>
+              <a:srgbClr val="FF0000"/>
+            </a:solidFill>
+            <a:tailEnd type="triangle"/>
+          </a:ln>
+        </p:spPr>
+        <p:style>
+          <a:lnRef idx="1">
+            <a:schemeClr val="accent1"/>
+          </a:lnRef>
+          <a:fillRef idx="0">
+            <a:schemeClr val="accent1"/>
+          </a:fillRef>
+          <a:effectRef idx="0">
+            <a:schemeClr val="accent1"/>
+          </a:effectRef>
+          <a:fontRef idx="minor">
+            <a:schemeClr val="tx1"/>
+          </a:fontRef>
+        </p:style>
+      </p:cxnSp>
     </p:spTree>
     <p:extLst>
       <p:ext uri="{BB962C8B-B14F-4D97-AF65-F5344CB8AC3E}">

--- a/Apresentação do projeto.pptx
+++ b/Apresentação do projeto.pptx
@@ -129,7 +129,7 @@
   <pc:docChgLst>
     <pc:chgData name="Robson Levi" userId="1019b20ae95c112e" providerId="LiveId" clId="{527BBB49-8F9D-40C5-8023-400A0CF34FE2}"/>
     <pc:docChg chg="undo custSel addSld delSld modSld sldOrd addSection delSection modSection">
-      <pc:chgData name="Robson Levi" userId="1019b20ae95c112e" providerId="LiveId" clId="{527BBB49-8F9D-40C5-8023-400A0CF34FE2}" dt="2021-12-04T14:12:43.159" v="4729" actId="1076"/>
+      <pc:chgData name="Robson Levi" userId="1019b20ae95c112e" providerId="LiveId" clId="{527BBB49-8F9D-40C5-8023-400A0CF34FE2}" dt="2021-12-04T14:14:24.785" v="4784" actId="20577"/>
       <pc:docMkLst>
         <pc:docMk/>
       </pc:docMkLst>
@@ -488,7 +488,7 @@
         </pc:picChg>
       </pc:sldChg>
       <pc:sldChg chg="addSp delSp modSp new mod modTransition">
-        <pc:chgData name="Robson Levi" userId="1019b20ae95c112e" providerId="LiveId" clId="{527BBB49-8F9D-40C5-8023-400A0CF34FE2}" dt="2021-12-04T14:11:24.267" v="4719" actId="208"/>
+        <pc:chgData name="Robson Levi" userId="1019b20ae95c112e" providerId="LiveId" clId="{527BBB49-8F9D-40C5-8023-400A0CF34FE2}" dt="2021-12-04T14:14:24.785" v="4784" actId="20577"/>
         <pc:sldMkLst>
           <pc:docMk/>
           <pc:sldMk cId="3753950790" sldId="262"/>
@@ -510,7 +510,7 @@
           </ac:spMkLst>
         </pc:spChg>
         <pc:graphicFrameChg chg="add mod modGraphic">
-          <ac:chgData name="Robson Levi" userId="1019b20ae95c112e" providerId="LiveId" clId="{527BBB49-8F9D-40C5-8023-400A0CF34FE2}" dt="2021-12-04T14:10:56.539" v="4717"/>
+          <ac:chgData name="Robson Levi" userId="1019b20ae95c112e" providerId="LiveId" clId="{527BBB49-8F9D-40C5-8023-400A0CF34FE2}" dt="2021-12-04T14:14:24.785" v="4784" actId="20577"/>
           <ac:graphicFrameMkLst>
             <pc:docMk/>
             <pc:sldMk cId="3753950790" sldId="262"/>
@@ -1621,7 +1621,7 @@
               <a:latin typeface="Times New Roman" panose="02020603050405020304" pitchFamily="18" charset="0"/>
               <a:cs typeface="Times New Roman" panose="02020603050405020304" pitchFamily="18" charset="0"/>
             </a:rPr>
-            <a:t>Realizar logout</a:t>
+            <a:t>Para sair da sua conta</a:t>
           </a:r>
         </a:p>
       </dgm:t>
@@ -1844,7 +1844,7 @@
               <a:latin typeface="Times New Roman" panose="02020603050405020304" pitchFamily="18" charset="0"/>
               <a:cs typeface="Times New Roman" panose="02020603050405020304" pitchFamily="18" charset="0"/>
             </a:rPr>
-            <a:t>Realizar logout</a:t>
+            <a:t>Para sair da sua conta</a:t>
           </a:r>
         </a:p>
       </dsp:txBody>
@@ -8938,7 +8938,7 @@
           <p:nvPr>
             <p:extLst>
               <p:ext uri="{D42A27DB-BD31-4B8C-83A1-F6EECF244321}">
-                <p14:modId xmlns:p14="http://schemas.microsoft.com/office/powerpoint/2010/main" val="4045044335"/>
+                <p14:modId xmlns:p14="http://schemas.microsoft.com/office/powerpoint/2010/main" val="3495809998"/>
               </p:ext>
             </p:extLst>
           </p:nvPr>

--- a/Apresentação do projeto.pptx
+++ b/Apresentação do projeto.pptx
@@ -129,7 +129,7 @@
   <pc:docChgLst>
     <pc:chgData name="Robson Levi" userId="1019b20ae95c112e" providerId="LiveId" clId="{527BBB49-8F9D-40C5-8023-400A0CF34FE2}"/>
     <pc:docChg chg="undo custSel addSld delSld modSld sldOrd addSection delSection modSection">
-      <pc:chgData name="Robson Levi" userId="1019b20ae95c112e" providerId="LiveId" clId="{527BBB49-8F9D-40C5-8023-400A0CF34FE2}" dt="2021-12-04T14:14:24.785" v="4784" actId="20577"/>
+      <pc:chgData name="Robson Levi" userId="1019b20ae95c112e" providerId="LiveId" clId="{527BBB49-8F9D-40C5-8023-400A0CF34FE2}" dt="2021-12-04T14:45:34.039" v="5231" actId="1076"/>
       <pc:docMkLst>
         <pc:docMk/>
       </pc:docMkLst>
@@ -488,13 +488,13 @@
         </pc:picChg>
       </pc:sldChg>
       <pc:sldChg chg="addSp delSp modSp new mod modTransition">
-        <pc:chgData name="Robson Levi" userId="1019b20ae95c112e" providerId="LiveId" clId="{527BBB49-8F9D-40C5-8023-400A0CF34FE2}" dt="2021-12-04T14:14:24.785" v="4784" actId="20577"/>
+        <pc:chgData name="Robson Levi" userId="1019b20ae95c112e" providerId="LiveId" clId="{527BBB49-8F9D-40C5-8023-400A0CF34FE2}" dt="2021-12-04T14:35:49.476" v="4940" actId="20577"/>
         <pc:sldMkLst>
           <pc:docMk/>
           <pc:sldMk cId="3753950790" sldId="262"/>
         </pc:sldMkLst>
         <pc:spChg chg="mod">
-          <ac:chgData name="Robson Levi" userId="1019b20ae95c112e" providerId="LiveId" clId="{527BBB49-8F9D-40C5-8023-400A0CF34FE2}" dt="2021-12-04T13:42:56.720" v="4045" actId="14100"/>
+          <ac:chgData name="Robson Levi" userId="1019b20ae95c112e" providerId="LiveId" clId="{527BBB49-8F9D-40C5-8023-400A0CF34FE2}" dt="2021-12-04T14:34:23.535" v="4824" actId="207"/>
           <ac:spMkLst>
             <pc:docMk/>
             <pc:sldMk cId="3753950790" sldId="262"/>
@@ -502,7 +502,7 @@
           </ac:spMkLst>
         </pc:spChg>
         <pc:spChg chg="mod">
-          <ac:chgData name="Robson Levi" userId="1019b20ae95c112e" providerId="LiveId" clId="{527BBB49-8F9D-40C5-8023-400A0CF34FE2}" dt="2021-12-04T13:48:19.114" v="4407" actId="20577"/>
+          <ac:chgData name="Robson Levi" userId="1019b20ae95c112e" providerId="LiveId" clId="{527BBB49-8F9D-40C5-8023-400A0CF34FE2}" dt="2021-12-04T14:35:49.476" v="4940" actId="20577"/>
           <ac:spMkLst>
             <pc:docMk/>
             <pc:sldMk cId="3753950790" sldId="262"/>
@@ -582,14 +582,14 @@
           </ac:cxnSpMkLst>
         </pc:cxnChg>
       </pc:sldChg>
-      <pc:sldChg chg="modSp new modTransition">
-        <pc:chgData name="Robson Levi" userId="1019b20ae95c112e" providerId="LiveId" clId="{527BBB49-8F9D-40C5-8023-400A0CF34FE2}" dt="2021-12-04T03:02:19.221" v="1721"/>
+      <pc:sldChg chg="addSp delSp modSp new mod modTransition">
+        <pc:chgData name="Robson Levi" userId="1019b20ae95c112e" providerId="LiveId" clId="{527BBB49-8F9D-40C5-8023-400A0CF34FE2}" dt="2021-12-04T14:45:34.039" v="5231" actId="1076"/>
         <pc:sldMkLst>
           <pc:docMk/>
           <pc:sldMk cId="3037487956" sldId="263"/>
         </pc:sldMkLst>
         <pc:spChg chg="mod">
-          <ac:chgData name="Robson Levi" userId="1019b20ae95c112e" providerId="LiveId" clId="{527BBB49-8F9D-40C5-8023-400A0CF34FE2}" dt="2021-12-04T03:02:19.221" v="1721"/>
+          <ac:chgData name="Robson Levi" userId="1019b20ae95c112e" providerId="LiveId" clId="{527BBB49-8F9D-40C5-8023-400A0CF34FE2}" dt="2021-12-04T14:34:41.216" v="4826" actId="2711"/>
           <ac:spMkLst>
             <pc:docMk/>
             <pc:sldMk cId="3037487956" sldId="263"/>
@@ -597,13 +597,117 @@
           </ac:spMkLst>
         </pc:spChg>
         <pc:spChg chg="mod">
-          <ac:chgData name="Robson Levi" userId="1019b20ae95c112e" providerId="LiveId" clId="{527BBB49-8F9D-40C5-8023-400A0CF34FE2}" dt="2021-12-04T03:02:19.221" v="1721"/>
+          <ac:chgData name="Robson Levi" userId="1019b20ae95c112e" providerId="LiveId" clId="{527BBB49-8F9D-40C5-8023-400A0CF34FE2}" dt="2021-12-04T14:38:23.114" v="5188" actId="20577"/>
           <ac:spMkLst>
             <pc:docMk/>
             <pc:sldMk cId="3037487956" sldId="263"/>
             <ac:spMk id="3" creationId="{78B50FB3-09EF-49EF-94D2-10236F723C9D}"/>
           </ac:spMkLst>
         </pc:spChg>
+        <pc:spChg chg="add mod">
+          <ac:chgData name="Robson Levi" userId="1019b20ae95c112e" providerId="LiveId" clId="{527BBB49-8F9D-40C5-8023-400A0CF34FE2}" dt="2021-12-04T14:45:34.039" v="5231" actId="1076"/>
+          <ac:spMkLst>
+            <pc:docMk/>
+            <pc:sldMk cId="3037487956" sldId="263"/>
+            <ac:spMk id="16" creationId="{D473114F-D972-4DBF-A41A-E4E30EF8FC24}"/>
+          </ac:spMkLst>
+        </pc:spChg>
+        <pc:spChg chg="add mod">
+          <ac:chgData name="Robson Levi" userId="1019b20ae95c112e" providerId="LiveId" clId="{527BBB49-8F9D-40C5-8023-400A0CF34FE2}" dt="2021-12-04T14:43:01.506" v="5210"/>
+          <ac:spMkLst>
+            <pc:docMk/>
+            <pc:sldMk cId="3037487956" sldId="263"/>
+            <ac:spMk id="18" creationId="{A640DCD0-5BFA-48D7-B0B0-1CCF11D760D2}"/>
+          </ac:spMkLst>
+        </pc:spChg>
+        <pc:spChg chg="add mod">
+          <ac:chgData name="Robson Levi" userId="1019b20ae95c112e" providerId="LiveId" clId="{527BBB49-8F9D-40C5-8023-400A0CF34FE2}" dt="2021-12-04T14:45:18.823" v="5227" actId="1076"/>
+          <ac:spMkLst>
+            <pc:docMk/>
+            <pc:sldMk cId="3037487956" sldId="263"/>
+            <ac:spMk id="19" creationId="{DC3EFDED-89EB-4EBC-8723-EED06629CA94}"/>
+          </ac:spMkLst>
+        </pc:spChg>
+        <pc:grpChg chg="add mod">
+          <ac:chgData name="Robson Levi" userId="1019b20ae95c112e" providerId="LiveId" clId="{527BBB49-8F9D-40C5-8023-400A0CF34FE2}" dt="2021-12-04T14:45:30.415" v="5230" actId="1076"/>
+          <ac:grpSpMkLst>
+            <pc:docMk/>
+            <pc:sldMk cId="3037487956" sldId="263"/>
+            <ac:grpSpMk id="17" creationId="{4988FFE6-8378-4561-8F6A-41D9FCD3BCDD}"/>
+          </ac:grpSpMkLst>
+        </pc:grpChg>
+        <pc:picChg chg="add mod">
+          <ac:chgData name="Robson Levi" userId="1019b20ae95c112e" providerId="LiveId" clId="{527BBB49-8F9D-40C5-8023-400A0CF34FE2}" dt="2021-12-04T14:43:01.039" v="5209" actId="1076"/>
+          <ac:picMkLst>
+            <pc:docMk/>
+            <pc:sldMk cId="3037487956" sldId="263"/>
+            <ac:picMk id="5" creationId="{BF6EE22C-322E-4DB2-90E2-ED7A22450F1E}"/>
+          </ac:picMkLst>
+        </pc:picChg>
+        <pc:picChg chg="add mod">
+          <ac:chgData name="Robson Levi" userId="1019b20ae95c112e" providerId="LiveId" clId="{527BBB49-8F9D-40C5-8023-400A0CF34FE2}" dt="2021-12-04T14:40:30.479" v="5195" actId="1076"/>
+          <ac:picMkLst>
+            <pc:docMk/>
+            <pc:sldMk cId="3037487956" sldId="263"/>
+            <ac:picMk id="7" creationId="{232FC702-4186-4A42-B3DA-9C08A7E82B48}"/>
+          </ac:picMkLst>
+        </pc:picChg>
+        <pc:picChg chg="add mod">
+          <ac:chgData name="Robson Levi" userId="1019b20ae95c112e" providerId="LiveId" clId="{527BBB49-8F9D-40C5-8023-400A0CF34FE2}" dt="2021-12-04T14:42:14.905" v="5204" actId="1440"/>
+          <ac:picMkLst>
+            <pc:docMk/>
+            <pc:sldMk cId="3037487956" sldId="263"/>
+            <ac:picMk id="13" creationId="{C93ED830-A1A7-47BB-8664-DBEB7A9BC00A}"/>
+          </ac:picMkLst>
+        </pc:picChg>
+        <pc:cxnChg chg="add mod">
+          <ac:chgData name="Robson Levi" userId="1019b20ae95c112e" providerId="LiveId" clId="{527BBB49-8F9D-40C5-8023-400A0CF34FE2}" dt="2021-12-04T14:40:53.544" v="5198" actId="208"/>
+          <ac:cxnSpMkLst>
+            <pc:docMk/>
+            <pc:sldMk cId="3037487956" sldId="263"/>
+            <ac:cxnSpMk id="9" creationId="{39896A00-7FCF-43BC-9859-72E54AA6C90C}"/>
+          </ac:cxnSpMkLst>
+        </pc:cxnChg>
+        <pc:cxnChg chg="add mod">
+          <ac:chgData name="Robson Levi" userId="1019b20ae95c112e" providerId="LiveId" clId="{527BBB49-8F9D-40C5-8023-400A0CF34FE2}" dt="2021-12-04T14:41:06.024" v="5200" actId="208"/>
+          <ac:cxnSpMkLst>
+            <pc:docMk/>
+            <pc:sldMk cId="3037487956" sldId="263"/>
+            <ac:cxnSpMk id="11" creationId="{5F106CEB-9036-46AB-A8F0-4E1D0839979C}"/>
+          </ac:cxnSpMkLst>
+        </pc:cxnChg>
+        <pc:cxnChg chg="add mod">
+          <ac:chgData name="Robson Levi" userId="1019b20ae95c112e" providerId="LiveId" clId="{527BBB49-8F9D-40C5-8023-400A0CF34FE2}" dt="2021-12-04T14:42:31.072" v="5206" actId="208"/>
+          <ac:cxnSpMkLst>
+            <pc:docMk/>
+            <pc:sldMk cId="3037487956" sldId="263"/>
+            <ac:cxnSpMk id="15" creationId="{701EC68A-E745-43B9-AD8B-5DE6E6C38825}"/>
+          </ac:cxnSpMkLst>
+        </pc:cxnChg>
+        <pc:cxnChg chg="add mod">
+          <ac:chgData name="Robson Levi" userId="1019b20ae95c112e" providerId="LiveId" clId="{527BBB49-8F9D-40C5-8023-400A0CF34FE2}" dt="2021-12-04T14:44:13.848" v="5222" actId="208"/>
+          <ac:cxnSpMkLst>
+            <pc:docMk/>
+            <pc:sldMk cId="3037487956" sldId="263"/>
+            <ac:cxnSpMk id="21" creationId="{8F4B1881-9A0F-4B36-AE6D-BACFE233FD6B}"/>
+          </ac:cxnSpMkLst>
+        </pc:cxnChg>
+        <pc:cxnChg chg="add del">
+          <ac:chgData name="Robson Levi" userId="1019b20ae95c112e" providerId="LiveId" clId="{527BBB49-8F9D-40C5-8023-400A0CF34FE2}" dt="2021-12-04T14:44:34.942" v="5224" actId="478"/>
+          <ac:cxnSpMkLst>
+            <pc:docMk/>
+            <pc:sldMk cId="3037487956" sldId="263"/>
+            <ac:cxnSpMk id="23" creationId="{93E1D787-ED7E-4326-93F1-F058AA7C76EA}"/>
+          </ac:cxnSpMkLst>
+        </pc:cxnChg>
+        <pc:cxnChg chg="add mod">
+          <ac:chgData name="Robson Levi" userId="1019b20ae95c112e" providerId="LiveId" clId="{527BBB49-8F9D-40C5-8023-400A0CF34FE2}" dt="2021-12-04T14:45:08.040" v="5226" actId="208"/>
+          <ac:cxnSpMkLst>
+            <pc:docMk/>
+            <pc:sldMk cId="3037487956" sldId="263"/>
+            <ac:cxnSpMk id="25" creationId="{0257E18B-97CB-4834-B222-C84C6B52F1BE}"/>
+          </ac:cxnSpMkLst>
+        </pc:cxnChg>
       </pc:sldChg>
       <pc:sldChg chg="modSp new modTransition">
         <pc:chgData name="Robson Levi" userId="1019b20ae95c112e" providerId="LiveId" clId="{527BBB49-8F9D-40C5-8023-400A0CF34FE2}" dt="2021-12-04T03:02:19.221" v="1721"/>
@@ -8610,6 +8714,9 @@
           <a:p>
             <a:r>
               <a:rPr lang="pt-BR" sz="2000" dirty="0">
+                <a:solidFill>
+                  <a:srgbClr val="FF0000"/>
+                </a:solidFill>
                 <a:latin typeface="Times New Roman" panose="02020603050405020304" pitchFamily="18" charset="0"/>
                 <a:cs typeface="Times New Roman" panose="02020603050405020304" pitchFamily="18" charset="0"/>
               </a:rPr>
@@ -8655,7 +8762,7 @@
                 <a:latin typeface="Times New Roman" panose="02020603050405020304" pitchFamily="18" charset="0"/>
                 <a:cs typeface="Times New Roman" panose="02020603050405020304" pitchFamily="18" charset="0"/>
               </a:rPr>
-              <a:t>Após a realização do login, o usuário irá entrar nesta página e poderá alterar seus dados:</a:t>
+              <a:t>Após a realização do login como consumidor, o usuário irá entrar nesta página e poderá alterar seus dados:</a:t>
             </a:r>
           </a:p>
           <a:p>
@@ -9053,12 +9160,28 @@
             <p:ph type="ctrTitle"/>
           </p:nvPr>
         </p:nvSpPr>
-        <p:spPr/>
+        <p:spPr>
+          <a:xfrm>
+            <a:off x="182252" y="567089"/>
+            <a:ext cx="2240438" cy="394446"/>
+          </a:xfrm>
+        </p:spPr>
         <p:txBody>
-          <a:bodyPr/>
+          <a:bodyPr>
+            <a:normAutofit/>
+          </a:bodyPr>
           <a:lstStyle/>
           <a:p>
-            <a:endParaRPr lang="pt-BR"/>
+            <a:r>
+              <a:rPr lang="pt-BR" sz="2000" dirty="0">
+                <a:solidFill>
+                  <a:srgbClr val="FF0000"/>
+                </a:solidFill>
+                <a:latin typeface="Times New Roman" panose="02020603050405020304" pitchFamily="18" charset="0"/>
+                <a:cs typeface="Times New Roman" panose="02020603050405020304" pitchFamily="18" charset="0"/>
+              </a:rPr>
+              <a:t>Área do fornecedor</a:t>
+            </a:r>
           </a:p>
         </p:txBody>
       </p:sp>
@@ -9078,15 +9201,633 @@
             <p:ph type="subTitle" idx="1"/>
           </p:nvPr>
         </p:nvSpPr>
-        <p:spPr/>
+        <p:spPr>
+          <a:xfrm>
+            <a:off x="182251" y="961535"/>
+            <a:ext cx="2240439" cy="5329376"/>
+          </a:xfrm>
+        </p:spPr>
         <p:txBody>
-          <a:bodyPr/>
+          <a:bodyPr>
+            <a:normAutofit/>
+          </a:bodyPr>
           <a:lstStyle/>
           <a:p>
-            <a:endParaRPr lang="pt-BR"/>
+            <a:pPr marL="342900" indent="-342900" algn="l">
+              <a:buFont typeface="Arial" panose="020B0604020202020204" pitchFamily="34" charset="0"/>
+              <a:buChar char="•"/>
+            </a:pPr>
+            <a:r>
+              <a:rPr lang="pt-BR" sz="1400" dirty="0">
+                <a:latin typeface="Times New Roman" panose="02020603050405020304" pitchFamily="18" charset="0"/>
+                <a:cs typeface="Times New Roman" panose="02020603050405020304" pitchFamily="18" charset="0"/>
+              </a:rPr>
+              <a:t>Após o login do usuário como fornecedor, ele poderá alterar as informações da sua conta:</a:t>
+            </a:r>
+          </a:p>
+          <a:p>
+            <a:pPr marL="800100" lvl="1" indent="-342900" algn="l">
+              <a:buFont typeface="Wingdings" panose="05000000000000000000" pitchFamily="2" charset="2"/>
+              <a:buChar char="§"/>
+            </a:pPr>
+            <a:r>
+              <a:rPr lang="pt-BR" sz="1200" dirty="0">
+                <a:latin typeface="Times New Roman" panose="02020603050405020304" pitchFamily="18" charset="0"/>
+                <a:cs typeface="Times New Roman" panose="02020603050405020304" pitchFamily="18" charset="0"/>
+              </a:rPr>
+              <a:t>Nome do estabelecimento</a:t>
+            </a:r>
+          </a:p>
+          <a:p>
+            <a:pPr marL="800100" lvl="1" indent="-342900" algn="l">
+              <a:buFont typeface="Wingdings" panose="05000000000000000000" pitchFamily="2" charset="2"/>
+              <a:buChar char="§"/>
+            </a:pPr>
+            <a:r>
+              <a:rPr lang="pt-BR" sz="1200" dirty="0">
+                <a:latin typeface="Times New Roman" panose="02020603050405020304" pitchFamily="18" charset="0"/>
+                <a:cs typeface="Times New Roman" panose="02020603050405020304" pitchFamily="18" charset="0"/>
+              </a:rPr>
+              <a:t>CNPJ</a:t>
+            </a:r>
+          </a:p>
+          <a:p>
+            <a:pPr marL="800100" lvl="1" indent="-342900" algn="l">
+              <a:buFont typeface="Wingdings" panose="05000000000000000000" pitchFamily="2" charset="2"/>
+              <a:buChar char="§"/>
+            </a:pPr>
+            <a:r>
+              <a:rPr lang="pt-BR" sz="1200" dirty="0">
+                <a:latin typeface="Times New Roman" panose="02020603050405020304" pitchFamily="18" charset="0"/>
+                <a:cs typeface="Times New Roman" panose="02020603050405020304" pitchFamily="18" charset="0"/>
+              </a:rPr>
+              <a:t>Endereço</a:t>
+            </a:r>
+          </a:p>
+          <a:p>
+            <a:pPr marL="800100" lvl="1" indent="-342900" algn="l">
+              <a:buFont typeface="Wingdings" panose="05000000000000000000" pitchFamily="2" charset="2"/>
+              <a:buChar char="§"/>
+            </a:pPr>
+            <a:r>
+              <a:rPr lang="pt-BR" sz="1200" dirty="0">
+                <a:latin typeface="Times New Roman" panose="02020603050405020304" pitchFamily="18" charset="0"/>
+                <a:cs typeface="Times New Roman" panose="02020603050405020304" pitchFamily="18" charset="0"/>
+              </a:rPr>
+              <a:t>Estrutura do posto</a:t>
+            </a:r>
+          </a:p>
+          <a:p>
+            <a:pPr marL="800100" lvl="1" indent="-342900" algn="l">
+              <a:buFont typeface="Wingdings" panose="05000000000000000000" pitchFamily="2" charset="2"/>
+              <a:buChar char="§"/>
+            </a:pPr>
+            <a:r>
+              <a:rPr lang="pt-BR" sz="1200" dirty="0">
+                <a:latin typeface="Times New Roman" panose="02020603050405020304" pitchFamily="18" charset="0"/>
+                <a:cs typeface="Times New Roman" panose="02020603050405020304" pitchFamily="18" charset="0"/>
+              </a:rPr>
+              <a:t>Atualizar preços dos seus combustíveis</a:t>
+            </a:r>
           </a:p>
         </p:txBody>
       </p:sp>
+      <p:pic>
+        <p:nvPicPr>
+          <p:cNvPr id="5" name="Imagem 4">
+            <a:extLst>
+              <a:ext uri="{FF2B5EF4-FFF2-40B4-BE49-F238E27FC236}">
+                <a16:creationId xmlns:a16="http://schemas.microsoft.com/office/drawing/2014/main" id="{BF6EE22C-322E-4DB2-90E2-ED7A22450F1E}"/>
+              </a:ext>
+            </a:extLst>
+          </p:cNvPr>
+          <p:cNvPicPr>
+            <a:picLocks noChangeAspect="1"/>
+          </p:cNvPicPr>
+          <p:nvPr/>
+        </p:nvPicPr>
+        <p:blipFill>
+          <a:blip r:embed="rId2">
+            <a:extLst>
+              <a:ext uri="{28A0092B-C50C-407E-A947-70E740481C1C}">
+                <a14:useLocalDpi xmlns:a14="http://schemas.microsoft.com/office/drawing/2010/main" val="0"/>
+              </a:ext>
+            </a:extLst>
+          </a:blip>
+          <a:stretch>
+            <a:fillRect/>
+          </a:stretch>
+        </p:blipFill>
+        <p:spPr>
+          <a:xfrm>
+            <a:off x="2611224" y="567088"/>
+            <a:ext cx="9398524" cy="5723823"/>
+          </a:xfrm>
+          <a:prstGeom prst="rect">
+            <a:avLst/>
+          </a:prstGeom>
+          <a:effectLst>
+            <a:outerShdw blurRad="63500" sx="102000" sy="102000" algn="ctr" rotWithShape="0">
+              <a:prstClr val="black">
+                <a:alpha val="40000"/>
+              </a:prstClr>
+            </a:outerShdw>
+          </a:effectLst>
+        </p:spPr>
+      </p:pic>
+      <p:pic>
+        <p:nvPicPr>
+          <p:cNvPr id="7" name="Imagem 6">
+            <a:extLst>
+              <a:ext uri="{FF2B5EF4-FFF2-40B4-BE49-F238E27FC236}">
+                <a16:creationId xmlns:a16="http://schemas.microsoft.com/office/drawing/2014/main" id="{232FC702-4186-4A42-B3DA-9C08A7E82B48}"/>
+              </a:ext>
+            </a:extLst>
+          </p:cNvPr>
+          <p:cNvPicPr>
+            <a:picLocks noChangeAspect="1"/>
+          </p:cNvPicPr>
+          <p:nvPr/>
+        </p:nvPicPr>
+        <p:blipFill>
+          <a:blip r:embed="rId3"/>
+          <a:stretch>
+            <a:fillRect/>
+          </a:stretch>
+        </p:blipFill>
+        <p:spPr>
+          <a:xfrm>
+            <a:off x="874236" y="4564852"/>
+            <a:ext cx="3096908" cy="2120505"/>
+          </a:xfrm>
+          <a:prstGeom prst="rect">
+            <a:avLst/>
+          </a:prstGeom>
+          <a:effectLst>
+            <a:outerShdw blurRad="63500" sx="102000" sy="102000" algn="ctr" rotWithShape="0">
+              <a:prstClr val="black">
+                <a:alpha val="40000"/>
+              </a:prstClr>
+            </a:outerShdw>
+          </a:effectLst>
+        </p:spPr>
+      </p:pic>
+      <p:cxnSp>
+        <p:nvCxnSpPr>
+          <p:cNvPr id="9" name="Conector reto 8">
+            <a:extLst>
+              <a:ext uri="{FF2B5EF4-FFF2-40B4-BE49-F238E27FC236}">
+                <a16:creationId xmlns:a16="http://schemas.microsoft.com/office/drawing/2014/main" id="{39896A00-7FCF-43BC-9859-72E54AA6C90C}"/>
+              </a:ext>
+            </a:extLst>
+          </p:cNvPr>
+          <p:cNvCxnSpPr/>
+          <p:nvPr/>
+        </p:nvCxnSpPr>
+        <p:spPr>
+          <a:xfrm flipH="1">
+            <a:off x="3223967" y="4185501"/>
+            <a:ext cx="1696825" cy="0"/>
+          </a:xfrm>
+          <a:prstGeom prst="line">
+            <a:avLst/>
+          </a:prstGeom>
+          <a:ln>
+            <a:solidFill>
+              <a:srgbClr val="FF0000"/>
+            </a:solidFill>
+          </a:ln>
+        </p:spPr>
+        <p:style>
+          <a:lnRef idx="1">
+            <a:schemeClr val="accent2"/>
+          </a:lnRef>
+          <a:fillRef idx="0">
+            <a:schemeClr val="accent2"/>
+          </a:fillRef>
+          <a:effectRef idx="0">
+            <a:schemeClr val="accent2"/>
+          </a:effectRef>
+          <a:fontRef idx="minor">
+            <a:schemeClr val="tx1"/>
+          </a:fontRef>
+        </p:style>
+      </p:cxnSp>
+      <p:cxnSp>
+        <p:nvCxnSpPr>
+          <p:cNvPr id="11" name="Conector de Seta Reta 10">
+            <a:extLst>
+              <a:ext uri="{FF2B5EF4-FFF2-40B4-BE49-F238E27FC236}">
+                <a16:creationId xmlns:a16="http://schemas.microsoft.com/office/drawing/2014/main" id="{5F106CEB-9036-46AB-A8F0-4E1D0839979C}"/>
+              </a:ext>
+            </a:extLst>
+          </p:cNvPr>
+          <p:cNvCxnSpPr/>
+          <p:nvPr/>
+        </p:nvCxnSpPr>
+        <p:spPr>
+          <a:xfrm>
+            <a:off x="3223967" y="4185501"/>
+            <a:ext cx="0" cy="311085"/>
+          </a:xfrm>
+          <a:prstGeom prst="straightConnector1">
+            <a:avLst/>
+          </a:prstGeom>
+          <a:ln>
+            <a:solidFill>
+              <a:srgbClr val="FF0000"/>
+            </a:solidFill>
+            <a:tailEnd type="triangle"/>
+          </a:ln>
+        </p:spPr>
+        <p:style>
+          <a:lnRef idx="1">
+            <a:schemeClr val="accent1"/>
+          </a:lnRef>
+          <a:fillRef idx="0">
+            <a:schemeClr val="accent1"/>
+          </a:fillRef>
+          <a:effectRef idx="0">
+            <a:schemeClr val="accent1"/>
+          </a:effectRef>
+          <a:fontRef idx="minor">
+            <a:schemeClr val="tx1"/>
+          </a:fontRef>
+        </p:style>
+      </p:cxnSp>
+      <p:pic>
+        <p:nvPicPr>
+          <p:cNvPr id="13" name="Imagem 12">
+            <a:extLst>
+              <a:ext uri="{FF2B5EF4-FFF2-40B4-BE49-F238E27FC236}">
+                <a16:creationId xmlns:a16="http://schemas.microsoft.com/office/drawing/2014/main" id="{C93ED830-A1A7-47BB-8664-DBEB7A9BC00A}"/>
+              </a:ext>
+            </a:extLst>
+          </p:cNvPr>
+          <p:cNvPicPr>
+            <a:picLocks noChangeAspect="1"/>
+          </p:cNvPicPr>
+          <p:nvPr/>
+        </p:nvPicPr>
+        <p:blipFill>
+          <a:blip r:embed="rId4"/>
+          <a:stretch>
+            <a:fillRect/>
+          </a:stretch>
+        </p:blipFill>
+        <p:spPr>
+          <a:xfrm>
+            <a:off x="7720812" y="4185501"/>
+            <a:ext cx="3596952" cy="1699407"/>
+          </a:xfrm>
+          <a:prstGeom prst="rect">
+            <a:avLst/>
+          </a:prstGeom>
+          <a:ln>
+            <a:noFill/>
+          </a:ln>
+          <a:effectLst>
+            <a:outerShdw blurRad="292100" dist="139700" dir="2700000" algn="tl" rotWithShape="0">
+              <a:srgbClr val="333333">
+                <a:alpha val="65000"/>
+              </a:srgbClr>
+            </a:outerShdw>
+          </a:effectLst>
+        </p:spPr>
+      </p:pic>
+      <p:cxnSp>
+        <p:nvCxnSpPr>
+          <p:cNvPr id="15" name="Conector de Seta Reta 14">
+            <a:extLst>
+              <a:ext uri="{FF2B5EF4-FFF2-40B4-BE49-F238E27FC236}">
+                <a16:creationId xmlns:a16="http://schemas.microsoft.com/office/drawing/2014/main" id="{701EC68A-E745-43B9-AD8B-5DE6E6C38825}"/>
+              </a:ext>
+            </a:extLst>
+          </p:cNvPr>
+          <p:cNvCxnSpPr/>
+          <p:nvPr/>
+        </p:nvCxnSpPr>
+        <p:spPr>
+          <a:xfrm>
+            <a:off x="6721311" y="5165889"/>
+            <a:ext cx="857840" cy="0"/>
+          </a:xfrm>
+          <a:prstGeom prst="straightConnector1">
+            <a:avLst/>
+          </a:prstGeom>
+          <a:ln>
+            <a:solidFill>
+              <a:srgbClr val="FF0000"/>
+            </a:solidFill>
+            <a:tailEnd type="triangle"/>
+          </a:ln>
+        </p:spPr>
+        <p:style>
+          <a:lnRef idx="1">
+            <a:schemeClr val="accent1"/>
+          </a:lnRef>
+          <a:fillRef idx="0">
+            <a:schemeClr val="accent1"/>
+          </a:fillRef>
+          <a:effectRef idx="0">
+            <a:schemeClr val="accent1"/>
+          </a:effectRef>
+          <a:fontRef idx="minor">
+            <a:schemeClr val="tx1"/>
+          </a:fontRef>
+        </p:style>
+      </p:cxnSp>
+      <p:sp>
+        <p:nvSpPr>
+          <p:cNvPr id="16" name="Retângulo: Cantos Arredondados 15">
+            <a:extLst>
+              <a:ext uri="{FF2B5EF4-FFF2-40B4-BE49-F238E27FC236}">
+                <a16:creationId xmlns:a16="http://schemas.microsoft.com/office/drawing/2014/main" id="{D473114F-D972-4DBF-A41A-E4E30EF8FC24}"/>
+              </a:ext>
+            </a:extLst>
+          </p:cNvPr>
+          <p:cNvSpPr/>
+          <p:nvPr/>
+        </p:nvSpPr>
+        <p:spPr>
+          <a:xfrm>
+            <a:off x="9656190" y="1292583"/>
+            <a:ext cx="2269624" cy="596972"/>
+          </a:xfrm>
+          <a:prstGeom prst="roundRect">
+            <a:avLst/>
+          </a:prstGeom>
+          <a:blipFill>
+            <a:blip r:embed="rId5"/>
+            <a:srcRect/>
+            <a:stretch>
+              <a:fillRect/>
+            </a:stretch>
+          </a:blipFill>
+          <a:effectLst>
+            <a:outerShdw blurRad="63500" sx="102000" sy="102000" algn="ctr" rotWithShape="0">
+              <a:prstClr val="black">
+                <a:alpha val="40000"/>
+              </a:prstClr>
+            </a:outerShdw>
+          </a:effectLst>
+        </p:spPr>
+        <p:style>
+          <a:lnRef idx="0">
+            <a:schemeClr val="dk1">
+              <a:hueOff val="0"/>
+              <a:satOff val="0"/>
+              <a:lumOff val="0"/>
+              <a:alphaOff val="0"/>
+            </a:schemeClr>
+          </a:lnRef>
+          <a:fillRef idx="1">
+            <a:scrgbClr r="0" g="0" b="0"/>
+          </a:fillRef>
+          <a:effectRef idx="0">
+            <a:scrgbClr r="0" g="0" b="0"/>
+          </a:effectRef>
+          <a:fontRef idx="minor">
+            <a:schemeClr val="dk1">
+              <a:hueOff val="0"/>
+              <a:satOff val="0"/>
+              <a:lumOff val="0"/>
+              <a:alphaOff val="0"/>
+            </a:schemeClr>
+          </a:fontRef>
+        </p:style>
+      </p:sp>
+      <p:grpSp>
+        <p:nvGrpSpPr>
+          <p:cNvPr id="17" name="Agrupar 16">
+            <a:extLst>
+              <a:ext uri="{FF2B5EF4-FFF2-40B4-BE49-F238E27FC236}">
+                <a16:creationId xmlns:a16="http://schemas.microsoft.com/office/drawing/2014/main" id="{4988FFE6-8378-4561-8F6A-41D9FCD3BCDD}"/>
+              </a:ext>
+            </a:extLst>
+          </p:cNvPr>
+          <p:cNvGrpSpPr/>
+          <p:nvPr/>
+        </p:nvGrpSpPr>
+        <p:grpSpPr>
+          <a:xfrm>
+            <a:off x="10416619" y="1909885"/>
+            <a:ext cx="1509195" cy="361270"/>
+            <a:chOff x="1359856" y="949900"/>
+            <a:chExt cx="1780630" cy="428275"/>
+          </a:xfrm>
+        </p:grpSpPr>
+        <p:sp>
+          <p:nvSpPr>
+            <p:cNvPr id="18" name="Retângulo: Cantos Arredondados 17">
+              <a:extLst>
+                <a:ext uri="{FF2B5EF4-FFF2-40B4-BE49-F238E27FC236}">
+                  <a16:creationId xmlns:a16="http://schemas.microsoft.com/office/drawing/2014/main" id="{A640DCD0-5BFA-48D7-B0B0-1CCF11D760D2}"/>
+                </a:ext>
+              </a:extLst>
+            </p:cNvPr>
+            <p:cNvSpPr/>
+            <p:nvPr/>
+          </p:nvSpPr>
+          <p:spPr>
+            <a:xfrm>
+              <a:off x="1359856" y="949900"/>
+              <a:ext cx="1780630" cy="428275"/>
+            </a:xfrm>
+            <a:prstGeom prst="roundRect">
+              <a:avLst/>
+            </a:prstGeom>
+            <a:effectLst>
+              <a:outerShdw blurRad="63500" sx="102000" sy="102000" algn="ctr" rotWithShape="0">
+                <a:prstClr val="black">
+                  <a:alpha val="40000"/>
+                </a:prstClr>
+              </a:outerShdw>
+            </a:effectLst>
+          </p:spPr>
+          <p:style>
+            <a:lnRef idx="2">
+              <a:schemeClr val="dk1">
+                <a:shade val="80000"/>
+                <a:hueOff val="0"/>
+                <a:satOff val="0"/>
+                <a:lumOff val="0"/>
+                <a:alphaOff val="0"/>
+              </a:schemeClr>
+            </a:lnRef>
+            <a:fillRef idx="1">
+              <a:schemeClr val="lt1">
+                <a:hueOff val="0"/>
+                <a:satOff val="0"/>
+                <a:lumOff val="0"/>
+                <a:alphaOff val="0"/>
+              </a:schemeClr>
+            </a:fillRef>
+            <a:effectRef idx="0">
+              <a:scrgbClr r="0" g="0" b="0"/>
+            </a:effectRef>
+            <a:fontRef idx="minor">
+              <a:schemeClr val="dk1">
+                <a:hueOff val="0"/>
+                <a:satOff val="0"/>
+                <a:lumOff val="0"/>
+                <a:alphaOff val="0"/>
+              </a:schemeClr>
+            </a:fontRef>
+          </p:style>
+        </p:sp>
+        <p:sp>
+          <p:nvSpPr>
+            <p:cNvPr id="19" name="Retângulo: Cantos Arredondados 4">
+              <a:extLst>
+                <a:ext uri="{FF2B5EF4-FFF2-40B4-BE49-F238E27FC236}">
+                  <a16:creationId xmlns:a16="http://schemas.microsoft.com/office/drawing/2014/main" id="{DC3EFDED-89EB-4EBC-8723-EED06629CA94}"/>
+                </a:ext>
+              </a:extLst>
+            </p:cNvPr>
+            <p:cNvSpPr txBox="1"/>
+            <p:nvPr/>
+          </p:nvSpPr>
+          <p:spPr>
+            <a:xfrm>
+              <a:off x="1401670" y="970807"/>
+              <a:ext cx="1738816" cy="386461"/>
+            </a:xfrm>
+            <a:prstGeom prst="rect">
+              <a:avLst/>
+            </a:prstGeom>
+          </p:spPr>
+          <p:style>
+            <a:lnRef idx="0">
+              <a:scrgbClr r="0" g="0" b="0"/>
+            </a:lnRef>
+            <a:fillRef idx="0">
+              <a:scrgbClr r="0" g="0" b="0"/>
+            </a:fillRef>
+            <a:effectRef idx="0">
+              <a:scrgbClr r="0" g="0" b="0"/>
+            </a:effectRef>
+            <a:fontRef idx="minor">
+              <a:schemeClr val="dk1">
+                <a:hueOff val="0"/>
+                <a:satOff val="0"/>
+                <a:lumOff val="0"/>
+                <a:alphaOff val="0"/>
+              </a:schemeClr>
+            </a:fontRef>
+          </p:style>
+          <p:txBody>
+            <a:bodyPr spcFirstLastPara="0" vert="horz" wrap="square" lIns="22860" tIns="22860" rIns="22860" bIns="22860" numCol="1" spcCol="1270" anchor="ctr" anchorCtr="0">
+              <a:noAutofit/>
+            </a:bodyPr>
+            <a:lstStyle/>
+            <a:p>
+              <a:pPr marL="0" lvl="0" indent="0" algn="ctr" defTabSz="533400">
+                <a:lnSpc>
+                  <a:spcPct val="90000"/>
+                </a:lnSpc>
+                <a:spcBef>
+                  <a:spcPct val="0"/>
+                </a:spcBef>
+                <a:spcAft>
+                  <a:spcPct val="5000"/>
+                </a:spcAft>
+                <a:buNone/>
+              </a:pPr>
+              <a:r>
+                <a:rPr lang="pt-BR" sz="1200" kern="1200" dirty="0">
+                  <a:latin typeface="Times New Roman" panose="02020603050405020304" pitchFamily="18" charset="0"/>
+                  <a:cs typeface="Times New Roman" panose="02020603050405020304" pitchFamily="18" charset="0"/>
+                </a:rPr>
+                <a:t>Para sair da sua conta</a:t>
+              </a:r>
+            </a:p>
+          </p:txBody>
+        </p:sp>
+      </p:grpSp>
+      <p:cxnSp>
+        <p:nvCxnSpPr>
+          <p:cNvPr id="21" name="Conector reto 20">
+            <a:extLst>
+              <a:ext uri="{FF2B5EF4-FFF2-40B4-BE49-F238E27FC236}">
+                <a16:creationId xmlns:a16="http://schemas.microsoft.com/office/drawing/2014/main" id="{8F4B1881-9A0F-4B36-AE6D-BACFE233FD6B}"/>
+              </a:ext>
+            </a:extLst>
+          </p:cNvPr>
+          <p:cNvCxnSpPr/>
+          <p:nvPr/>
+        </p:nvCxnSpPr>
+        <p:spPr>
+          <a:xfrm flipH="1">
+            <a:off x="10633435" y="961535"/>
+            <a:ext cx="480767" cy="0"/>
+          </a:xfrm>
+          <a:prstGeom prst="line">
+            <a:avLst/>
+          </a:prstGeom>
+          <a:ln>
+            <a:solidFill>
+              <a:srgbClr val="FF0000"/>
+            </a:solidFill>
+          </a:ln>
+        </p:spPr>
+        <p:style>
+          <a:lnRef idx="1">
+            <a:schemeClr val="accent1"/>
+          </a:lnRef>
+          <a:fillRef idx="0">
+            <a:schemeClr val="accent1"/>
+          </a:fillRef>
+          <a:effectRef idx="0">
+            <a:schemeClr val="accent1"/>
+          </a:effectRef>
+          <a:fontRef idx="minor">
+            <a:schemeClr val="tx1"/>
+          </a:fontRef>
+        </p:style>
+      </p:cxnSp>
+      <p:cxnSp>
+        <p:nvCxnSpPr>
+          <p:cNvPr id="25" name="Conector de Seta Reta 24">
+            <a:extLst>
+              <a:ext uri="{FF2B5EF4-FFF2-40B4-BE49-F238E27FC236}">
+                <a16:creationId xmlns:a16="http://schemas.microsoft.com/office/drawing/2014/main" id="{0257E18B-97CB-4834-B222-C84C6B52F1BE}"/>
+              </a:ext>
+            </a:extLst>
+          </p:cNvPr>
+          <p:cNvCxnSpPr/>
+          <p:nvPr/>
+        </p:nvCxnSpPr>
+        <p:spPr>
+          <a:xfrm>
+            <a:off x="10624008" y="961535"/>
+            <a:ext cx="0" cy="250422"/>
+          </a:xfrm>
+          <a:prstGeom prst="straightConnector1">
+            <a:avLst/>
+          </a:prstGeom>
+          <a:ln>
+            <a:solidFill>
+              <a:srgbClr val="FF0000"/>
+            </a:solidFill>
+            <a:tailEnd type="triangle"/>
+          </a:ln>
+        </p:spPr>
+        <p:style>
+          <a:lnRef idx="1">
+            <a:schemeClr val="accent1"/>
+          </a:lnRef>
+          <a:fillRef idx="0">
+            <a:schemeClr val="accent1"/>
+          </a:fillRef>
+          <a:effectRef idx="0">
+            <a:schemeClr val="accent1"/>
+          </a:effectRef>
+          <a:fontRef idx="minor">
+            <a:schemeClr val="tx1"/>
+          </a:fontRef>
+        </p:style>
+      </p:cxnSp>
     </p:spTree>
     <p:extLst>
       <p:ext uri="{BB962C8B-B14F-4D97-AF65-F5344CB8AC3E}">

--- a/Apresentação do projeto.pptx
+++ b/Apresentação do projeto.pptx
@@ -129,7 +129,7 @@
   <pc:docChgLst>
     <pc:chgData name="Robson Levi" userId="1019b20ae95c112e" providerId="LiveId" clId="{527BBB49-8F9D-40C5-8023-400A0CF34FE2}"/>
     <pc:docChg chg="undo custSel addSld delSld modSld sldOrd addSection delSection modSection">
-      <pc:chgData name="Robson Levi" userId="1019b20ae95c112e" providerId="LiveId" clId="{527BBB49-8F9D-40C5-8023-400A0CF34FE2}" dt="2021-12-04T14:45:34.039" v="5231" actId="1076"/>
+      <pc:chgData name="Robson Levi" userId="1019b20ae95c112e" providerId="LiveId" clId="{527BBB49-8F9D-40C5-8023-400A0CF34FE2}" dt="2021-12-04T16:18:43.395" v="6191" actId="208"/>
       <pc:docMkLst>
         <pc:docMk/>
       </pc:docMkLst>
@@ -197,7 +197,7 @@
         </pc:picChg>
       </pc:sldChg>
       <pc:sldChg chg="addSp delSp modSp new mod ord modTransition">
-        <pc:chgData name="Robson Levi" userId="1019b20ae95c112e" providerId="LiveId" clId="{527BBB49-8F9D-40C5-8023-400A0CF34FE2}" dt="2021-12-04T13:32:07.545" v="3993" actId="207"/>
+        <pc:chgData name="Robson Levi" userId="1019b20ae95c112e" providerId="LiveId" clId="{527BBB49-8F9D-40C5-8023-400A0CF34FE2}" dt="2021-12-04T16:14:59.951" v="6154" actId="20577"/>
         <pc:sldMkLst>
           <pc:docMk/>
           <pc:sldMk cId="466258431" sldId="257"/>
@@ -211,7 +211,7 @@
           </ac:spMkLst>
         </pc:spChg>
         <pc:spChg chg="mod">
-          <ac:chgData name="Robson Levi" userId="1019b20ae95c112e" providerId="LiveId" clId="{527BBB49-8F9D-40C5-8023-400A0CF34FE2}" dt="2021-12-04T04:03:30.050" v="3386" actId="20577"/>
+          <ac:chgData name="Robson Levi" userId="1019b20ae95c112e" providerId="LiveId" clId="{527BBB49-8F9D-40C5-8023-400A0CF34FE2}" dt="2021-12-04T16:14:59.951" v="6154" actId="20577"/>
           <ac:spMkLst>
             <pc:docMk/>
             <pc:sldMk cId="466258431" sldId="257"/>
@@ -236,7 +236,7 @@
         </pc:picChg>
       </pc:sldChg>
       <pc:sldChg chg="addSp delSp modSp new mod modTransition">
-        <pc:chgData name="Robson Levi" userId="1019b20ae95c112e" providerId="LiveId" clId="{527BBB49-8F9D-40C5-8023-400A0CF34FE2}" dt="2021-12-04T14:12:43.159" v="4729" actId="1076"/>
+        <pc:chgData name="Robson Levi" userId="1019b20ae95c112e" providerId="LiveId" clId="{527BBB49-8F9D-40C5-8023-400A0CF34FE2}" dt="2021-12-04T16:15:24.837" v="6174" actId="20577"/>
         <pc:sldMkLst>
           <pc:docMk/>
           <pc:sldMk cId="942448581" sldId="258"/>
@@ -258,7 +258,7 @@
           </ac:spMkLst>
         </pc:spChg>
         <pc:spChg chg="add mod">
-          <ac:chgData name="Robson Levi" userId="1019b20ae95c112e" providerId="LiveId" clId="{527BBB49-8F9D-40C5-8023-400A0CF34FE2}" dt="2021-12-04T04:05:31.722" v="3423" actId="20577"/>
+          <ac:chgData name="Robson Levi" userId="1019b20ae95c112e" providerId="LiveId" clId="{527BBB49-8F9D-40C5-8023-400A0CF34FE2}" dt="2021-12-04T16:15:24.837" v="6174" actId="20577"/>
           <ac:spMkLst>
             <pc:docMk/>
             <pc:sldMk cId="942448581" sldId="258"/>
@@ -709,14 +709,14 @@
           </ac:cxnSpMkLst>
         </pc:cxnChg>
       </pc:sldChg>
-      <pc:sldChg chg="modSp new modTransition">
-        <pc:chgData name="Robson Levi" userId="1019b20ae95c112e" providerId="LiveId" clId="{527BBB49-8F9D-40C5-8023-400A0CF34FE2}" dt="2021-12-04T03:02:19.221" v="1721"/>
+      <pc:sldChg chg="addSp modSp new mod modTransition">
+        <pc:chgData name="Robson Levi" userId="1019b20ae95c112e" providerId="LiveId" clId="{527BBB49-8F9D-40C5-8023-400A0CF34FE2}" dt="2021-12-04T16:14:47.898" v="6152" actId="20577"/>
         <pc:sldMkLst>
           <pc:docMk/>
           <pc:sldMk cId="240297949" sldId="264"/>
         </pc:sldMkLst>
         <pc:spChg chg="mod">
-          <ac:chgData name="Robson Levi" userId="1019b20ae95c112e" providerId="LiveId" clId="{527BBB49-8F9D-40C5-8023-400A0CF34FE2}" dt="2021-12-04T03:02:19.221" v="1721"/>
+          <ac:chgData name="Robson Levi" userId="1019b20ae95c112e" providerId="LiveId" clId="{527BBB49-8F9D-40C5-8023-400A0CF34FE2}" dt="2021-12-04T16:02:16.219" v="5304" actId="207"/>
           <ac:spMkLst>
             <pc:docMk/>
             <pc:sldMk cId="240297949" sldId="264"/>
@@ -724,22 +724,38 @@
           </ac:spMkLst>
         </pc:spChg>
         <pc:spChg chg="mod">
-          <ac:chgData name="Robson Levi" userId="1019b20ae95c112e" providerId="LiveId" clId="{527BBB49-8F9D-40C5-8023-400A0CF34FE2}" dt="2021-12-04T03:02:19.221" v="1721"/>
+          <ac:chgData name="Robson Levi" userId="1019b20ae95c112e" providerId="LiveId" clId="{527BBB49-8F9D-40C5-8023-400A0CF34FE2}" dt="2021-12-04T16:14:47.898" v="6152" actId="20577"/>
           <ac:spMkLst>
             <pc:docMk/>
             <pc:sldMk cId="240297949" sldId="264"/>
             <ac:spMk id="3" creationId="{0CFCD9B9-B93C-49CA-9F8F-7A80471309C9}"/>
           </ac:spMkLst>
         </pc:spChg>
+        <pc:picChg chg="add mod">
+          <ac:chgData name="Robson Levi" userId="1019b20ae95c112e" providerId="LiveId" clId="{527BBB49-8F9D-40C5-8023-400A0CF34FE2}" dt="2021-12-04T16:01:09.267" v="5264" actId="14100"/>
+          <ac:picMkLst>
+            <pc:docMk/>
+            <pc:sldMk cId="240297949" sldId="264"/>
+            <ac:picMk id="5" creationId="{8EB6EF24-A005-4641-AE2C-0860F587C2D8}"/>
+          </ac:picMkLst>
+        </pc:picChg>
+        <pc:picChg chg="add mod">
+          <ac:chgData name="Robson Levi" userId="1019b20ae95c112e" providerId="LiveId" clId="{527BBB49-8F9D-40C5-8023-400A0CF34FE2}" dt="2021-12-04T16:01:12.179" v="5265" actId="14100"/>
+          <ac:picMkLst>
+            <pc:docMk/>
+            <pc:sldMk cId="240297949" sldId="264"/>
+            <ac:picMk id="7" creationId="{00E1CF83-F856-4413-B326-B54920C3E40C}"/>
+          </ac:picMkLst>
+        </pc:picChg>
       </pc:sldChg>
-      <pc:sldChg chg="modSp new modTransition">
-        <pc:chgData name="Robson Levi" userId="1019b20ae95c112e" providerId="LiveId" clId="{527BBB49-8F9D-40C5-8023-400A0CF34FE2}" dt="2021-12-04T03:02:19.221" v="1721"/>
+      <pc:sldChg chg="addSp modSp new mod modTransition">
+        <pc:chgData name="Robson Levi" userId="1019b20ae95c112e" providerId="LiveId" clId="{527BBB49-8F9D-40C5-8023-400A0CF34FE2}" dt="2021-12-04T16:18:43.395" v="6191" actId="208"/>
         <pc:sldMkLst>
           <pc:docMk/>
           <pc:sldMk cId="3418339709" sldId="265"/>
         </pc:sldMkLst>
         <pc:spChg chg="mod">
-          <ac:chgData name="Robson Levi" userId="1019b20ae95c112e" providerId="LiveId" clId="{527BBB49-8F9D-40C5-8023-400A0CF34FE2}" dt="2021-12-04T03:02:19.221" v="1721"/>
+          <ac:chgData name="Robson Levi" userId="1019b20ae95c112e" providerId="LiveId" clId="{527BBB49-8F9D-40C5-8023-400A0CF34FE2}" dt="2021-12-04T16:10:32.525" v="5810" actId="207"/>
           <ac:spMkLst>
             <pc:docMk/>
             <pc:sldMk cId="3418339709" sldId="265"/>
@@ -747,13 +763,37 @@
           </ac:spMkLst>
         </pc:spChg>
         <pc:spChg chg="mod">
-          <ac:chgData name="Robson Levi" userId="1019b20ae95c112e" providerId="LiveId" clId="{527BBB49-8F9D-40C5-8023-400A0CF34FE2}" dt="2021-12-04T03:02:19.221" v="1721"/>
+          <ac:chgData name="Robson Levi" userId="1019b20ae95c112e" providerId="LiveId" clId="{527BBB49-8F9D-40C5-8023-400A0CF34FE2}" dt="2021-12-04T16:14:30.476" v="6150" actId="20577"/>
           <ac:spMkLst>
             <pc:docMk/>
             <pc:sldMk cId="3418339709" sldId="265"/>
             <ac:spMk id="3" creationId="{BC49F2C7-5BEB-4C34-ACE9-5830A4556C9D}"/>
           </ac:spMkLst>
         </pc:spChg>
+        <pc:picChg chg="add mod">
+          <ac:chgData name="Robson Levi" userId="1019b20ae95c112e" providerId="LiveId" clId="{527BBB49-8F9D-40C5-8023-400A0CF34FE2}" dt="2021-12-04T16:11:25.723" v="5874" actId="14100"/>
+          <ac:picMkLst>
+            <pc:docMk/>
+            <pc:sldMk cId="3418339709" sldId="265"/>
+            <ac:picMk id="5" creationId="{AAEC83B2-2F99-4CDA-9F0F-2A679D9B128D}"/>
+          </ac:picMkLst>
+        </pc:picChg>
+        <pc:picChg chg="add mod">
+          <ac:chgData name="Robson Levi" userId="1019b20ae95c112e" providerId="LiveId" clId="{527BBB49-8F9D-40C5-8023-400A0CF34FE2}" dt="2021-12-04T16:18:31.467" v="6188" actId="14861"/>
+          <ac:picMkLst>
+            <pc:docMk/>
+            <pc:sldMk cId="3418339709" sldId="265"/>
+            <ac:picMk id="7" creationId="{4510BB38-6279-4DD2-B2F1-7A76EAD40470}"/>
+          </ac:picMkLst>
+        </pc:picChg>
+        <pc:cxnChg chg="add mod">
+          <ac:chgData name="Robson Levi" userId="1019b20ae95c112e" providerId="LiveId" clId="{527BBB49-8F9D-40C5-8023-400A0CF34FE2}" dt="2021-12-04T16:18:43.395" v="6191" actId="208"/>
+          <ac:cxnSpMkLst>
+            <pc:docMk/>
+            <pc:sldMk cId="3418339709" sldId="265"/>
+            <ac:cxnSpMk id="9" creationId="{CAAF2E41-28BB-456B-A3AE-D2BD6D356AFC}"/>
+          </ac:cxnSpMkLst>
+        </pc:cxnChg>
       </pc:sldChg>
       <pc:sldChg chg="addSp delSp modSp new del mod">
         <pc:chgData name="Robson Levi" userId="1019b20ae95c112e" providerId="LiveId" clId="{527BBB49-8F9D-40C5-8023-400A0CF34FE2}" dt="2021-12-04T13:14:50.381" v="3605" actId="680"/>
@@ -6880,7 +6920,7 @@
                 <a:latin typeface="Times New Roman" panose="02020603050405020304" pitchFamily="18" charset="0"/>
                 <a:cs typeface="Times New Roman" panose="02020603050405020304" pitchFamily="18" charset="0"/>
               </a:rPr>
-              <a:t>Na tela de Home será possível localizar os postos de combustíveis cadastrados no site Abasteça agora.</a:t>
+              <a:t>Na tela de Home será possível localizar os postos de combustíveis cadastrados no site Abasteça Agora.</a:t>
             </a:r>
           </a:p>
           <a:p>
@@ -7358,12 +7398,28 @@
             <p:ph type="ctrTitle"/>
           </p:nvPr>
         </p:nvSpPr>
-        <p:spPr/>
+        <p:spPr>
+          <a:xfrm>
+            <a:off x="490194" y="727076"/>
+            <a:ext cx="2460396" cy="498410"/>
+          </a:xfrm>
+        </p:spPr>
         <p:txBody>
-          <a:bodyPr/>
+          <a:bodyPr>
+            <a:normAutofit/>
+          </a:bodyPr>
           <a:lstStyle/>
           <a:p>
-            <a:endParaRPr lang="pt-BR"/>
+            <a:r>
+              <a:rPr lang="pt-BR" sz="2000" dirty="0">
+                <a:solidFill>
+                  <a:srgbClr val="FF0000"/>
+                </a:solidFill>
+                <a:latin typeface="Times New Roman" panose="02020603050405020304" pitchFamily="18" charset="0"/>
+                <a:cs typeface="Times New Roman" panose="02020603050405020304" pitchFamily="18" charset="0"/>
+              </a:rPr>
+              <a:t>A empresa</a:t>
+            </a:r>
           </a:p>
         </p:txBody>
       </p:sp>
@@ -7383,15 +7439,164 @@
             <p:ph type="subTitle" idx="1"/>
           </p:nvPr>
         </p:nvSpPr>
-        <p:spPr/>
+        <p:spPr>
+          <a:xfrm>
+            <a:off x="490194" y="1366887"/>
+            <a:ext cx="2460396" cy="5052767"/>
+          </a:xfrm>
+        </p:spPr>
         <p:txBody>
-          <a:bodyPr/>
+          <a:bodyPr>
+            <a:normAutofit/>
+          </a:bodyPr>
           <a:lstStyle/>
           <a:p>
-            <a:endParaRPr lang="pt-BR"/>
+            <a:pPr marL="342900" indent="-342900" algn="l">
+              <a:buFont typeface="Arial" panose="020B0604020202020204" pitchFamily="34" charset="0"/>
+              <a:buChar char="•"/>
+            </a:pPr>
+            <a:r>
+              <a:rPr lang="pt-BR" sz="1400" dirty="0">
+                <a:latin typeface="Times New Roman" panose="02020603050405020304" pitchFamily="18" charset="0"/>
+                <a:cs typeface="Times New Roman" panose="02020603050405020304" pitchFamily="18" charset="0"/>
+              </a:rPr>
+              <a:t>Nesta página você encontrará um breve resumo relatando do que se trata a empresa Abasteça Agora e nossos objetivos.</a:t>
+            </a:r>
           </a:p>
         </p:txBody>
       </p:sp>
+      <p:pic>
+        <p:nvPicPr>
+          <p:cNvPr id="5" name="Imagem 4">
+            <a:extLst>
+              <a:ext uri="{FF2B5EF4-FFF2-40B4-BE49-F238E27FC236}">
+                <a16:creationId xmlns:a16="http://schemas.microsoft.com/office/drawing/2014/main" id="{AAEC83B2-2F99-4CDA-9F0F-2A679D9B128D}"/>
+              </a:ext>
+            </a:extLst>
+          </p:cNvPr>
+          <p:cNvPicPr>
+            <a:picLocks noChangeAspect="1"/>
+          </p:cNvPicPr>
+          <p:nvPr/>
+        </p:nvPicPr>
+        <p:blipFill>
+          <a:blip r:embed="rId2"/>
+          <a:stretch>
+            <a:fillRect/>
+          </a:stretch>
+        </p:blipFill>
+        <p:spPr>
+          <a:xfrm>
+            <a:off x="3487918" y="727076"/>
+            <a:ext cx="8389856" cy="5353214"/>
+          </a:xfrm>
+          <a:prstGeom prst="rect">
+            <a:avLst/>
+          </a:prstGeom>
+        </p:spPr>
+      </p:pic>
+      <p:pic>
+        <p:nvPicPr>
+          <p:cNvPr id="7" name="Imagem 6">
+            <a:extLst>
+              <a:ext uri="{FF2B5EF4-FFF2-40B4-BE49-F238E27FC236}">
+                <a16:creationId xmlns:a16="http://schemas.microsoft.com/office/drawing/2014/main" id="{4510BB38-6279-4DD2-B2F1-7A76EAD40470}"/>
+              </a:ext>
+            </a:extLst>
+          </p:cNvPr>
+          <p:cNvPicPr>
+            <a:picLocks noChangeAspect="1"/>
+          </p:cNvPicPr>
+          <p:nvPr/>
+        </p:nvPicPr>
+        <p:blipFill>
+          <a:blip r:embed="rId3"/>
+          <a:stretch>
+            <a:fillRect/>
+          </a:stretch>
+        </p:blipFill>
+        <p:spPr>
+          <a:xfrm>
+            <a:off x="1150070" y="3129700"/>
+            <a:ext cx="3959258" cy="3289954"/>
+          </a:xfrm>
+          <a:prstGeom prst="rect">
+            <a:avLst/>
+          </a:prstGeom>
+          <a:solidFill>
+            <a:srgbClr val="FFFFFF">
+              <a:shade val="85000"/>
+            </a:srgbClr>
+          </a:solidFill>
+          <a:ln w="88900" cap="sq">
+            <a:solidFill>
+              <a:srgbClr val="FFFFFF"/>
+            </a:solidFill>
+            <a:miter lim="800000"/>
+          </a:ln>
+          <a:effectLst>
+            <a:outerShdw blurRad="63500" sx="102000" sy="102000" algn="ctr" rotWithShape="0">
+              <a:prstClr val="black">
+                <a:alpha val="40000"/>
+              </a:prstClr>
+            </a:outerShdw>
+          </a:effectLst>
+          <a:scene3d>
+            <a:camera prst="orthographicFront"/>
+            <a:lightRig rig="twoPt" dir="t">
+              <a:rot lat="0" lon="0" rev="7200000"/>
+            </a:lightRig>
+          </a:scene3d>
+          <a:sp3d>
+            <a:bevelT w="25400" h="19050"/>
+            <a:contourClr>
+              <a:srgbClr val="FFFFFF"/>
+            </a:contourClr>
+          </a:sp3d>
+        </p:spPr>
+      </p:pic>
+      <p:cxnSp>
+        <p:nvCxnSpPr>
+          <p:cNvPr id="9" name="Conector de Seta Reta 8">
+            <a:extLst>
+              <a:ext uri="{FF2B5EF4-FFF2-40B4-BE49-F238E27FC236}">
+                <a16:creationId xmlns:a16="http://schemas.microsoft.com/office/drawing/2014/main" id="{CAAF2E41-28BB-456B-A3AE-D2BD6D356AFC}"/>
+              </a:ext>
+            </a:extLst>
+          </p:cNvPr>
+          <p:cNvCxnSpPr/>
+          <p:nvPr/>
+        </p:nvCxnSpPr>
+        <p:spPr>
+          <a:xfrm flipH="1">
+            <a:off x="5373278" y="4015819"/>
+            <a:ext cx="1008668" cy="0"/>
+          </a:xfrm>
+          <a:prstGeom prst="straightConnector1">
+            <a:avLst/>
+          </a:prstGeom>
+          <a:ln>
+            <a:solidFill>
+              <a:srgbClr val="FF0000"/>
+            </a:solidFill>
+            <a:tailEnd type="triangle"/>
+          </a:ln>
+        </p:spPr>
+        <p:style>
+          <a:lnRef idx="1">
+            <a:schemeClr val="accent1"/>
+          </a:lnRef>
+          <a:fillRef idx="0">
+            <a:schemeClr val="accent1"/>
+          </a:fillRef>
+          <a:effectRef idx="0">
+            <a:schemeClr val="accent1"/>
+          </a:effectRef>
+          <a:fontRef idx="minor">
+            <a:schemeClr val="tx1"/>
+          </a:fontRef>
+        </p:style>
+      </p:cxnSp>
     </p:spTree>
     <p:extLst>
       <p:ext uri="{BB962C8B-B14F-4D97-AF65-F5344CB8AC3E}">
@@ -8570,7 +8775,7 @@
                 <a:latin typeface="Times New Roman" panose="02020603050405020304" pitchFamily="18" charset="0"/>
                 <a:cs typeface="Times New Roman" panose="02020603050405020304" pitchFamily="18" charset="0"/>
               </a:rPr>
-              <a:t>Página em que será realizado o login dos usuário já cadastrado no site Abasteça agora. [RF-08]</a:t>
+              <a:t>Página em que será realizado o login dos usuário já cadastrado no site Abasteça Agora. [RF-08]</a:t>
             </a:r>
           </a:p>
           <a:p>
@@ -9886,12 +10091,28 @@
             <p:ph type="ctrTitle"/>
           </p:nvPr>
         </p:nvSpPr>
-        <p:spPr/>
+        <p:spPr>
+          <a:xfrm>
+            <a:off x="348792" y="989815"/>
+            <a:ext cx="2658359" cy="443060"/>
+          </a:xfrm>
+        </p:spPr>
         <p:txBody>
-          <a:bodyPr/>
+          <a:bodyPr>
+            <a:normAutofit/>
+          </a:bodyPr>
           <a:lstStyle/>
           <a:p>
-            <a:endParaRPr lang="pt-BR"/>
+            <a:r>
+              <a:rPr lang="pt-BR" sz="2000" dirty="0">
+                <a:solidFill>
+                  <a:srgbClr val="FF0000"/>
+                </a:solidFill>
+                <a:latin typeface="Times New Roman" panose="02020603050405020304" pitchFamily="18" charset="0"/>
+                <a:cs typeface="Times New Roman" panose="02020603050405020304" pitchFamily="18" charset="0"/>
+              </a:rPr>
+              <a:t>Espaço administrativo</a:t>
+            </a:r>
           </a:p>
         </p:txBody>
       </p:sp>
@@ -9911,15 +10132,132 @@
             <p:ph type="subTitle" idx="1"/>
           </p:nvPr>
         </p:nvSpPr>
-        <p:spPr/>
+        <p:spPr>
+          <a:xfrm>
+            <a:off x="348792" y="1593129"/>
+            <a:ext cx="2658359" cy="4275055"/>
+          </a:xfrm>
+        </p:spPr>
         <p:txBody>
-          <a:bodyPr/>
+          <a:bodyPr>
+            <a:normAutofit/>
+          </a:bodyPr>
           <a:lstStyle/>
           <a:p>
-            <a:endParaRPr lang="pt-BR"/>
+            <a:pPr marL="342900" indent="-342900" algn="l">
+              <a:buFont typeface="Arial" panose="020B0604020202020204" pitchFamily="34" charset="0"/>
+              <a:buChar char="•"/>
+            </a:pPr>
+            <a:r>
+              <a:rPr lang="pt-BR" sz="1400" dirty="0">
+                <a:latin typeface="Times New Roman" panose="02020603050405020304" pitchFamily="18" charset="0"/>
+                <a:cs typeface="Times New Roman" panose="02020603050405020304" pitchFamily="18" charset="0"/>
+              </a:rPr>
+              <a:t>Página que apresenta todos os usuários cadastrados no site Abasteça Agora.</a:t>
+            </a:r>
+          </a:p>
+          <a:p>
+            <a:pPr marL="342900" indent="-342900" algn="l">
+              <a:buFont typeface="Arial" panose="020B0604020202020204" pitchFamily="34" charset="0"/>
+              <a:buChar char="•"/>
+            </a:pPr>
+            <a:r>
+              <a:rPr lang="pt-BR" sz="1400" dirty="0">
+                <a:latin typeface="Times New Roman" panose="02020603050405020304" pitchFamily="18" charset="0"/>
+                <a:cs typeface="Times New Roman" panose="02020603050405020304" pitchFamily="18" charset="0"/>
+              </a:rPr>
+              <a:t>Para visualizar as informações do consumidor ou fornecedor, basta clicar em cima no usuário.</a:t>
+            </a:r>
+          </a:p>
+          <a:p>
+            <a:pPr marL="342900" indent="-342900" algn="l">
+              <a:buFont typeface="Arial" panose="020B0604020202020204" pitchFamily="34" charset="0"/>
+              <a:buChar char="•"/>
+            </a:pPr>
+            <a:r>
+              <a:rPr lang="pt-BR" sz="1400" dirty="0">
+                <a:latin typeface="Times New Roman" panose="02020603050405020304" pitchFamily="18" charset="0"/>
+                <a:cs typeface="Times New Roman" panose="02020603050405020304" pitchFamily="18" charset="0"/>
+              </a:rPr>
+              <a:t>Em casos de dificuldade para encontrar uma conta, é só utilizar o campo de “Pesquisar contatos”.</a:t>
+            </a:r>
           </a:p>
         </p:txBody>
       </p:sp>
+      <p:pic>
+        <p:nvPicPr>
+          <p:cNvPr id="5" name="Imagem 4">
+            <a:extLst>
+              <a:ext uri="{FF2B5EF4-FFF2-40B4-BE49-F238E27FC236}">
+                <a16:creationId xmlns:a16="http://schemas.microsoft.com/office/drawing/2014/main" id="{8EB6EF24-A005-4641-AE2C-0860F587C2D8}"/>
+              </a:ext>
+            </a:extLst>
+          </p:cNvPr>
+          <p:cNvPicPr>
+            <a:picLocks noChangeAspect="1"/>
+          </p:cNvPicPr>
+          <p:nvPr/>
+        </p:nvPicPr>
+        <p:blipFill>
+          <a:blip r:embed="rId2"/>
+          <a:stretch>
+            <a:fillRect/>
+          </a:stretch>
+        </p:blipFill>
+        <p:spPr>
+          <a:xfrm>
+            <a:off x="3393649" y="132819"/>
+            <a:ext cx="8581535" cy="4178009"/>
+          </a:xfrm>
+          <a:prstGeom prst="rect">
+            <a:avLst/>
+          </a:prstGeom>
+          <a:effectLst>
+            <a:outerShdw blurRad="63500" sx="102000" sy="102000" algn="ctr" rotWithShape="0">
+              <a:prstClr val="black">
+                <a:alpha val="40000"/>
+              </a:prstClr>
+            </a:outerShdw>
+          </a:effectLst>
+        </p:spPr>
+      </p:pic>
+      <p:pic>
+        <p:nvPicPr>
+          <p:cNvPr id="7" name="Imagem 6">
+            <a:extLst>
+              <a:ext uri="{FF2B5EF4-FFF2-40B4-BE49-F238E27FC236}">
+                <a16:creationId xmlns:a16="http://schemas.microsoft.com/office/drawing/2014/main" id="{00E1CF83-F856-4413-B326-B54920C3E40C}"/>
+              </a:ext>
+            </a:extLst>
+          </p:cNvPr>
+          <p:cNvPicPr>
+            <a:picLocks noChangeAspect="1"/>
+          </p:cNvPicPr>
+          <p:nvPr/>
+        </p:nvPicPr>
+        <p:blipFill>
+          <a:blip r:embed="rId3"/>
+          <a:stretch>
+            <a:fillRect/>
+          </a:stretch>
+        </p:blipFill>
+        <p:spPr>
+          <a:xfrm>
+            <a:off x="3393649" y="4392891"/>
+            <a:ext cx="8581535" cy="2332290"/>
+          </a:xfrm>
+          <a:prstGeom prst="rect">
+            <a:avLst/>
+          </a:prstGeom>
+          <a:effectLst>
+            <a:outerShdw blurRad="63500" sx="102000" sy="102000" algn="ctr" rotWithShape="0">
+              <a:prstClr val="black">
+                <a:alpha val="40000"/>
+              </a:prstClr>
+            </a:outerShdw>
+          </a:effectLst>
+        </p:spPr>
+      </p:pic>
     </p:spTree>
     <p:extLst>
       <p:ext uri="{BB962C8B-B14F-4D97-AF65-F5344CB8AC3E}">
